--- a/FINAL_Referat_BWP_FINAL.pptx
+++ b/FINAL_Referat_BWP_FINAL.pptx
@@ -9572,7 +9572,7 @@
         <p:spPr>
           <a:xfrm>
             <a:off x="0" y="4824360"/>
-            <a:ext cx="9139320" cy="314280"/>
+            <a:ext cx="9138960" cy="313920"/>
           </a:xfrm>
           <a:prstGeom prst="rect">
             <a:avLst/>
@@ -9608,7 +9608,7 @@
         <p:spPr>
           <a:xfrm>
             <a:off x="8714160" y="4897080"/>
-            <a:ext cx="187200" cy="187200"/>
+            <a:ext cx="186840" cy="186840"/>
           </a:xfrm>
           <a:prstGeom prst="ellipse">
             <a:avLst/>
@@ -9644,7 +9644,7 @@
                 <a:spcPct val="100000"/>
               </a:lnSpc>
             </a:pPr>
-            <a:fld id="{55E09089-A314-4B62-B410-655E5B1EEC4B}" type="slidenum">
+            <a:fld id="{01C431C3-FE28-43EB-9028-7E3EA12D27D7}" type="slidenum">
               <a:rPr b="0" lang="de-DE" sz="680" spc="-1" strike="noStrike">
                 <a:solidFill>
                   <a:srgbClr val="02d35f"/>
@@ -9673,7 +9673,7 @@
         <p:spPr>
           <a:xfrm>
             <a:off x="0" y="0"/>
-            <a:ext cx="9139320" cy="5138640"/>
+            <a:ext cx="9138960" cy="5138280"/>
           </a:xfrm>
           <a:prstGeom prst="rect">
             <a:avLst/>
@@ -9696,7 +9696,7 @@
         <p:spPr>
           <a:xfrm>
             <a:off x="7395120" y="486360"/>
-            <a:ext cx="872640" cy="528480"/>
+            <a:ext cx="872280" cy="528120"/>
           </a:xfrm>
           <a:prstGeom prst="rect">
             <a:avLst/>
@@ -9975,7 +9975,7 @@
         <p:spPr>
           <a:xfrm>
             <a:off x="0" y="4824360"/>
-            <a:ext cx="9139320" cy="314280"/>
+            <a:ext cx="9138960" cy="313920"/>
           </a:xfrm>
           <a:prstGeom prst="rect">
             <a:avLst/>
@@ -10036,7 +10036,7 @@
         <p:spPr>
           <a:xfrm>
             <a:off x="8714160" y="4897080"/>
-            <a:ext cx="187200" cy="187200"/>
+            <a:ext cx="186840" cy="186840"/>
           </a:xfrm>
           <a:prstGeom prst="ellipse">
             <a:avLst/>
@@ -10072,7 +10072,7 @@
                 <a:spcPct val="100000"/>
               </a:lnSpc>
             </a:pPr>
-            <a:fld id="{A4CCDE49-BC10-4CFE-A0E3-443B465FA9DD}" type="slidenum">
+            <a:fld id="{C84F05BB-C775-4920-BFE9-D48AAE14C65B}" type="slidenum">
               <a:rPr b="0" lang="de-DE" sz="680" spc="-1" strike="noStrike">
                 <a:solidFill>
                   <a:srgbClr val="02d35f"/>
@@ -10357,7 +10357,7 @@
         <p:spPr>
           <a:xfrm>
             <a:off x="0" y="4824360"/>
-            <a:ext cx="9141120" cy="316080"/>
+            <a:ext cx="9140760" cy="315720"/>
           </a:xfrm>
           <a:prstGeom prst="rect">
             <a:avLst/>
@@ -10385,7 +10385,7 @@
         <p:spPr>
           <a:xfrm>
             <a:off x="8714160" y="4897080"/>
-            <a:ext cx="189000" cy="189000"/>
+            <a:ext cx="188640" cy="188640"/>
           </a:xfrm>
           <a:prstGeom prst="ellipse">
             <a:avLst/>
@@ -10413,7 +10413,7 @@
                 <a:spcPct val="100000"/>
               </a:lnSpc>
             </a:pPr>
-            <a:fld id="{C388F2F6-E870-4EFA-9D62-42C535BF2FFF}" type="slidenum">
+            <a:fld id="{D2221B07-3BB9-4ECD-B8DB-69975C425445}" type="slidenum">
               <a:rPr b="0" lang="de-DE" sz="680" spc="-1" strike="noStrike">
                 <a:solidFill>
                   <a:srgbClr val="02d35f"/>
@@ -10876,7 +10876,7 @@
         <p:spPr>
           <a:xfrm>
             <a:off x="0" y="4824360"/>
-            <a:ext cx="9141120" cy="316080"/>
+            <a:ext cx="9140760" cy="315720"/>
           </a:xfrm>
           <a:prstGeom prst="rect">
             <a:avLst/>
@@ -10904,7 +10904,7 @@
         <p:spPr>
           <a:xfrm>
             <a:off x="8714160" y="4897080"/>
-            <a:ext cx="189000" cy="189000"/>
+            <a:ext cx="188640" cy="188640"/>
           </a:xfrm>
           <a:prstGeom prst="ellipse">
             <a:avLst/>
@@ -10932,7 +10932,7 @@
                 <a:spcPct val="100000"/>
               </a:lnSpc>
             </a:pPr>
-            <a:fld id="{5EF5E56C-D2E0-42DC-B474-2E511E76963A}" type="slidenum">
+            <a:fld id="{09C2C262-8EF6-4274-B59E-937540AD88FC}" type="slidenum">
               <a:rPr b="0" lang="de-DE" sz="680" spc="-1" strike="noStrike">
                 <a:solidFill>
                   <a:srgbClr val="02d35f"/>
@@ -11217,7 +11217,7 @@
         <p:spPr>
           <a:xfrm>
             <a:off x="0" y="4824360"/>
-            <a:ext cx="9141120" cy="316080"/>
+            <a:ext cx="9140760" cy="315720"/>
           </a:xfrm>
           <a:prstGeom prst="rect">
             <a:avLst/>
@@ -11245,7 +11245,7 @@
         <p:spPr>
           <a:xfrm>
             <a:off x="8714160" y="4897080"/>
-            <a:ext cx="189000" cy="189000"/>
+            <a:ext cx="188640" cy="188640"/>
           </a:xfrm>
           <a:prstGeom prst="ellipse">
             <a:avLst/>
@@ -11273,7 +11273,7 @@
                 <a:spcPct val="100000"/>
               </a:lnSpc>
             </a:pPr>
-            <a:fld id="{C86F00CC-D619-49EE-BEB7-8F8A91933723}" type="slidenum">
+            <a:fld id="{9F9DA988-153D-4112-B3EA-DC901E7FB31E}" type="slidenum">
               <a:rPr b="0" lang="de-DE" sz="680" spc="-1" strike="noStrike">
                 <a:solidFill>
                   <a:srgbClr val="02d35f"/>
@@ -11736,7 +11736,7 @@
         <p:spPr>
           <a:xfrm>
             <a:off x="0" y="4824360"/>
-            <a:ext cx="9141120" cy="316080"/>
+            <a:ext cx="9140760" cy="315720"/>
           </a:xfrm>
           <a:prstGeom prst="rect">
             <a:avLst/>
@@ -11764,7 +11764,7 @@
         <p:spPr>
           <a:xfrm>
             <a:off x="8714160" y="4897080"/>
-            <a:ext cx="189000" cy="189000"/>
+            <a:ext cx="188640" cy="188640"/>
           </a:xfrm>
           <a:prstGeom prst="ellipse">
             <a:avLst/>
@@ -11792,7 +11792,7 @@
                 <a:spcPct val="100000"/>
               </a:lnSpc>
             </a:pPr>
-            <a:fld id="{56057BC2-F9A8-4678-A9D5-D2A008657360}" type="slidenum">
+            <a:fld id="{AAF6ECF6-3194-4F1E-A1B9-E9BB6D64A8BA}" type="slidenum">
               <a:rPr b="0" lang="de-DE" sz="680" spc="-1" strike="noStrike">
                 <a:solidFill>
                   <a:srgbClr val="02d35f"/>
@@ -12077,7 +12077,7 @@
         <p:spPr>
           <a:xfrm>
             <a:off x="0" y="4824360"/>
-            <a:ext cx="9138960" cy="313920"/>
+            <a:ext cx="9138600" cy="313560"/>
           </a:xfrm>
           <a:prstGeom prst="rect">
             <a:avLst/>
@@ -12138,7 +12138,7 @@
         <p:spPr>
           <a:xfrm>
             <a:off x="8714160" y="4897080"/>
-            <a:ext cx="186840" cy="186840"/>
+            <a:ext cx="186480" cy="186480"/>
           </a:xfrm>
           <a:prstGeom prst="ellipse">
             <a:avLst/>
@@ -12174,7 +12174,7 @@
                 <a:spcPct val="100000"/>
               </a:lnSpc>
             </a:pPr>
-            <a:fld id="{96B61344-64AD-46D0-BC7E-367A10AF6A36}" type="slidenum">
+            <a:fld id="{C51C9F92-BD06-4446-9D24-1B630E774A95}" type="slidenum">
               <a:rPr b="0" lang="de-DE" sz="680" spc="-1" strike="noStrike">
                 <a:solidFill>
                   <a:srgbClr val="02d35f"/>
@@ -12452,7 +12452,7 @@
         <p:spPr>
           <a:xfrm>
             <a:off x="867960" y="1080360"/>
-            <a:ext cx="7399800" cy="1785960"/>
+            <a:ext cx="7399440" cy="1785600"/>
           </a:xfrm>
           <a:prstGeom prst="rect">
             <a:avLst/>
@@ -12503,7 +12503,7 @@
         <p:spPr>
           <a:xfrm>
             <a:off x="867960" y="2926800"/>
-            <a:ext cx="7399800" cy="785880"/>
+            <a:ext cx="7399440" cy="785520"/>
           </a:xfrm>
           <a:prstGeom prst="rect">
             <a:avLst/>
@@ -12584,7 +12584,7 @@
         <p:spPr>
           <a:xfrm>
             <a:off x="867960" y="4218840"/>
-            <a:ext cx="3249360" cy="677160"/>
+            <a:ext cx="3249000" cy="676800"/>
           </a:xfrm>
           <a:prstGeom prst="rect">
             <a:avLst/>
@@ -12661,7 +12661,7 @@
         <p:spPr>
           <a:xfrm>
             <a:off x="7223760" y="274320"/>
-            <a:ext cx="1277640" cy="820440"/>
+            <a:ext cx="1277280" cy="820080"/>
           </a:xfrm>
           <a:prstGeom prst="rect">
             <a:avLst/>
@@ -12721,7 +12721,7 @@
         <p:spPr>
           <a:xfrm>
             <a:off x="457200" y="205200"/>
-            <a:ext cx="8227800" cy="857160"/>
+            <a:ext cx="8227440" cy="856800"/>
           </a:xfrm>
           <a:prstGeom prst="rect">
             <a:avLst/>
@@ -12776,7 +12776,7 @@
         <p:spPr>
           <a:xfrm>
             <a:off x="5256000" y="1211040"/>
-            <a:ext cx="3870360" cy="2915640"/>
+            <a:ext cx="3870000" cy="2915280"/>
           </a:xfrm>
           <a:prstGeom prst="rect">
             <a:avLst/>
@@ -12795,7 +12795,7 @@
         <p:spPr>
           <a:xfrm>
             <a:off x="376200" y="1193040"/>
-            <a:ext cx="4734360" cy="2981520"/>
+            <a:ext cx="4734000" cy="2981160"/>
           </a:xfrm>
           <a:prstGeom prst="rect">
             <a:avLst/>
@@ -12816,7 +12816,7 @@
             <a:normAutofit/>
           </a:bodyPr>
           <a:p>
-            <a:pPr marL="432000" indent="-322560">
+            <a:pPr marL="432000" indent="-322200">
               <a:lnSpc>
                 <a:spcPct val="100000"/>
               </a:lnSpc>
@@ -12855,7 +12855,7 @@
         <p:spPr>
           <a:xfrm>
             <a:off x="360000" y="4248000"/>
-            <a:ext cx="8638920" cy="345240"/>
+            <a:ext cx="8638560" cy="344880"/>
           </a:xfrm>
           <a:prstGeom prst="rect">
             <a:avLst/>
@@ -13170,7 +13170,7 @@
         <p:spPr>
           <a:xfrm>
             <a:off x="874800" y="343080"/>
-            <a:ext cx="7961760" cy="581400"/>
+            <a:ext cx="7961400" cy="581040"/>
           </a:xfrm>
           <a:prstGeom prst="rect">
             <a:avLst/>
@@ -13196,7 +13196,7 @@
         <p:spPr>
           <a:xfrm>
             <a:off x="874800" y="1428480"/>
-            <a:ext cx="7961760" cy="3180240"/>
+            <a:ext cx="7961400" cy="3179880"/>
           </a:xfrm>
           <a:prstGeom prst="rect">
             <a:avLst/>
@@ -13222,7 +13222,7 @@
         <p:spPr>
           <a:xfrm>
             <a:off x="874800" y="343080"/>
-            <a:ext cx="7961760" cy="581400"/>
+            <a:ext cx="7961400" cy="581040"/>
           </a:xfrm>
           <a:prstGeom prst="rect">
             <a:avLst/>
@@ -13273,7 +13273,7 @@
         <p:spPr>
           <a:xfrm>
             <a:off x="822960" y="1188720"/>
-            <a:ext cx="7130160" cy="3580200"/>
+            <a:ext cx="7129800" cy="3579840"/>
           </a:xfrm>
           <a:prstGeom prst="rect">
             <a:avLst/>
@@ -13307,7 +13307,7 @@
                 <a:latin typeface="Arial"/>
                 <a:ea typeface="Droid Sans Fallback"/>
               </a:rPr>
-              <a:t>-Abschluss eines Gesellschaftsvertrages zwischen Komplementär und Kommandisten</a:t>
+              <a:t>-Abschluss eines Gesellschaftsvertrages zwischen Komplementär und Kommanditisten</a:t>
             </a:r>
             <a:endParaRPr b="0" lang="de-DE" sz="1800" spc="-1" strike="noStrike">
               <a:latin typeface="Arial"/>
@@ -13454,7 +13454,7 @@
         <p:spPr>
           <a:xfrm>
             <a:off x="874800" y="343080"/>
-            <a:ext cx="7961760" cy="581400"/>
+            <a:ext cx="7961400" cy="581040"/>
           </a:xfrm>
           <a:prstGeom prst="rect">
             <a:avLst/>
@@ -13480,7 +13480,7 @@
         <p:spPr>
           <a:xfrm>
             <a:off x="874800" y="1428480"/>
-            <a:ext cx="7961760" cy="3180240"/>
+            <a:ext cx="7961400" cy="3179880"/>
           </a:xfrm>
           <a:prstGeom prst="rect">
             <a:avLst/>
@@ -13506,7 +13506,7 @@
         <p:spPr>
           <a:xfrm>
             <a:off x="874800" y="343080"/>
-            <a:ext cx="7961760" cy="581400"/>
+            <a:ext cx="7961400" cy="581040"/>
           </a:xfrm>
           <a:prstGeom prst="rect">
             <a:avLst/>
@@ -13557,7 +13557,7 @@
         <p:spPr>
           <a:xfrm>
             <a:off x="822960" y="1188720"/>
-            <a:ext cx="7130160" cy="3580200"/>
+            <a:ext cx="7129800" cy="3579840"/>
           </a:xfrm>
           <a:prstGeom prst="rect">
             <a:avLst/>
@@ -13768,7 +13768,7 @@
         <p:spPr>
           <a:xfrm>
             <a:off x="874800" y="343080"/>
-            <a:ext cx="7960680" cy="580320"/>
+            <a:ext cx="7960320" cy="579960"/>
           </a:xfrm>
           <a:prstGeom prst="rect">
             <a:avLst/>
@@ -13794,7 +13794,7 @@
         <p:spPr>
           <a:xfrm>
             <a:off x="874800" y="1428480"/>
-            <a:ext cx="7960680" cy="3179160"/>
+            <a:ext cx="7960320" cy="3178800"/>
           </a:xfrm>
           <a:prstGeom prst="rect">
             <a:avLst/>
@@ -13820,7 +13820,7 @@
         <p:spPr>
           <a:xfrm>
             <a:off x="874800" y="343080"/>
-            <a:ext cx="7960680" cy="580320"/>
+            <a:ext cx="7960320" cy="579960"/>
           </a:xfrm>
           <a:prstGeom prst="rect">
             <a:avLst/>
@@ -13871,7 +13871,7 @@
         <p:spPr>
           <a:xfrm>
             <a:off x="822960" y="1188720"/>
-            <a:ext cx="7129080" cy="3579120"/>
+            <a:ext cx="7128720" cy="3578760"/>
           </a:xfrm>
           <a:prstGeom prst="rect">
             <a:avLst/>
@@ -13892,7 +13892,7 @@
             <a:noAutofit/>
           </a:bodyPr>
           <a:p>
-            <a:pPr marL="216000" indent="-215280">
+            <a:pPr marL="216000" indent="-214920">
               <a:lnSpc>
                 <a:spcPct val="100000"/>
               </a:lnSpc>
@@ -13923,7 +13923,7 @@
             </a:endParaRPr>
           </a:p>
           <a:p>
-            <a:pPr marL="216000" indent="-215280">
+            <a:pPr marL="216000" indent="-214920">
               <a:lnSpc>
                 <a:spcPct val="100000"/>
               </a:lnSpc>
@@ -13954,7 +13954,7 @@
             </a:endParaRPr>
           </a:p>
           <a:p>
-            <a:pPr marL="216000" indent="-215280">
+            <a:pPr marL="216000" indent="-214920">
               <a:lnSpc>
                 <a:spcPct val="100000"/>
               </a:lnSpc>
@@ -14242,7 +14242,7 @@
         <p:spPr>
           <a:xfrm>
             <a:off x="874800" y="343080"/>
-            <a:ext cx="7960680" cy="580320"/>
+            <a:ext cx="7960320" cy="579960"/>
           </a:xfrm>
           <a:prstGeom prst="rect">
             <a:avLst/>
@@ -14268,7 +14268,7 @@
         <p:spPr>
           <a:xfrm>
             <a:off x="874800" y="1381680"/>
-            <a:ext cx="3891600" cy="3277800"/>
+            <a:ext cx="3891240" cy="3277440"/>
           </a:xfrm>
           <a:prstGeom prst="rect">
             <a:avLst/>
@@ -14294,7 +14294,7 @@
         <p:spPr>
           <a:xfrm>
             <a:off x="874800" y="990360"/>
-            <a:ext cx="3891600" cy="323280"/>
+            <a:ext cx="3891240" cy="322920"/>
           </a:xfrm>
           <a:prstGeom prst="rect">
             <a:avLst/>
@@ -14320,7 +14320,7 @@
         <p:spPr>
           <a:xfrm>
             <a:off x="4943520" y="1382400"/>
-            <a:ext cx="3895200" cy="3277800"/>
+            <a:ext cx="3894840" cy="3277440"/>
           </a:xfrm>
           <a:prstGeom prst="rect">
             <a:avLst/>
@@ -14346,7 +14346,7 @@
         <p:spPr>
           <a:xfrm>
             <a:off x="4943520" y="990360"/>
-            <a:ext cx="3895200" cy="323280"/>
+            <a:ext cx="3894840" cy="322920"/>
           </a:xfrm>
           <a:prstGeom prst="rect">
             <a:avLst/>
@@ -14372,7 +14372,7 @@
         <p:spPr>
           <a:xfrm>
             <a:off x="874800" y="343080"/>
-            <a:ext cx="7960680" cy="580320"/>
+            <a:ext cx="7960320" cy="579960"/>
           </a:xfrm>
           <a:prstGeom prst="rect">
             <a:avLst/>
@@ -14423,7 +14423,7 @@
         <p:spPr>
           <a:xfrm>
             <a:off x="822960" y="1188720"/>
-            <a:ext cx="7129080" cy="3158640"/>
+            <a:ext cx="7128720" cy="3158280"/>
           </a:xfrm>
           <a:prstGeom prst="rect">
             <a:avLst/>
@@ -14444,7 +14444,7 @@
             <a:noAutofit/>
           </a:bodyPr>
           <a:p>
-            <a:pPr marL="216000" indent="-215280">
+            <a:pPr marL="216000" indent="-214920">
               <a:lnSpc>
                 <a:spcPct val="100000"/>
               </a:lnSpc>
@@ -14475,7 +14475,7 @@
             </a:endParaRPr>
           </a:p>
           <a:p>
-            <a:pPr marL="216000" indent="-215280">
+            <a:pPr marL="216000" indent="-214920">
               <a:lnSpc>
                 <a:spcPct val="100000"/>
               </a:lnSpc>
@@ -14506,7 +14506,7 @@
             </a:endParaRPr>
           </a:p>
           <a:p>
-            <a:pPr lvl="1" marL="432000" indent="-215280">
+            <a:pPr lvl="1" marL="432000" indent="-214920">
               <a:lnSpc>
                 <a:spcPct val="100000"/>
               </a:lnSpc>
@@ -14538,7 +14538,7 @@
             </a:endParaRPr>
           </a:p>
           <a:p>
-            <a:pPr lvl="1" marL="432000" indent="-215280">
+            <a:pPr lvl="1" marL="432000" indent="-214920">
               <a:lnSpc>
                 <a:spcPct val="100000"/>
               </a:lnSpc>
@@ -14570,7 +14570,7 @@
             </a:endParaRPr>
           </a:p>
           <a:p>
-            <a:pPr marL="216000" indent="-215280">
+            <a:pPr marL="216000" indent="-214920">
               <a:lnSpc>
                 <a:spcPct val="100000"/>
               </a:lnSpc>
@@ -14601,7 +14601,7 @@
             </a:endParaRPr>
           </a:p>
           <a:p>
-            <a:pPr lvl="1" marL="432000" indent="-215280">
+            <a:pPr lvl="1" marL="432000" indent="-214920">
               <a:lnSpc>
                 <a:spcPct val="100000"/>
               </a:lnSpc>
@@ -14970,7 +14970,7 @@
         <p:spPr>
           <a:xfrm>
             <a:off x="874800" y="343080"/>
-            <a:ext cx="7960680" cy="580320"/>
+            <a:ext cx="7960320" cy="579960"/>
           </a:xfrm>
           <a:prstGeom prst="rect">
             <a:avLst/>
@@ -14996,7 +14996,7 @@
         <p:spPr>
           <a:xfrm>
             <a:off x="874800" y="1381680"/>
-            <a:ext cx="3891600" cy="3277800"/>
+            <a:ext cx="3891240" cy="3277440"/>
           </a:xfrm>
           <a:prstGeom prst="rect">
             <a:avLst/>
@@ -15022,7 +15022,7 @@
         <p:spPr>
           <a:xfrm>
             <a:off x="874800" y="990360"/>
-            <a:ext cx="3891600" cy="323280"/>
+            <a:ext cx="3891240" cy="322920"/>
           </a:xfrm>
           <a:prstGeom prst="rect">
             <a:avLst/>
@@ -15048,7 +15048,7 @@
         <p:spPr>
           <a:xfrm>
             <a:off x="4943520" y="1382400"/>
-            <a:ext cx="3895200" cy="3277800"/>
+            <a:ext cx="3894840" cy="3277440"/>
           </a:xfrm>
           <a:prstGeom prst="rect">
             <a:avLst/>
@@ -15074,7 +15074,7 @@
         <p:spPr>
           <a:xfrm>
             <a:off x="4943520" y="990360"/>
-            <a:ext cx="3895200" cy="323280"/>
+            <a:ext cx="3894840" cy="322920"/>
           </a:xfrm>
           <a:prstGeom prst="rect">
             <a:avLst/>
@@ -15100,7 +15100,7 @@
         <p:spPr>
           <a:xfrm>
             <a:off x="874800" y="343080"/>
-            <a:ext cx="7960680" cy="580320"/>
+            <a:ext cx="7960320" cy="579960"/>
           </a:xfrm>
           <a:prstGeom prst="rect">
             <a:avLst/>
@@ -15151,7 +15151,7 @@
         <p:spPr>
           <a:xfrm>
             <a:off x="822960" y="1188720"/>
-            <a:ext cx="7129080" cy="3139200"/>
+            <a:ext cx="7128720" cy="3138840"/>
           </a:xfrm>
           <a:prstGeom prst="rect">
             <a:avLst/>
@@ -15172,7 +15172,7 @@
             <a:noAutofit/>
           </a:bodyPr>
           <a:p>
-            <a:pPr marL="216000" indent="-215280">
+            <a:pPr marL="216000" indent="-214920">
               <a:lnSpc>
                 <a:spcPct val="100000"/>
               </a:lnSpc>
@@ -15203,7 +15203,7 @@
             </a:endParaRPr>
           </a:p>
           <a:p>
-            <a:pPr lvl="1" marL="432000" indent="-215280">
+            <a:pPr lvl="1" marL="432000" indent="-214920">
               <a:lnSpc>
                 <a:spcPct val="100000"/>
               </a:lnSpc>
@@ -15235,7 +15235,7 @@
             </a:endParaRPr>
           </a:p>
           <a:p>
-            <a:pPr lvl="1" marL="432000" indent="-215280">
+            <a:pPr lvl="1" marL="432000" indent="-214920">
               <a:lnSpc>
                 <a:spcPct val="100000"/>
               </a:lnSpc>
@@ -15515,7 +15515,7 @@
         <p:spPr>
           <a:xfrm>
             <a:off x="874800" y="343080"/>
-            <a:ext cx="7961040" cy="580680"/>
+            <a:ext cx="7960680" cy="580320"/>
           </a:xfrm>
           <a:prstGeom prst="rect">
             <a:avLst/>
@@ -15541,7 +15541,7 @@
         <p:spPr>
           <a:xfrm>
             <a:off x="874800" y="1428480"/>
-            <a:ext cx="7961040" cy="3179520"/>
+            <a:ext cx="7960680" cy="3179160"/>
           </a:xfrm>
           <a:prstGeom prst="rect">
             <a:avLst/>
@@ -15567,7 +15567,7 @@
         <p:spPr>
           <a:xfrm>
             <a:off x="874800" y="343080"/>
-            <a:ext cx="7961040" cy="580680"/>
+            <a:ext cx="7960680" cy="580320"/>
           </a:xfrm>
           <a:prstGeom prst="rect">
             <a:avLst/>
@@ -15618,7 +15618,7 @@
         <p:spPr>
           <a:xfrm>
             <a:off x="822960" y="1028520"/>
-            <a:ext cx="7129440" cy="3579480"/>
+            <a:ext cx="7129080" cy="3579120"/>
           </a:xfrm>
           <a:prstGeom prst="rect">
             <a:avLst/>
@@ -16069,7 +16069,7 @@
         <p:spPr>
           <a:xfrm>
             <a:off x="720000" y="426240"/>
-            <a:ext cx="7961040" cy="580680"/>
+            <a:ext cx="7960680" cy="580320"/>
           </a:xfrm>
           <a:prstGeom prst="rect">
             <a:avLst/>
@@ -16095,7 +16095,7 @@
         <p:spPr>
           <a:xfrm>
             <a:off x="720000" y="1211400"/>
-            <a:ext cx="7961040" cy="3179520"/>
+            <a:ext cx="7960680" cy="3179160"/>
           </a:xfrm>
           <a:prstGeom prst="rect">
             <a:avLst/>
@@ -16121,7 +16121,7 @@
         <p:spPr>
           <a:xfrm>
             <a:off x="864000" y="354240"/>
-            <a:ext cx="7961040" cy="580680"/>
+            <a:ext cx="7960680" cy="580320"/>
           </a:xfrm>
           <a:prstGeom prst="rect">
             <a:avLst/>
@@ -16172,7 +16172,7 @@
         <p:spPr>
           <a:xfrm>
             <a:off x="789840" y="1099800"/>
-            <a:ext cx="7129440" cy="3579480"/>
+            <a:ext cx="7129080" cy="3579120"/>
           </a:xfrm>
           <a:prstGeom prst="rect">
             <a:avLst/>
@@ -16483,7 +16483,7 @@
         <p:spPr>
           <a:xfrm>
             <a:off x="720000" y="426240"/>
-            <a:ext cx="7961040" cy="580680"/>
+            <a:ext cx="7960680" cy="580320"/>
           </a:xfrm>
           <a:prstGeom prst="rect">
             <a:avLst/>
@@ -16509,7 +16509,7 @@
         <p:spPr>
           <a:xfrm>
             <a:off x="720000" y="1211400"/>
-            <a:ext cx="7961040" cy="3179520"/>
+            <a:ext cx="7960680" cy="3179160"/>
           </a:xfrm>
           <a:prstGeom prst="rect">
             <a:avLst/>
@@ -16535,7 +16535,7 @@
         <p:spPr>
           <a:xfrm>
             <a:off x="864000" y="354240"/>
-            <a:ext cx="7961040" cy="580680"/>
+            <a:ext cx="7960680" cy="580320"/>
           </a:xfrm>
           <a:prstGeom prst="rect">
             <a:avLst/>
@@ -16596,7 +16596,7 @@
         <p:spPr>
           <a:xfrm>
             <a:off x="822960" y="1188720"/>
-            <a:ext cx="7129440" cy="3579480"/>
+            <a:ext cx="7129080" cy="3579120"/>
           </a:xfrm>
           <a:prstGeom prst="rect">
             <a:avLst/>
@@ -17027,7 +17027,7 @@
         <p:spPr>
           <a:xfrm>
             <a:off x="720000" y="426240"/>
-            <a:ext cx="7961040" cy="580680"/>
+            <a:ext cx="7960680" cy="580320"/>
           </a:xfrm>
           <a:prstGeom prst="rect">
             <a:avLst/>
@@ -17053,7 +17053,7 @@
         <p:spPr>
           <a:xfrm>
             <a:off x="720000" y="1211400"/>
-            <a:ext cx="7961040" cy="3179520"/>
+            <a:ext cx="7960680" cy="3179160"/>
           </a:xfrm>
           <a:prstGeom prst="rect">
             <a:avLst/>
@@ -17079,7 +17079,7 @@
         <p:spPr>
           <a:xfrm>
             <a:off x="864000" y="354240"/>
-            <a:ext cx="7961040" cy="580680"/>
+            <a:ext cx="7960680" cy="580320"/>
           </a:xfrm>
           <a:prstGeom prst="rect">
             <a:avLst/>
@@ -17140,7 +17140,7 @@
         <p:spPr>
           <a:xfrm>
             <a:off x="822960" y="1188720"/>
-            <a:ext cx="7129440" cy="3579480"/>
+            <a:ext cx="7129080" cy="3579120"/>
           </a:xfrm>
           <a:prstGeom prst="rect">
             <a:avLst/>
@@ -17441,7 +17441,7 @@
         <p:spPr>
           <a:xfrm>
             <a:off x="874800" y="343080"/>
-            <a:ext cx="7963200" cy="582840"/>
+            <a:ext cx="7962840" cy="582480"/>
           </a:xfrm>
           <a:prstGeom prst="rect">
             <a:avLst/>
@@ -17492,7 +17492,7 @@
         <p:spPr>
           <a:xfrm>
             <a:off x="874800" y="937080"/>
-            <a:ext cx="7963200" cy="438840"/>
+            <a:ext cx="7962840" cy="438480"/>
           </a:xfrm>
           <a:prstGeom prst="rect">
             <a:avLst/>
@@ -17546,7 +17546,7 @@
         <p:spPr>
           <a:xfrm>
             <a:off x="874800" y="1428480"/>
-            <a:ext cx="7963200" cy="3181680"/>
+            <a:ext cx="7962840" cy="3181320"/>
           </a:xfrm>
           <a:prstGeom prst="rect">
             <a:avLst/>
@@ -17771,7 +17771,7 @@
         <p:spPr>
           <a:xfrm>
             <a:off x="874800" y="343080"/>
-            <a:ext cx="7961040" cy="580680"/>
+            <a:ext cx="7960680" cy="580320"/>
           </a:xfrm>
           <a:prstGeom prst="rect">
             <a:avLst/>
@@ -17797,7 +17797,7 @@
         <p:spPr>
           <a:xfrm>
             <a:off x="874800" y="1428480"/>
-            <a:ext cx="7961040" cy="3179520"/>
+            <a:ext cx="7960680" cy="3179160"/>
           </a:xfrm>
           <a:prstGeom prst="rect">
             <a:avLst/>
@@ -17823,7 +17823,7 @@
         <p:spPr>
           <a:xfrm>
             <a:off x="874800" y="343080"/>
-            <a:ext cx="7961040" cy="580680"/>
+            <a:ext cx="7960680" cy="580320"/>
           </a:xfrm>
           <a:prstGeom prst="rect">
             <a:avLst/>
@@ -17874,7 +17874,7 @@
         <p:spPr>
           <a:xfrm>
             <a:off x="822960" y="1188720"/>
-            <a:ext cx="7129440" cy="3579480"/>
+            <a:ext cx="7129080" cy="3579120"/>
           </a:xfrm>
           <a:prstGeom prst="rect">
             <a:avLst/>
@@ -18520,7 +18520,7 @@
         <p:spPr>
           <a:xfrm>
             <a:off x="874800" y="343080"/>
-            <a:ext cx="7961040" cy="580680"/>
+            <a:ext cx="7960680" cy="580320"/>
           </a:xfrm>
           <a:prstGeom prst="rect">
             <a:avLst/>
@@ -18546,7 +18546,7 @@
         <p:spPr>
           <a:xfrm>
             <a:off x="874800" y="1381680"/>
-            <a:ext cx="3891960" cy="3278160"/>
+            <a:ext cx="3891600" cy="3277800"/>
           </a:xfrm>
           <a:prstGeom prst="rect">
             <a:avLst/>
@@ -18572,7 +18572,7 @@
         <p:spPr>
           <a:xfrm>
             <a:off x="874800" y="990360"/>
-            <a:ext cx="3891960" cy="323640"/>
+            <a:ext cx="3891600" cy="323280"/>
           </a:xfrm>
           <a:prstGeom prst="rect">
             <a:avLst/>
@@ -18598,7 +18598,7 @@
         <p:spPr>
           <a:xfrm>
             <a:off x="4943520" y="1382400"/>
-            <a:ext cx="3895560" cy="3278160"/>
+            <a:ext cx="3895200" cy="3277800"/>
           </a:xfrm>
           <a:prstGeom prst="rect">
             <a:avLst/>
@@ -18624,7 +18624,7 @@
         <p:spPr>
           <a:xfrm>
             <a:off x="4943520" y="990360"/>
-            <a:ext cx="3895560" cy="323640"/>
+            <a:ext cx="3895200" cy="323280"/>
           </a:xfrm>
           <a:prstGeom prst="rect">
             <a:avLst/>
@@ -18650,7 +18650,7 @@
         <p:spPr>
           <a:xfrm>
             <a:off x="874800" y="343080"/>
-            <a:ext cx="7961040" cy="580680"/>
+            <a:ext cx="7960680" cy="580320"/>
           </a:xfrm>
           <a:prstGeom prst="rect">
             <a:avLst/>
@@ -18701,7 +18701,7 @@
         <p:spPr>
           <a:xfrm>
             <a:off x="822960" y="1188720"/>
-            <a:ext cx="7129440" cy="3159000"/>
+            <a:ext cx="7129080" cy="3158640"/>
           </a:xfrm>
           <a:prstGeom prst="rect">
             <a:avLst/>
@@ -19317,7 +19317,7 @@
         <p:spPr>
           <a:xfrm>
             <a:off x="874800" y="343080"/>
-            <a:ext cx="7961040" cy="580680"/>
+            <a:ext cx="7960680" cy="580320"/>
           </a:xfrm>
           <a:prstGeom prst="rect">
             <a:avLst/>
@@ -19343,7 +19343,7 @@
         <p:spPr>
           <a:xfrm>
             <a:off x="874800" y="1381680"/>
-            <a:ext cx="3891960" cy="3278160"/>
+            <a:ext cx="3891600" cy="3277800"/>
           </a:xfrm>
           <a:prstGeom prst="rect">
             <a:avLst/>
@@ -19369,7 +19369,7 @@
         <p:spPr>
           <a:xfrm>
             <a:off x="874800" y="990360"/>
-            <a:ext cx="3891960" cy="323640"/>
+            <a:ext cx="3891600" cy="323280"/>
           </a:xfrm>
           <a:prstGeom prst="rect">
             <a:avLst/>
@@ -19395,7 +19395,7 @@
         <p:spPr>
           <a:xfrm>
             <a:off x="4943520" y="1382400"/>
-            <a:ext cx="3895560" cy="3278160"/>
+            <a:ext cx="3895200" cy="3277800"/>
           </a:xfrm>
           <a:prstGeom prst="rect">
             <a:avLst/>
@@ -19421,7 +19421,7 @@
         <p:spPr>
           <a:xfrm>
             <a:off x="4943520" y="990360"/>
-            <a:ext cx="3895560" cy="323640"/>
+            <a:ext cx="3895200" cy="323280"/>
           </a:xfrm>
           <a:prstGeom prst="rect">
             <a:avLst/>
@@ -19447,7 +19447,7 @@
         <p:spPr>
           <a:xfrm>
             <a:off x="874800" y="343080"/>
-            <a:ext cx="7961040" cy="580680"/>
+            <a:ext cx="7960680" cy="580320"/>
           </a:xfrm>
           <a:prstGeom prst="rect">
             <a:avLst/>
@@ -19498,7 +19498,7 @@
         <p:spPr>
           <a:xfrm>
             <a:off x="822960" y="1188720"/>
-            <a:ext cx="7129440" cy="3139560"/>
+            <a:ext cx="7129080" cy="3139200"/>
           </a:xfrm>
           <a:prstGeom prst="rect">
             <a:avLst/>
@@ -20093,7 +20093,7 @@
         <p:spPr>
           <a:xfrm>
             <a:off x="874800" y="343080"/>
-            <a:ext cx="7961040" cy="580680"/>
+            <a:ext cx="7960680" cy="580320"/>
           </a:xfrm>
           <a:prstGeom prst="rect">
             <a:avLst/>
@@ -20119,7 +20119,7 @@
         <p:spPr>
           <a:xfrm>
             <a:off x="874800" y="1381680"/>
-            <a:ext cx="3891960" cy="3278160"/>
+            <a:ext cx="3891600" cy="3277800"/>
           </a:xfrm>
           <a:prstGeom prst="rect">
             <a:avLst/>
@@ -20145,7 +20145,7 @@
         <p:spPr>
           <a:xfrm>
             <a:off x="874800" y="990360"/>
-            <a:ext cx="3891960" cy="323640"/>
+            <a:ext cx="3891600" cy="323280"/>
           </a:xfrm>
           <a:prstGeom prst="rect">
             <a:avLst/>
@@ -20171,7 +20171,7 @@
         <p:spPr>
           <a:xfrm>
             <a:off x="4943520" y="1382400"/>
-            <a:ext cx="3895560" cy="3278160"/>
+            <a:ext cx="3895200" cy="3277800"/>
           </a:xfrm>
           <a:prstGeom prst="rect">
             <a:avLst/>
@@ -20197,7 +20197,7 @@
         <p:spPr>
           <a:xfrm>
             <a:off x="4943520" y="990360"/>
-            <a:ext cx="3895560" cy="323640"/>
+            <a:ext cx="3895200" cy="323280"/>
           </a:xfrm>
           <a:prstGeom prst="rect">
             <a:avLst/>
@@ -20223,7 +20223,7 @@
         <p:spPr>
           <a:xfrm>
             <a:off x="874800" y="343080"/>
-            <a:ext cx="7961040" cy="580680"/>
+            <a:ext cx="7960680" cy="580320"/>
           </a:xfrm>
           <a:prstGeom prst="rect">
             <a:avLst/>
@@ -20274,7 +20274,7 @@
         <p:spPr>
           <a:xfrm>
             <a:off x="822960" y="1188720"/>
-            <a:ext cx="7129440" cy="2701800"/>
+            <a:ext cx="7129080" cy="2701440"/>
           </a:xfrm>
           <a:prstGeom prst="rect">
             <a:avLst/>
@@ -20481,7 +20481,7 @@
         <p:spPr>
           <a:xfrm>
             <a:off x="930960" y="2952000"/>
-            <a:ext cx="399240" cy="214560"/>
+            <a:ext cx="398880" cy="214200"/>
           </a:xfrm>
           <a:custGeom>
             <a:avLst/>
@@ -20887,7 +20887,7 @@
         <p:spPr>
           <a:xfrm>
             <a:off x="874800" y="343080"/>
-            <a:ext cx="7961040" cy="580680"/>
+            <a:ext cx="7960680" cy="580320"/>
           </a:xfrm>
           <a:prstGeom prst="rect">
             <a:avLst/>
@@ -20913,7 +20913,7 @@
         <p:spPr>
           <a:xfrm>
             <a:off x="874800" y="1381680"/>
-            <a:ext cx="3891960" cy="3278160"/>
+            <a:ext cx="3891600" cy="3277800"/>
           </a:xfrm>
           <a:prstGeom prst="rect">
             <a:avLst/>
@@ -20939,7 +20939,7 @@
         <p:spPr>
           <a:xfrm>
             <a:off x="874800" y="990360"/>
-            <a:ext cx="3891960" cy="323640"/>
+            <a:ext cx="3891600" cy="323280"/>
           </a:xfrm>
           <a:prstGeom prst="rect">
             <a:avLst/>
@@ -20965,7 +20965,7 @@
         <p:spPr>
           <a:xfrm>
             <a:off x="4943520" y="1382400"/>
-            <a:ext cx="3895560" cy="3278160"/>
+            <a:ext cx="3895200" cy="3277800"/>
           </a:xfrm>
           <a:prstGeom prst="rect">
             <a:avLst/>
@@ -20991,7 +20991,7 @@
         <p:spPr>
           <a:xfrm>
             <a:off x="4943520" y="990360"/>
-            <a:ext cx="3895560" cy="323640"/>
+            <a:ext cx="3895200" cy="323280"/>
           </a:xfrm>
           <a:prstGeom prst="rect">
             <a:avLst/>
@@ -21017,7 +21017,7 @@
         <p:spPr>
           <a:xfrm>
             <a:off x="874800" y="343080"/>
-            <a:ext cx="7961040" cy="580680"/>
+            <a:ext cx="7960680" cy="580320"/>
           </a:xfrm>
           <a:prstGeom prst="rect">
             <a:avLst/>
@@ -21068,7 +21068,7 @@
         <p:spPr>
           <a:xfrm>
             <a:off x="822960" y="1188720"/>
-            <a:ext cx="7129440" cy="2647080"/>
+            <a:ext cx="7129080" cy="2646720"/>
           </a:xfrm>
           <a:prstGeom prst="rect">
             <a:avLst/>
@@ -21553,7 +21553,7 @@
         <p:spPr>
           <a:xfrm>
             <a:off x="874800" y="343080"/>
-            <a:ext cx="7961040" cy="580680"/>
+            <a:ext cx="7960680" cy="580320"/>
           </a:xfrm>
           <a:prstGeom prst="rect">
             <a:avLst/>
@@ -21579,7 +21579,7 @@
         <p:spPr>
           <a:xfrm>
             <a:off x="874800" y="1381680"/>
-            <a:ext cx="3891960" cy="3278160"/>
+            <a:ext cx="3891600" cy="3277800"/>
           </a:xfrm>
           <a:prstGeom prst="rect">
             <a:avLst/>
@@ -21605,7 +21605,7 @@
         <p:spPr>
           <a:xfrm>
             <a:off x="874800" y="990360"/>
-            <a:ext cx="3891960" cy="323640"/>
+            <a:ext cx="3891600" cy="323280"/>
           </a:xfrm>
           <a:prstGeom prst="rect">
             <a:avLst/>
@@ -21631,7 +21631,7 @@
         <p:spPr>
           <a:xfrm>
             <a:off x="4943520" y="1382400"/>
-            <a:ext cx="3895560" cy="3278160"/>
+            <a:ext cx="3895200" cy="3277800"/>
           </a:xfrm>
           <a:prstGeom prst="rect">
             <a:avLst/>
@@ -21657,7 +21657,7 @@
         <p:spPr>
           <a:xfrm>
             <a:off x="4943520" y="990360"/>
-            <a:ext cx="3895560" cy="323640"/>
+            <a:ext cx="3895200" cy="323280"/>
           </a:xfrm>
           <a:prstGeom prst="rect">
             <a:avLst/>
@@ -21683,7 +21683,7 @@
         <p:spPr>
           <a:xfrm>
             <a:off x="874800" y="343080"/>
-            <a:ext cx="7961040" cy="580680"/>
+            <a:ext cx="7960680" cy="580320"/>
           </a:xfrm>
           <a:prstGeom prst="rect">
             <a:avLst/>
@@ -21734,7 +21734,7 @@
         <p:spPr>
           <a:xfrm>
             <a:off x="822960" y="1188720"/>
-            <a:ext cx="7129440" cy="1879200"/>
+            <a:ext cx="7129080" cy="1878840"/>
           </a:xfrm>
           <a:prstGeom prst="rect">
             <a:avLst/>
@@ -21995,7 +21995,7 @@
         <p:spPr>
           <a:xfrm>
             <a:off x="1008000" y="3456000"/>
-            <a:ext cx="563400" cy="214200"/>
+            <a:ext cx="563040" cy="213840"/>
           </a:xfrm>
           <a:custGeom>
             <a:avLst/>
@@ -22056,7 +22056,7 @@
         <p:spPr>
           <a:xfrm>
             <a:off x="1728000" y="3384000"/>
-            <a:ext cx="4030560" cy="344880"/>
+            <a:ext cx="4030200" cy="344520"/>
           </a:xfrm>
           <a:prstGeom prst="rect">
             <a:avLst/>
@@ -22137,7 +22137,7 @@
         <p:spPr>
           <a:xfrm>
             <a:off x="457200" y="205200"/>
-            <a:ext cx="8228160" cy="857520"/>
+            <a:ext cx="8227800" cy="857160"/>
           </a:xfrm>
           <a:prstGeom prst="rect">
             <a:avLst/>
@@ -22192,7 +22192,7 @@
         <p:spPr>
           <a:xfrm>
             <a:off x="1928880" y="1071720"/>
-            <a:ext cx="5283720" cy="2070720"/>
+            <a:ext cx="5283360" cy="2070360"/>
           </a:xfrm>
           <a:prstGeom prst="rect">
             <a:avLst/>
@@ -22211,7 +22211,7 @@
         <p:spPr>
           <a:xfrm>
             <a:off x="0" y="3429000"/>
-            <a:ext cx="9000000" cy="1186920"/>
+            <a:ext cx="8999640" cy="1186920"/>
           </a:xfrm>
           <a:prstGeom prst="rect">
             <a:avLst/>
@@ -22252,7 +22252,7 @@
             </a:endParaRPr>
           </a:p>
           <a:p>
-            <a:pPr marL="216000" indent="-215280">
+            <a:pPr marL="216000" indent="-214920">
               <a:lnSpc>
                 <a:spcPct val="100000"/>
               </a:lnSpc>
@@ -22287,7 +22287,7 @@
             </a:endParaRPr>
           </a:p>
           <a:p>
-            <a:pPr marL="216000" indent="-215280">
+            <a:pPr marL="216000" indent="-214920">
               <a:lnSpc>
                 <a:spcPct val="100000"/>
               </a:lnSpc>
@@ -22322,7 +22322,7 @@
             </a:endParaRPr>
           </a:p>
           <a:p>
-            <a:pPr marL="216000" indent="-215280">
+            <a:pPr marL="216000" indent="-214920">
               <a:lnSpc>
                 <a:spcPct val="100000"/>
               </a:lnSpc>
@@ -22566,7 +22566,7 @@
         <p:spPr>
           <a:xfrm>
             <a:off x="3500280" y="142920"/>
-            <a:ext cx="2284920" cy="894960"/>
+            <a:ext cx="2284560" cy="894600"/>
           </a:xfrm>
           <a:prstGeom prst="rect">
             <a:avLst/>
@@ -22585,7 +22585,7 @@
         <p:spPr>
           <a:xfrm>
             <a:off x="0" y="1143000"/>
-            <a:ext cx="9142920" cy="2009880"/>
+            <a:ext cx="9142560" cy="2009880"/>
           </a:xfrm>
           <a:prstGeom prst="rect">
             <a:avLst/>
@@ -22756,7 +22756,7 @@
         <p:spPr>
           <a:xfrm>
             <a:off x="0" y="3000240"/>
-            <a:ext cx="9142920" cy="1461240"/>
+            <a:ext cx="9142560" cy="1461240"/>
           </a:xfrm>
           <a:prstGeom prst="rect">
             <a:avLst/>
@@ -23021,7 +23021,7 @@
         <p:spPr>
           <a:xfrm>
             <a:off x="3500280" y="142920"/>
-            <a:ext cx="2284920" cy="894960"/>
+            <a:ext cx="2284560" cy="894600"/>
           </a:xfrm>
           <a:prstGeom prst="rect">
             <a:avLst/>
@@ -23040,7 +23040,7 @@
         <p:spPr>
           <a:xfrm>
             <a:off x="822960" y="1188720"/>
-            <a:ext cx="7129440" cy="2701800"/>
+            <a:ext cx="7129080" cy="2701440"/>
           </a:xfrm>
           <a:prstGeom prst="rect">
             <a:avLst/>
@@ -23551,7 +23551,7 @@
         <p:spPr>
           <a:xfrm>
             <a:off x="3500280" y="142920"/>
-            <a:ext cx="2284920" cy="894960"/>
+            <a:ext cx="2284560" cy="894600"/>
           </a:xfrm>
           <a:prstGeom prst="rect">
             <a:avLst/>
@@ -23570,7 +23570,7 @@
         <p:spPr>
           <a:xfrm>
             <a:off x="822960" y="1188720"/>
-            <a:ext cx="8319960" cy="2647080"/>
+            <a:ext cx="8319600" cy="2646720"/>
           </a:xfrm>
           <a:prstGeom prst="rect">
             <a:avLst/>
@@ -24065,7 +24065,7 @@
         <p:spPr>
           <a:xfrm>
             <a:off x="874800" y="343080"/>
-            <a:ext cx="7963200" cy="582840"/>
+            <a:ext cx="7962840" cy="582480"/>
           </a:xfrm>
           <a:prstGeom prst="rect">
             <a:avLst/>
@@ -24116,7 +24116,7 @@
         <p:spPr>
           <a:xfrm>
             <a:off x="874800" y="937080"/>
-            <a:ext cx="7963200" cy="438840"/>
+            <a:ext cx="7962840" cy="438480"/>
           </a:xfrm>
           <a:prstGeom prst="rect">
             <a:avLst/>
@@ -24170,7 +24170,7 @@
         <p:spPr>
           <a:xfrm>
             <a:off x="874800" y="1428480"/>
-            <a:ext cx="7963200" cy="3181680"/>
+            <a:ext cx="7962840" cy="3181320"/>
           </a:xfrm>
           <a:prstGeom prst="rect">
             <a:avLst/>
@@ -24299,7 +24299,7 @@
                 <a:latin typeface="Arial"/>
                 <a:ea typeface="DejaVu Sans"/>
               </a:rPr>
-              <a:t>Beispiel: hoyer GmbH</a:t>
+              <a:t>Beispiel: hoyer GmbH &amp; Co. KG</a:t>
             </a:r>
             <a:endParaRPr b="0" lang="de-DE" sz="1800" spc="-1" strike="noStrike">
               <a:latin typeface="Arial"/>
@@ -24395,7 +24395,7 @@
         <p:spPr>
           <a:xfrm>
             <a:off x="874800" y="343080"/>
-            <a:ext cx="7959960" cy="579600"/>
+            <a:ext cx="7959600" cy="579240"/>
           </a:xfrm>
           <a:prstGeom prst="rect">
             <a:avLst/>
@@ -24421,7 +24421,7 @@
         <p:spPr>
           <a:xfrm>
             <a:off x="874800" y="1381680"/>
-            <a:ext cx="3890880" cy="3277080"/>
+            <a:ext cx="3890520" cy="3276720"/>
           </a:xfrm>
           <a:prstGeom prst="rect">
             <a:avLst/>
@@ -24447,7 +24447,7 @@
         <p:spPr>
           <a:xfrm>
             <a:off x="874800" y="990360"/>
-            <a:ext cx="3890880" cy="322560"/>
+            <a:ext cx="3890520" cy="322200"/>
           </a:xfrm>
           <a:prstGeom prst="rect">
             <a:avLst/>
@@ -24473,7 +24473,7 @@
         <p:spPr>
           <a:xfrm>
             <a:off x="4943520" y="1382400"/>
-            <a:ext cx="3894480" cy="3277080"/>
+            <a:ext cx="3894120" cy="3276720"/>
           </a:xfrm>
           <a:prstGeom prst="rect">
             <a:avLst/>
@@ -24499,7 +24499,7 @@
         <p:spPr>
           <a:xfrm>
             <a:off x="4943520" y="990360"/>
-            <a:ext cx="3894480" cy="322560"/>
+            <a:ext cx="3894120" cy="322200"/>
           </a:xfrm>
           <a:prstGeom prst="rect">
             <a:avLst/>
@@ -24525,7 +24525,7 @@
         <p:spPr>
           <a:xfrm>
             <a:off x="874800" y="343080"/>
-            <a:ext cx="7959960" cy="579600"/>
+            <a:ext cx="7959600" cy="579240"/>
           </a:xfrm>
           <a:prstGeom prst="rect">
             <a:avLst/>
@@ -24576,7 +24576,7 @@
         <p:spPr>
           <a:xfrm>
             <a:off x="792000" y="990360"/>
-            <a:ext cx="7128360" cy="3470040"/>
+            <a:ext cx="7128000" cy="3469680"/>
           </a:xfrm>
           <a:prstGeom prst="rect">
             <a:avLst/>
@@ -25042,7 +25042,7 @@
         <p:spPr>
           <a:xfrm>
             <a:off x="874800" y="343080"/>
-            <a:ext cx="7963200" cy="582840"/>
+            <a:ext cx="7962840" cy="582480"/>
           </a:xfrm>
           <a:prstGeom prst="rect">
             <a:avLst/>
@@ -25068,7 +25068,7 @@
         <p:spPr>
           <a:xfrm>
             <a:off x="874800" y="937080"/>
-            <a:ext cx="7963200" cy="438840"/>
+            <a:ext cx="7962840" cy="438480"/>
           </a:xfrm>
           <a:prstGeom prst="rect">
             <a:avLst/>
@@ -25094,7 +25094,7 @@
         <p:spPr>
           <a:xfrm>
             <a:off x="874800" y="1428480"/>
-            <a:ext cx="7963200" cy="3181680"/>
+            <a:ext cx="7962840" cy="3181320"/>
           </a:xfrm>
           <a:prstGeom prst="rect">
             <a:avLst/>
@@ -25120,7 +25120,7 @@
         <p:spPr>
           <a:xfrm>
             <a:off x="457200" y="205200"/>
-            <a:ext cx="8227800" cy="857160"/>
+            <a:ext cx="8227440" cy="856800"/>
           </a:xfrm>
           <a:prstGeom prst="rect">
             <a:avLst/>
@@ -25171,7 +25171,7 @@
         <p:spPr>
           <a:xfrm>
             <a:off x="457560" y="1080000"/>
-            <a:ext cx="8613000" cy="1544760"/>
+            <a:ext cx="8612640" cy="1544400"/>
           </a:xfrm>
           <a:prstGeom prst="rect">
             <a:avLst/>
@@ -25192,7 +25192,7 @@
             <a:normAutofit/>
           </a:bodyPr>
           <a:p>
-            <a:pPr marL="432000" indent="-322560">
+            <a:pPr marL="432000" indent="-322200">
               <a:lnSpc>
                 <a:spcPct val="100000"/>
               </a:lnSpc>
@@ -25231,7 +25231,7 @@
         <p:spPr>
           <a:xfrm>
             <a:off x="457200" y="2321280"/>
-            <a:ext cx="8227800" cy="1349280"/>
+            <a:ext cx="8227440" cy="1348920"/>
           </a:xfrm>
           <a:prstGeom prst="rect">
             <a:avLst/>
@@ -25252,7 +25252,7 @@
             <a:normAutofit/>
           </a:bodyPr>
           <a:p>
-            <a:pPr marL="432000" indent="-322560">
+            <a:pPr marL="432000" indent="-322200">
               <a:lnSpc>
                 <a:spcPct val="100000"/>
               </a:lnSpc>
@@ -25281,7 +25281,7 @@
             </a:endParaRPr>
           </a:p>
           <a:p>
-            <a:pPr marL="432000" indent="-322560">
+            <a:pPr marL="432000" indent="-322200">
               <a:lnSpc>
                 <a:spcPct val="100000"/>
               </a:lnSpc>
@@ -25630,7 +25630,7 @@
         <p:spPr>
           <a:xfrm>
             <a:off x="874800" y="343080"/>
-            <a:ext cx="7963200" cy="582840"/>
+            <a:ext cx="7962840" cy="582480"/>
           </a:xfrm>
           <a:prstGeom prst="rect">
             <a:avLst/>
@@ -25656,7 +25656,7 @@
         <p:spPr>
           <a:xfrm>
             <a:off x="874800" y="937080"/>
-            <a:ext cx="7963200" cy="438840"/>
+            <a:ext cx="7962840" cy="438480"/>
           </a:xfrm>
           <a:prstGeom prst="rect">
             <a:avLst/>
@@ -25682,7 +25682,7 @@
         <p:spPr>
           <a:xfrm>
             <a:off x="874800" y="1428480"/>
-            <a:ext cx="7963200" cy="3181680"/>
+            <a:ext cx="7962840" cy="3181320"/>
           </a:xfrm>
           <a:prstGeom prst="rect">
             <a:avLst/>
@@ -25708,7 +25708,7 @@
         <p:spPr>
           <a:xfrm>
             <a:off x="457200" y="205200"/>
-            <a:ext cx="8227800" cy="857160"/>
+            <a:ext cx="8227440" cy="856800"/>
           </a:xfrm>
           <a:prstGeom prst="rect">
             <a:avLst/>
@@ -25759,7 +25759,7 @@
         <p:spPr>
           <a:xfrm>
             <a:off x="288000" y="1224000"/>
-            <a:ext cx="8227800" cy="2981520"/>
+            <a:ext cx="8227440" cy="2981160"/>
           </a:xfrm>
           <a:prstGeom prst="rect">
             <a:avLst/>
@@ -26249,7 +26249,7 @@
         <p:spPr>
           <a:xfrm>
             <a:off x="457200" y="9360"/>
-            <a:ext cx="8227800" cy="1248840"/>
+            <a:ext cx="8227440" cy="1248480"/>
           </a:xfrm>
           <a:prstGeom prst="rect">
             <a:avLst/>
@@ -26300,7 +26300,7 @@
         <p:spPr>
           <a:xfrm>
             <a:off x="288000" y="2461680"/>
-            <a:ext cx="8566560" cy="344880"/>
+            <a:ext cx="8566200" cy="344520"/>
           </a:xfrm>
           <a:prstGeom prst="rect">
             <a:avLst/>
@@ -26622,7 +26622,7 @@
         <p:spPr>
           <a:xfrm>
             <a:off x="874800" y="343080"/>
-            <a:ext cx="7963200" cy="582840"/>
+            <a:ext cx="7962840" cy="582480"/>
           </a:xfrm>
           <a:prstGeom prst="rect">
             <a:avLst/>
@@ -26648,7 +26648,7 @@
         <p:spPr>
           <a:xfrm>
             <a:off x="874800" y="1381680"/>
-            <a:ext cx="3894120" cy="3280320"/>
+            <a:ext cx="3893760" cy="3279960"/>
           </a:xfrm>
           <a:prstGeom prst="rect">
             <a:avLst/>
@@ -26674,7 +26674,7 @@
         <p:spPr>
           <a:xfrm>
             <a:off x="874800" y="990360"/>
-            <a:ext cx="3894120" cy="325800"/>
+            <a:ext cx="3893760" cy="325440"/>
           </a:xfrm>
           <a:prstGeom prst="rect">
             <a:avLst/>
@@ -26700,7 +26700,7 @@
         <p:spPr>
           <a:xfrm>
             <a:off x="4943520" y="1382400"/>
-            <a:ext cx="3897720" cy="3280320"/>
+            <a:ext cx="3897360" cy="3279960"/>
           </a:xfrm>
           <a:prstGeom prst="rect">
             <a:avLst/>
@@ -26726,7 +26726,7 @@
         <p:spPr>
           <a:xfrm>
             <a:off x="4943520" y="990360"/>
-            <a:ext cx="3897720" cy="325800"/>
+            <a:ext cx="3897360" cy="325440"/>
           </a:xfrm>
           <a:prstGeom prst="rect">
             <a:avLst/>
@@ -26756,7 +26756,7 @@
         <p:spPr>
           <a:xfrm>
             <a:off x="0" y="0"/>
-            <a:ext cx="9142560" cy="4822560"/>
+            <a:ext cx="9142200" cy="4822200"/>
           </a:xfrm>
           <a:prstGeom prst="rect">
             <a:avLst/>
@@ -26926,7 +26926,7 @@
         <p:spPr>
           <a:xfrm>
             <a:off x="457200" y="205200"/>
-            <a:ext cx="8227800" cy="857160"/>
+            <a:ext cx="8227440" cy="856800"/>
           </a:xfrm>
           <a:prstGeom prst="rect">
             <a:avLst/>
@@ -26977,7 +26977,7 @@
         <p:spPr>
           <a:xfrm>
             <a:off x="457200" y="1203480"/>
-            <a:ext cx="8227800" cy="2981520"/>
+            <a:ext cx="8227440" cy="2981160"/>
           </a:xfrm>
           <a:prstGeom prst="rect">
             <a:avLst/>
@@ -26998,7 +26998,7 @@
             <a:normAutofit fontScale="47000"/>
           </a:bodyPr>
           <a:p>
-            <a:pPr marL="432000" indent="-322560">
+            <a:pPr marL="432000" indent="-322200">
               <a:lnSpc>
                 <a:spcPct val="100000"/>
               </a:lnSpc>
@@ -27027,7 +27027,7 @@
             </a:endParaRPr>
           </a:p>
           <a:p>
-            <a:pPr marL="432000" indent="-322560">
+            <a:pPr marL="432000" indent="-322200">
               <a:lnSpc>
                 <a:spcPct val="100000"/>
               </a:lnSpc>
@@ -27056,7 +27056,7 @@
             </a:endParaRPr>
           </a:p>
           <a:p>
-            <a:pPr marL="432000" indent="-322560">
+            <a:pPr marL="432000" indent="-322200">
               <a:lnSpc>
                 <a:spcPct val="100000"/>
               </a:lnSpc>
@@ -27085,7 +27085,7 @@
             </a:endParaRPr>
           </a:p>
           <a:p>
-            <a:pPr marL="432000" indent="-322560">
+            <a:pPr marL="432000" indent="-322200">
               <a:lnSpc>
                 <a:spcPct val="100000"/>
               </a:lnSpc>
@@ -27114,7 +27114,7 @@
             </a:endParaRPr>
           </a:p>
           <a:p>
-            <a:pPr marL="432000" indent="-322560">
+            <a:pPr marL="432000" indent="-322200">
               <a:lnSpc>
                 <a:spcPct val="100000"/>
               </a:lnSpc>
@@ -27618,7 +27618,7 @@
         <p:spPr>
           <a:xfrm>
             <a:off x="457200" y="205200"/>
-            <a:ext cx="8227800" cy="857160"/>
+            <a:ext cx="8227440" cy="856800"/>
           </a:xfrm>
           <a:prstGeom prst="rect">
             <a:avLst/>
@@ -27669,7 +27669,7 @@
         <p:spPr>
           <a:xfrm>
             <a:off x="88200" y="1249200"/>
-            <a:ext cx="4014360" cy="2889720"/>
+            <a:ext cx="4014000" cy="2889360"/>
           </a:xfrm>
           <a:prstGeom prst="rect">
             <a:avLst/>
@@ -27695,7 +27695,7 @@
         <p:spPr>
           <a:xfrm>
             <a:off x="4032000" y="1152000"/>
-            <a:ext cx="4894560" cy="2981520"/>
+            <a:ext cx="4894200" cy="2981160"/>
           </a:xfrm>
           <a:prstGeom prst="rect">
             <a:avLst/>
@@ -27716,7 +27716,7 @@
             <a:normAutofit/>
           </a:bodyPr>
           <a:p>
-            <a:pPr marL="432000" indent="-322560">
+            <a:pPr marL="432000" indent="-322200">
               <a:lnSpc>
                 <a:spcPct val="100000"/>
               </a:lnSpc>
@@ -27745,7 +27745,7 @@
             </a:endParaRPr>
           </a:p>
           <a:p>
-            <a:pPr marL="432000" indent="-322560">
+            <a:pPr marL="432000" indent="-322200">
               <a:lnSpc>
                 <a:spcPct val="100000"/>
               </a:lnSpc>
@@ -27788,7 +27788,7 @@
         <p:spPr>
           <a:xfrm>
             <a:off x="79200" y="1296000"/>
-            <a:ext cx="4023360" cy="2662560"/>
+            <a:ext cx="4023000" cy="2662200"/>
           </a:xfrm>
           <a:prstGeom prst="rect">
             <a:avLst/>

--- a/FINAL_Referat_BWP_FINAL.pptx
+++ b/FINAL_Referat_BWP_FINAL.pptx
@@ -8,41 +8,40 @@
     <p:sldMasterId id="2147483687" r:id="rId5"/>
     <p:sldMasterId id="2147483700" r:id="rId6"/>
     <p:sldMasterId id="2147483713" r:id="rId7"/>
-    <p:sldMasterId id="2147483726" r:id="rId8"/>
   </p:sldMasterIdLst>
   <p:sldIdLst>
-    <p:sldId id="256" r:id="rId9"/>
-    <p:sldId id="257" r:id="rId10"/>
-    <p:sldId id="258" r:id="rId11"/>
-    <p:sldId id="259" r:id="rId12"/>
-    <p:sldId id="260" r:id="rId13"/>
-    <p:sldId id="261" r:id="rId14"/>
-    <p:sldId id="262" r:id="rId15"/>
-    <p:sldId id="263" r:id="rId16"/>
-    <p:sldId id="264" r:id="rId17"/>
-    <p:sldId id="265" r:id="rId18"/>
-    <p:sldId id="266" r:id="rId19"/>
-    <p:sldId id="267" r:id="rId20"/>
-    <p:sldId id="268" r:id="rId21"/>
-    <p:sldId id="269" r:id="rId22"/>
-    <p:sldId id="270" r:id="rId23"/>
-    <p:sldId id="271" r:id="rId24"/>
-    <p:sldId id="272" r:id="rId25"/>
-    <p:sldId id="273" r:id="rId26"/>
-    <p:sldId id="274" r:id="rId27"/>
-    <p:sldId id="275" r:id="rId28"/>
-    <p:sldId id="276" r:id="rId29"/>
-    <p:sldId id="277" r:id="rId30"/>
-    <p:sldId id="278" r:id="rId31"/>
-    <p:sldId id="279" r:id="rId32"/>
-    <p:sldId id="280" r:id="rId33"/>
-    <p:sldId id="281" r:id="rId34"/>
-    <p:sldId id="282" r:id="rId35"/>
-    <p:sldId id="283" r:id="rId36"/>
-    <p:sldId id="284" r:id="rId37"/>
-    <p:sldId id="285" r:id="rId38"/>
-    <p:sldId id="286" r:id="rId39"/>
-    <p:sldId id="287" r:id="rId40"/>
+    <p:sldId id="256" r:id="rId8"/>
+    <p:sldId id="257" r:id="rId9"/>
+    <p:sldId id="258" r:id="rId10"/>
+    <p:sldId id="259" r:id="rId11"/>
+    <p:sldId id="260" r:id="rId12"/>
+    <p:sldId id="261" r:id="rId13"/>
+    <p:sldId id="262" r:id="rId14"/>
+    <p:sldId id="263" r:id="rId15"/>
+    <p:sldId id="264" r:id="rId16"/>
+    <p:sldId id="265" r:id="rId17"/>
+    <p:sldId id="266" r:id="rId18"/>
+    <p:sldId id="267" r:id="rId19"/>
+    <p:sldId id="268" r:id="rId20"/>
+    <p:sldId id="269" r:id="rId21"/>
+    <p:sldId id="270" r:id="rId22"/>
+    <p:sldId id="271" r:id="rId23"/>
+    <p:sldId id="272" r:id="rId24"/>
+    <p:sldId id="273" r:id="rId25"/>
+    <p:sldId id="274" r:id="rId26"/>
+    <p:sldId id="275" r:id="rId27"/>
+    <p:sldId id="276" r:id="rId28"/>
+    <p:sldId id="277" r:id="rId29"/>
+    <p:sldId id="278" r:id="rId30"/>
+    <p:sldId id="279" r:id="rId31"/>
+    <p:sldId id="280" r:id="rId32"/>
+    <p:sldId id="281" r:id="rId33"/>
+    <p:sldId id="282" r:id="rId34"/>
+    <p:sldId id="283" r:id="rId35"/>
+    <p:sldId id="284" r:id="rId36"/>
+    <p:sldId id="285" r:id="rId37"/>
+    <p:sldId id="286" r:id="rId38"/>
+    <p:sldId id="287" r:id="rId39"/>
   </p:sldIdLst>
   <p:sldSz cx="9144000" cy="5143500"/>
   <p:notesSz cx="7559675" cy="10691812"/>
@@ -5032,7 +5031,7 @@
       </p:grpSpPr>
       <p:sp>
         <p:nvSpPr>
-          <p:cNvPr id="168" name="PlaceHolder 1"/>
+          <p:cNvPr id="169" name="PlaceHolder 1"/>
           <p:cNvSpPr>
             <a:spLocks noGrp="1"/>
           </p:cNvSpPr>
@@ -5063,7 +5062,7 @@
       </p:sp>
       <p:sp>
         <p:nvSpPr>
-          <p:cNvPr id="169" name="PlaceHolder 2"/>
+          <p:cNvPr id="170" name="PlaceHolder 2"/>
           <p:cNvSpPr>
             <a:spLocks noGrp="1"/>
           </p:cNvSpPr>
@@ -5116,7 +5115,7 @@
       </p:grpSpPr>
       <p:sp>
         <p:nvSpPr>
-          <p:cNvPr id="170" name="PlaceHolder 1"/>
+          <p:cNvPr id="171" name="PlaceHolder 1"/>
           <p:cNvSpPr>
             <a:spLocks noGrp="1"/>
           </p:cNvSpPr>
@@ -5147,7 +5146,7 @@
       </p:sp>
       <p:sp>
         <p:nvSpPr>
-          <p:cNvPr id="171" name="PlaceHolder 2"/>
+          <p:cNvPr id="172" name="PlaceHolder 2"/>
           <p:cNvSpPr>
             <a:spLocks noGrp="1"/>
           </p:cNvSpPr>
@@ -5199,7 +5198,7 @@
       </p:grpSpPr>
       <p:sp>
         <p:nvSpPr>
-          <p:cNvPr id="172" name="PlaceHolder 1"/>
+          <p:cNvPr id="173" name="PlaceHolder 1"/>
           <p:cNvSpPr>
             <a:spLocks noGrp="1"/>
           </p:cNvSpPr>
@@ -5230,7 +5229,7 @@
       </p:sp>
       <p:sp>
         <p:nvSpPr>
-          <p:cNvPr id="173" name="PlaceHolder 2"/>
+          <p:cNvPr id="174" name="PlaceHolder 2"/>
           <p:cNvSpPr>
             <a:spLocks noGrp="1"/>
           </p:cNvSpPr>
@@ -5260,7 +5259,7 @@
       </p:sp>
       <p:sp>
         <p:nvSpPr>
-          <p:cNvPr id="174" name="PlaceHolder 3"/>
+          <p:cNvPr id="175" name="PlaceHolder 3"/>
           <p:cNvSpPr>
             <a:spLocks noGrp="1"/>
           </p:cNvSpPr>
@@ -5312,7 +5311,7 @@
       </p:grpSpPr>
       <p:sp>
         <p:nvSpPr>
-          <p:cNvPr id="175" name="PlaceHolder 1"/>
+          <p:cNvPr id="176" name="PlaceHolder 1"/>
           <p:cNvSpPr>
             <a:spLocks noGrp="1"/>
           </p:cNvSpPr>
@@ -5365,7 +5364,7 @@
       </p:grpSpPr>
       <p:sp>
         <p:nvSpPr>
-          <p:cNvPr id="176" name="PlaceHolder 1"/>
+          <p:cNvPr id="177" name="PlaceHolder 1"/>
           <p:cNvSpPr>
             <a:spLocks noGrp="1"/>
           </p:cNvSpPr>
@@ -5418,7 +5417,7 @@
       </p:grpSpPr>
       <p:sp>
         <p:nvSpPr>
-          <p:cNvPr id="177" name="PlaceHolder 1"/>
+          <p:cNvPr id="178" name="PlaceHolder 1"/>
           <p:cNvSpPr>
             <a:spLocks noGrp="1"/>
           </p:cNvSpPr>
@@ -5449,7 +5448,7 @@
       </p:sp>
       <p:sp>
         <p:nvSpPr>
-          <p:cNvPr id="178" name="PlaceHolder 2"/>
+          <p:cNvPr id="179" name="PlaceHolder 2"/>
           <p:cNvSpPr>
             <a:spLocks noGrp="1"/>
           </p:cNvSpPr>
@@ -5479,7 +5478,7 @@
       </p:sp>
       <p:sp>
         <p:nvSpPr>
-          <p:cNvPr id="179" name="PlaceHolder 3"/>
+          <p:cNvPr id="180" name="PlaceHolder 3"/>
           <p:cNvSpPr>
             <a:spLocks noGrp="1"/>
           </p:cNvSpPr>
@@ -5509,7 +5508,7 @@
       </p:sp>
       <p:sp>
         <p:nvSpPr>
-          <p:cNvPr id="180" name="PlaceHolder 4"/>
+          <p:cNvPr id="181" name="PlaceHolder 4"/>
           <p:cNvSpPr>
             <a:spLocks noGrp="1"/>
           </p:cNvSpPr>
@@ -5561,7 +5560,7 @@
       </p:grpSpPr>
       <p:sp>
         <p:nvSpPr>
-          <p:cNvPr id="181" name="PlaceHolder 1"/>
+          <p:cNvPr id="182" name="PlaceHolder 1"/>
           <p:cNvSpPr>
             <a:spLocks noGrp="1"/>
           </p:cNvSpPr>
@@ -5592,7 +5591,7 @@
       </p:sp>
       <p:sp>
         <p:nvSpPr>
-          <p:cNvPr id="182" name="PlaceHolder 2"/>
+          <p:cNvPr id="183" name="PlaceHolder 2"/>
           <p:cNvSpPr>
             <a:spLocks noGrp="1"/>
           </p:cNvSpPr>
@@ -5622,7 +5621,7 @@
       </p:sp>
       <p:sp>
         <p:nvSpPr>
-          <p:cNvPr id="183" name="PlaceHolder 3"/>
+          <p:cNvPr id="184" name="PlaceHolder 3"/>
           <p:cNvSpPr>
             <a:spLocks noGrp="1"/>
           </p:cNvSpPr>
@@ -5652,7 +5651,7 @@
       </p:sp>
       <p:sp>
         <p:nvSpPr>
-          <p:cNvPr id="184" name="PlaceHolder 4"/>
+          <p:cNvPr id="185" name="PlaceHolder 4"/>
           <p:cNvSpPr>
             <a:spLocks noGrp="1"/>
           </p:cNvSpPr>
@@ -5704,7 +5703,7 @@
       </p:grpSpPr>
       <p:sp>
         <p:nvSpPr>
-          <p:cNvPr id="185" name="PlaceHolder 1"/>
+          <p:cNvPr id="186" name="PlaceHolder 1"/>
           <p:cNvSpPr>
             <a:spLocks noGrp="1"/>
           </p:cNvSpPr>
@@ -5735,7 +5734,7 @@
       </p:sp>
       <p:sp>
         <p:nvSpPr>
-          <p:cNvPr id="186" name="PlaceHolder 2"/>
+          <p:cNvPr id="187" name="PlaceHolder 2"/>
           <p:cNvSpPr>
             <a:spLocks noGrp="1"/>
           </p:cNvSpPr>
@@ -5765,7 +5764,7 @@
       </p:sp>
       <p:sp>
         <p:nvSpPr>
-          <p:cNvPr id="187" name="PlaceHolder 3"/>
+          <p:cNvPr id="188" name="PlaceHolder 3"/>
           <p:cNvSpPr>
             <a:spLocks noGrp="1"/>
           </p:cNvSpPr>
@@ -5795,7 +5794,7 @@
       </p:sp>
       <p:sp>
         <p:nvSpPr>
-          <p:cNvPr id="188" name="PlaceHolder 4"/>
+          <p:cNvPr id="189" name="PlaceHolder 4"/>
           <p:cNvSpPr>
             <a:spLocks noGrp="1"/>
           </p:cNvSpPr>
@@ -5847,7 +5846,7 @@
       </p:grpSpPr>
       <p:sp>
         <p:nvSpPr>
-          <p:cNvPr id="189" name="PlaceHolder 1"/>
+          <p:cNvPr id="190" name="PlaceHolder 1"/>
           <p:cNvSpPr>
             <a:spLocks noGrp="1"/>
           </p:cNvSpPr>
@@ -5878,7 +5877,7 @@
       </p:sp>
       <p:sp>
         <p:nvSpPr>
-          <p:cNvPr id="190" name="PlaceHolder 2"/>
+          <p:cNvPr id="191" name="PlaceHolder 2"/>
           <p:cNvSpPr>
             <a:spLocks noGrp="1"/>
           </p:cNvSpPr>
@@ -5908,7 +5907,7 @@
       </p:sp>
       <p:sp>
         <p:nvSpPr>
-          <p:cNvPr id="191" name="PlaceHolder 3"/>
+          <p:cNvPr id="192" name="PlaceHolder 3"/>
           <p:cNvSpPr>
             <a:spLocks noGrp="1"/>
           </p:cNvSpPr>
@@ -5960,7 +5959,7 @@
       </p:grpSpPr>
       <p:sp>
         <p:nvSpPr>
-          <p:cNvPr id="192" name="PlaceHolder 1"/>
+          <p:cNvPr id="193" name="PlaceHolder 1"/>
           <p:cNvSpPr>
             <a:spLocks noGrp="1"/>
           </p:cNvSpPr>
@@ -5991,7 +5990,7 @@
       </p:sp>
       <p:sp>
         <p:nvSpPr>
-          <p:cNvPr id="193" name="PlaceHolder 2"/>
+          <p:cNvPr id="194" name="PlaceHolder 2"/>
           <p:cNvSpPr>
             <a:spLocks noGrp="1"/>
           </p:cNvSpPr>
@@ -6021,7 +6020,7 @@
       </p:sp>
       <p:sp>
         <p:nvSpPr>
-          <p:cNvPr id="194" name="PlaceHolder 3"/>
+          <p:cNvPr id="195" name="PlaceHolder 3"/>
           <p:cNvSpPr>
             <a:spLocks noGrp="1"/>
           </p:cNvSpPr>
@@ -6051,7 +6050,7 @@
       </p:sp>
       <p:sp>
         <p:nvSpPr>
-          <p:cNvPr id="195" name="PlaceHolder 4"/>
+          <p:cNvPr id="196" name="PlaceHolder 4"/>
           <p:cNvSpPr>
             <a:spLocks noGrp="1"/>
           </p:cNvSpPr>
@@ -6081,7 +6080,7 @@
       </p:sp>
       <p:sp>
         <p:nvSpPr>
-          <p:cNvPr id="196" name="PlaceHolder 5"/>
+          <p:cNvPr id="197" name="PlaceHolder 5"/>
           <p:cNvSpPr>
             <a:spLocks noGrp="1"/>
           </p:cNvSpPr>
@@ -6186,7 +6185,7 @@
       </p:grpSpPr>
       <p:sp>
         <p:nvSpPr>
-          <p:cNvPr id="197" name="PlaceHolder 1"/>
+          <p:cNvPr id="198" name="PlaceHolder 1"/>
           <p:cNvSpPr>
             <a:spLocks noGrp="1"/>
           </p:cNvSpPr>
@@ -6217,7 +6216,7 @@
       </p:sp>
       <p:sp>
         <p:nvSpPr>
-          <p:cNvPr id="198" name="PlaceHolder 2"/>
+          <p:cNvPr id="199" name="PlaceHolder 2"/>
           <p:cNvSpPr>
             <a:spLocks noGrp="1"/>
           </p:cNvSpPr>
@@ -6247,7 +6246,7 @@
       </p:sp>
       <p:sp>
         <p:nvSpPr>
-          <p:cNvPr id="199" name="PlaceHolder 3"/>
+          <p:cNvPr id="200" name="PlaceHolder 3"/>
           <p:cNvSpPr>
             <a:spLocks noGrp="1"/>
           </p:cNvSpPr>
@@ -6277,7 +6276,7 @@
       </p:sp>
       <p:sp>
         <p:nvSpPr>
-          <p:cNvPr id="200" name="PlaceHolder 4"/>
+          <p:cNvPr id="201" name="PlaceHolder 4"/>
           <p:cNvSpPr>
             <a:spLocks noGrp="1"/>
           </p:cNvSpPr>
@@ -6307,7 +6306,7 @@
       </p:sp>
       <p:sp>
         <p:nvSpPr>
-          <p:cNvPr id="201" name="PlaceHolder 5"/>
+          <p:cNvPr id="202" name="PlaceHolder 5"/>
           <p:cNvSpPr>
             <a:spLocks noGrp="1"/>
           </p:cNvSpPr>
@@ -6337,7 +6336,7 @@
       </p:sp>
       <p:sp>
         <p:nvSpPr>
-          <p:cNvPr id="202" name="PlaceHolder 6"/>
+          <p:cNvPr id="203" name="PlaceHolder 6"/>
           <p:cNvSpPr>
             <a:spLocks noGrp="1"/>
           </p:cNvSpPr>
@@ -6367,7 +6366,7 @@
       </p:sp>
       <p:sp>
         <p:nvSpPr>
-          <p:cNvPr id="203" name="PlaceHolder 7"/>
+          <p:cNvPr id="204" name="PlaceHolder 7"/>
           <p:cNvSpPr>
             <a:spLocks noGrp="1"/>
           </p:cNvSpPr>
@@ -6441,7 +6440,7 @@
       </p:grpSpPr>
       <p:sp>
         <p:nvSpPr>
-          <p:cNvPr id="208" name="PlaceHolder 1"/>
+          <p:cNvPr id="209" name="PlaceHolder 1"/>
           <p:cNvSpPr>
             <a:spLocks noGrp="1"/>
           </p:cNvSpPr>
@@ -6472,7 +6471,7 @@
       </p:sp>
       <p:sp>
         <p:nvSpPr>
-          <p:cNvPr id="209" name="PlaceHolder 2"/>
+          <p:cNvPr id="210" name="PlaceHolder 2"/>
           <p:cNvSpPr>
             <a:spLocks noGrp="1"/>
           </p:cNvSpPr>
@@ -6525,7 +6524,7 @@
       </p:grpSpPr>
       <p:sp>
         <p:nvSpPr>
-          <p:cNvPr id="210" name="PlaceHolder 1"/>
+          <p:cNvPr id="211" name="PlaceHolder 1"/>
           <p:cNvSpPr>
             <a:spLocks noGrp="1"/>
           </p:cNvSpPr>
@@ -6556,7 +6555,7 @@
       </p:sp>
       <p:sp>
         <p:nvSpPr>
-          <p:cNvPr id="211" name="PlaceHolder 2"/>
+          <p:cNvPr id="212" name="PlaceHolder 2"/>
           <p:cNvSpPr>
             <a:spLocks noGrp="1"/>
           </p:cNvSpPr>
@@ -6608,7 +6607,7 @@
       </p:grpSpPr>
       <p:sp>
         <p:nvSpPr>
-          <p:cNvPr id="212" name="PlaceHolder 1"/>
+          <p:cNvPr id="213" name="PlaceHolder 1"/>
           <p:cNvSpPr>
             <a:spLocks noGrp="1"/>
           </p:cNvSpPr>
@@ -6639,7 +6638,7 @@
       </p:sp>
       <p:sp>
         <p:nvSpPr>
-          <p:cNvPr id="213" name="PlaceHolder 2"/>
+          <p:cNvPr id="214" name="PlaceHolder 2"/>
           <p:cNvSpPr>
             <a:spLocks noGrp="1"/>
           </p:cNvSpPr>
@@ -6669,7 +6668,7 @@
       </p:sp>
       <p:sp>
         <p:nvSpPr>
-          <p:cNvPr id="214" name="PlaceHolder 3"/>
+          <p:cNvPr id="215" name="PlaceHolder 3"/>
           <p:cNvSpPr>
             <a:spLocks noGrp="1"/>
           </p:cNvSpPr>
@@ -6721,7 +6720,7 @@
       </p:grpSpPr>
       <p:sp>
         <p:nvSpPr>
-          <p:cNvPr id="215" name="PlaceHolder 1"/>
+          <p:cNvPr id="216" name="PlaceHolder 1"/>
           <p:cNvSpPr>
             <a:spLocks noGrp="1"/>
           </p:cNvSpPr>
@@ -6774,7 +6773,7 @@
       </p:grpSpPr>
       <p:sp>
         <p:nvSpPr>
-          <p:cNvPr id="216" name="PlaceHolder 1"/>
+          <p:cNvPr id="217" name="PlaceHolder 1"/>
           <p:cNvSpPr>
             <a:spLocks noGrp="1"/>
           </p:cNvSpPr>
@@ -6827,7 +6826,7 @@
       </p:grpSpPr>
       <p:sp>
         <p:nvSpPr>
-          <p:cNvPr id="217" name="PlaceHolder 1"/>
+          <p:cNvPr id="218" name="PlaceHolder 1"/>
           <p:cNvSpPr>
             <a:spLocks noGrp="1"/>
           </p:cNvSpPr>
@@ -6858,7 +6857,7 @@
       </p:sp>
       <p:sp>
         <p:nvSpPr>
-          <p:cNvPr id="218" name="PlaceHolder 2"/>
+          <p:cNvPr id="219" name="PlaceHolder 2"/>
           <p:cNvSpPr>
             <a:spLocks noGrp="1"/>
           </p:cNvSpPr>
@@ -6888,7 +6887,7 @@
       </p:sp>
       <p:sp>
         <p:nvSpPr>
-          <p:cNvPr id="219" name="PlaceHolder 3"/>
+          <p:cNvPr id="220" name="PlaceHolder 3"/>
           <p:cNvSpPr>
             <a:spLocks noGrp="1"/>
           </p:cNvSpPr>
@@ -6918,7 +6917,7 @@
       </p:sp>
       <p:sp>
         <p:nvSpPr>
-          <p:cNvPr id="220" name="PlaceHolder 4"/>
+          <p:cNvPr id="221" name="PlaceHolder 4"/>
           <p:cNvSpPr>
             <a:spLocks noGrp="1"/>
           </p:cNvSpPr>
@@ -6970,7 +6969,7 @@
       </p:grpSpPr>
       <p:sp>
         <p:nvSpPr>
-          <p:cNvPr id="221" name="PlaceHolder 1"/>
+          <p:cNvPr id="222" name="PlaceHolder 1"/>
           <p:cNvSpPr>
             <a:spLocks noGrp="1"/>
           </p:cNvSpPr>
@@ -7001,7 +7000,7 @@
       </p:sp>
       <p:sp>
         <p:nvSpPr>
-          <p:cNvPr id="222" name="PlaceHolder 2"/>
+          <p:cNvPr id="223" name="PlaceHolder 2"/>
           <p:cNvSpPr>
             <a:spLocks noGrp="1"/>
           </p:cNvSpPr>
@@ -7031,7 +7030,7 @@
       </p:sp>
       <p:sp>
         <p:nvSpPr>
-          <p:cNvPr id="223" name="PlaceHolder 3"/>
+          <p:cNvPr id="224" name="PlaceHolder 3"/>
           <p:cNvSpPr>
             <a:spLocks noGrp="1"/>
           </p:cNvSpPr>
@@ -7061,7 +7060,7 @@
       </p:sp>
       <p:sp>
         <p:nvSpPr>
-          <p:cNvPr id="224" name="PlaceHolder 4"/>
+          <p:cNvPr id="225" name="PlaceHolder 4"/>
           <p:cNvSpPr>
             <a:spLocks noGrp="1"/>
           </p:cNvSpPr>
@@ -7113,7 +7112,7 @@
       </p:grpSpPr>
       <p:sp>
         <p:nvSpPr>
-          <p:cNvPr id="225" name="PlaceHolder 1"/>
+          <p:cNvPr id="226" name="PlaceHolder 1"/>
           <p:cNvSpPr>
             <a:spLocks noGrp="1"/>
           </p:cNvSpPr>
@@ -7144,7 +7143,7 @@
       </p:sp>
       <p:sp>
         <p:nvSpPr>
-          <p:cNvPr id="226" name="PlaceHolder 2"/>
+          <p:cNvPr id="227" name="PlaceHolder 2"/>
           <p:cNvSpPr>
             <a:spLocks noGrp="1"/>
           </p:cNvSpPr>
@@ -7174,7 +7173,7 @@
       </p:sp>
       <p:sp>
         <p:nvSpPr>
-          <p:cNvPr id="227" name="PlaceHolder 3"/>
+          <p:cNvPr id="228" name="PlaceHolder 3"/>
           <p:cNvSpPr>
             <a:spLocks noGrp="1"/>
           </p:cNvSpPr>
@@ -7204,7 +7203,7 @@
       </p:sp>
       <p:sp>
         <p:nvSpPr>
-          <p:cNvPr id="228" name="PlaceHolder 4"/>
+          <p:cNvPr id="229" name="PlaceHolder 4"/>
           <p:cNvSpPr>
             <a:spLocks noGrp="1"/>
           </p:cNvSpPr>
@@ -7399,7 +7398,7 @@
       </p:grpSpPr>
       <p:sp>
         <p:nvSpPr>
-          <p:cNvPr id="229" name="PlaceHolder 1"/>
+          <p:cNvPr id="230" name="PlaceHolder 1"/>
           <p:cNvSpPr>
             <a:spLocks noGrp="1"/>
           </p:cNvSpPr>
@@ -7430,7 +7429,7 @@
       </p:sp>
       <p:sp>
         <p:nvSpPr>
-          <p:cNvPr id="230" name="PlaceHolder 2"/>
+          <p:cNvPr id="231" name="PlaceHolder 2"/>
           <p:cNvSpPr>
             <a:spLocks noGrp="1"/>
           </p:cNvSpPr>
@@ -7460,7 +7459,7 @@
       </p:sp>
       <p:sp>
         <p:nvSpPr>
-          <p:cNvPr id="231" name="PlaceHolder 3"/>
+          <p:cNvPr id="232" name="PlaceHolder 3"/>
           <p:cNvSpPr>
             <a:spLocks noGrp="1"/>
           </p:cNvSpPr>
@@ -7512,7 +7511,7 @@
       </p:grpSpPr>
       <p:sp>
         <p:nvSpPr>
-          <p:cNvPr id="232" name="PlaceHolder 1"/>
+          <p:cNvPr id="233" name="PlaceHolder 1"/>
           <p:cNvSpPr>
             <a:spLocks noGrp="1"/>
           </p:cNvSpPr>
@@ -7543,7 +7542,7 @@
       </p:sp>
       <p:sp>
         <p:nvSpPr>
-          <p:cNvPr id="233" name="PlaceHolder 2"/>
+          <p:cNvPr id="234" name="PlaceHolder 2"/>
           <p:cNvSpPr>
             <a:spLocks noGrp="1"/>
           </p:cNvSpPr>
@@ -7573,7 +7572,7 @@
       </p:sp>
       <p:sp>
         <p:nvSpPr>
-          <p:cNvPr id="234" name="PlaceHolder 3"/>
+          <p:cNvPr id="235" name="PlaceHolder 3"/>
           <p:cNvSpPr>
             <a:spLocks noGrp="1"/>
           </p:cNvSpPr>
@@ -7603,7 +7602,7 @@
       </p:sp>
       <p:sp>
         <p:nvSpPr>
-          <p:cNvPr id="235" name="PlaceHolder 4"/>
+          <p:cNvPr id="236" name="PlaceHolder 4"/>
           <p:cNvSpPr>
             <a:spLocks noGrp="1"/>
           </p:cNvSpPr>
@@ -7633,7 +7632,7 @@
       </p:sp>
       <p:sp>
         <p:nvSpPr>
-          <p:cNvPr id="236" name="PlaceHolder 5"/>
+          <p:cNvPr id="237" name="PlaceHolder 5"/>
           <p:cNvSpPr>
             <a:spLocks noGrp="1"/>
           </p:cNvSpPr>
@@ -7685,7 +7684,7 @@
       </p:grpSpPr>
       <p:sp>
         <p:nvSpPr>
-          <p:cNvPr id="237" name="PlaceHolder 1"/>
+          <p:cNvPr id="238" name="PlaceHolder 1"/>
           <p:cNvSpPr>
             <a:spLocks noGrp="1"/>
           </p:cNvSpPr>
@@ -7716,7 +7715,7 @@
       </p:sp>
       <p:sp>
         <p:nvSpPr>
-          <p:cNvPr id="238" name="PlaceHolder 2"/>
+          <p:cNvPr id="239" name="PlaceHolder 2"/>
           <p:cNvSpPr>
             <a:spLocks noGrp="1"/>
           </p:cNvSpPr>
@@ -7746,7 +7745,7 @@
       </p:sp>
       <p:sp>
         <p:nvSpPr>
-          <p:cNvPr id="239" name="PlaceHolder 3"/>
+          <p:cNvPr id="240" name="PlaceHolder 3"/>
           <p:cNvSpPr>
             <a:spLocks noGrp="1"/>
           </p:cNvSpPr>
@@ -7776,7 +7775,7 @@
       </p:sp>
       <p:sp>
         <p:nvSpPr>
-          <p:cNvPr id="240" name="PlaceHolder 4"/>
+          <p:cNvPr id="241" name="PlaceHolder 4"/>
           <p:cNvSpPr>
             <a:spLocks noGrp="1"/>
           </p:cNvSpPr>
@@ -7806,7 +7805,7 @@
       </p:sp>
       <p:sp>
         <p:nvSpPr>
-          <p:cNvPr id="241" name="PlaceHolder 5"/>
+          <p:cNvPr id="242" name="PlaceHolder 5"/>
           <p:cNvSpPr>
             <a:spLocks noGrp="1"/>
           </p:cNvSpPr>
@@ -7836,7 +7835,7 @@
       </p:sp>
       <p:sp>
         <p:nvSpPr>
-          <p:cNvPr id="242" name="PlaceHolder 6"/>
+          <p:cNvPr id="243" name="PlaceHolder 6"/>
           <p:cNvSpPr>
             <a:spLocks noGrp="1"/>
           </p:cNvSpPr>
@@ -7866,7 +7865,7 @@
       </p:sp>
       <p:sp>
         <p:nvSpPr>
-          <p:cNvPr id="243" name="PlaceHolder 7"/>
+          <p:cNvPr id="244" name="PlaceHolder 7"/>
           <p:cNvSpPr>
             <a:spLocks noGrp="1"/>
           </p:cNvSpPr>
@@ -7878,557 +7877,6 @@
           <a:xfrm>
             <a:off x="6022080" y="2761920"/>
             <a:ext cx="2649600" cy="1422720"/>
-          </a:xfrm>
-          <a:prstGeom prst="rect">
-            <a:avLst/>
-          </a:prstGeom>
-        </p:spPr>
-        <p:txBody>
-          <a:bodyPr lIns="0" rIns="0" tIns="0" bIns="0">
-            <a:normAutofit/>
-          </a:bodyPr>
-          <a:p>
-            <a:endParaRPr b="0" lang="de-DE" sz="3200" spc="-1" strike="noStrike">
-              <a:latin typeface="Arial"/>
-            </a:endParaRPr>
-          </a:p>
-        </p:txBody>
-      </p:sp>
-    </p:spTree>
-  </p:cSld>
-</p:sldLayout>
-</file>
-
-<file path=ppt/slideLayouts/slideLayout73.xml><?xml version="1.0" encoding="utf-8"?>
-<p:sldLayout xmlns:a="http://schemas.openxmlformats.org/drawingml/2006/main" xmlns:p="http://schemas.openxmlformats.org/presentationml/2006/main" xmlns:r="http://schemas.openxmlformats.org/officeDocument/2006/relationships" xmlns:p14="http://schemas.microsoft.com/office/powerpoint/2010/main" xmlns:p15="http://schemas.microsoft.com/office/powerpoint/2012/main" xmlns:mc="http://schemas.openxmlformats.org/markup-compatibility/2006" type="blank" preserve="1">
-  <p:cSld name="Blank Slide">
-    <p:spTree>
-      <p:nvGrpSpPr>
-        <p:cNvPr id="1" name=""/>
-        <p:cNvGrpSpPr/>
-        <p:nvPr/>
-      </p:nvGrpSpPr>
-      <p:grpSpPr>
-        <a:xfrm>
-          <a:off x="0" y="0"/>
-          <a:ext cx="0" cy="0"/>
-          <a:chOff x="0" y="0"/>
-          <a:chExt cx="0" cy="0"/>
-        </a:xfrm>
-      </p:grpSpPr>
-    </p:spTree>
-  </p:cSld>
-</p:sldLayout>
-</file>
-
-<file path=ppt/slideLayouts/slideLayout74.xml><?xml version="1.0" encoding="utf-8"?>
-<p:sldLayout xmlns:a="http://schemas.openxmlformats.org/drawingml/2006/main" xmlns:p="http://schemas.openxmlformats.org/presentationml/2006/main" xmlns:r="http://schemas.openxmlformats.org/officeDocument/2006/relationships" xmlns:p14="http://schemas.microsoft.com/office/powerpoint/2010/main" xmlns:p15="http://schemas.microsoft.com/office/powerpoint/2012/main" xmlns:mc="http://schemas.openxmlformats.org/markup-compatibility/2006" type="tx" preserve="1">
-  <p:cSld name="Title Slide">
-    <p:spTree>
-      <p:nvGrpSpPr>
-        <p:cNvPr id="1" name=""/>
-        <p:cNvGrpSpPr/>
-        <p:nvPr/>
-      </p:nvGrpSpPr>
-      <p:grpSpPr>
-        <a:xfrm>
-          <a:off x="0" y="0"/>
-          <a:ext cx="0" cy="0"/>
-          <a:chOff x="0" y="0"/>
-          <a:chExt cx="0" cy="0"/>
-        </a:xfrm>
-      </p:grpSpPr>
-      <p:sp>
-        <p:nvSpPr>
-          <p:cNvPr id="249" name="PlaceHolder 1"/>
-          <p:cNvSpPr>
-            <a:spLocks noGrp="1"/>
-          </p:cNvSpPr>
-          <p:nvPr>
-            <p:ph type="title"/>
-          </p:nvPr>
-        </p:nvSpPr>
-        <p:spPr>
-          <a:xfrm>
-            <a:off x="457200" y="205200"/>
-            <a:ext cx="8229240" cy="858600"/>
-          </a:xfrm>
-          <a:prstGeom prst="rect">
-            <a:avLst/>
-          </a:prstGeom>
-        </p:spPr>
-        <p:txBody>
-          <a:bodyPr lIns="0" rIns="0" tIns="0" bIns="0" anchor="ctr">
-            <a:noAutofit/>
-          </a:bodyPr>
-          <a:p>
-            <a:pPr algn="ctr"/>
-            <a:endParaRPr b="0" lang="de-DE" sz="4400" spc="-1" strike="noStrike">
-              <a:latin typeface="Arial"/>
-            </a:endParaRPr>
-          </a:p>
-        </p:txBody>
-      </p:sp>
-      <p:sp>
-        <p:nvSpPr>
-          <p:cNvPr id="250" name="PlaceHolder 2"/>
-          <p:cNvSpPr>
-            <a:spLocks noGrp="1"/>
-          </p:cNvSpPr>
-          <p:nvPr>
-            <p:ph type="subTitle"/>
-          </p:nvPr>
-        </p:nvSpPr>
-        <p:spPr>
-          <a:xfrm>
-            <a:off x="457200" y="1203480"/>
-            <a:ext cx="8229240" cy="2982960"/>
-          </a:xfrm>
-          <a:prstGeom prst="rect">
-            <a:avLst/>
-          </a:prstGeom>
-        </p:spPr>
-        <p:txBody>
-          <a:bodyPr lIns="0" rIns="0" tIns="0" bIns="0" anchor="ctr">
-            <a:noAutofit/>
-          </a:bodyPr>
-          <a:p>
-            <a:pPr algn="ctr"/>
-            <a:endParaRPr b="0" lang="de-DE" sz="3200" spc="-1" strike="noStrike">
-              <a:latin typeface="Arial"/>
-            </a:endParaRPr>
-          </a:p>
-        </p:txBody>
-      </p:sp>
-    </p:spTree>
-  </p:cSld>
-</p:sldLayout>
-</file>
-
-<file path=ppt/slideLayouts/slideLayout75.xml><?xml version="1.0" encoding="utf-8"?>
-<p:sldLayout xmlns:a="http://schemas.openxmlformats.org/drawingml/2006/main" xmlns:p="http://schemas.openxmlformats.org/presentationml/2006/main" xmlns:r="http://schemas.openxmlformats.org/officeDocument/2006/relationships" xmlns:p14="http://schemas.microsoft.com/office/powerpoint/2010/main" xmlns:p15="http://schemas.microsoft.com/office/powerpoint/2012/main" xmlns:mc="http://schemas.openxmlformats.org/markup-compatibility/2006" type="obj" preserve="1">
-  <p:cSld name="Title, Content">
-    <p:spTree>
-      <p:nvGrpSpPr>
-        <p:cNvPr id="1" name=""/>
-        <p:cNvGrpSpPr/>
-        <p:nvPr/>
-      </p:nvGrpSpPr>
-      <p:grpSpPr>
-        <a:xfrm>
-          <a:off x="0" y="0"/>
-          <a:ext cx="0" cy="0"/>
-          <a:chOff x="0" y="0"/>
-          <a:chExt cx="0" cy="0"/>
-        </a:xfrm>
-      </p:grpSpPr>
-      <p:sp>
-        <p:nvSpPr>
-          <p:cNvPr id="251" name="PlaceHolder 1"/>
-          <p:cNvSpPr>
-            <a:spLocks noGrp="1"/>
-          </p:cNvSpPr>
-          <p:nvPr>
-            <p:ph type="title"/>
-          </p:nvPr>
-        </p:nvSpPr>
-        <p:spPr>
-          <a:xfrm>
-            <a:off x="457200" y="205200"/>
-            <a:ext cx="8229240" cy="858600"/>
-          </a:xfrm>
-          <a:prstGeom prst="rect">
-            <a:avLst/>
-          </a:prstGeom>
-        </p:spPr>
-        <p:txBody>
-          <a:bodyPr lIns="0" rIns="0" tIns="0" bIns="0" anchor="ctr">
-            <a:noAutofit/>
-          </a:bodyPr>
-          <a:p>
-            <a:pPr algn="ctr"/>
-            <a:endParaRPr b="0" lang="de-DE" sz="4400" spc="-1" strike="noStrike">
-              <a:latin typeface="Arial"/>
-            </a:endParaRPr>
-          </a:p>
-        </p:txBody>
-      </p:sp>
-      <p:sp>
-        <p:nvSpPr>
-          <p:cNvPr id="252" name="PlaceHolder 2"/>
-          <p:cNvSpPr>
-            <a:spLocks noGrp="1"/>
-          </p:cNvSpPr>
-          <p:nvPr>
-            <p:ph type="body"/>
-          </p:nvPr>
-        </p:nvSpPr>
-        <p:spPr>
-          <a:xfrm>
-            <a:off x="457200" y="1203480"/>
-            <a:ext cx="8229240" cy="2982960"/>
-          </a:xfrm>
-          <a:prstGeom prst="rect">
-            <a:avLst/>
-          </a:prstGeom>
-        </p:spPr>
-        <p:txBody>
-          <a:bodyPr lIns="0" rIns="0" tIns="0" bIns="0">
-            <a:normAutofit/>
-          </a:bodyPr>
-          <a:p>
-            <a:endParaRPr b="0" lang="de-DE" sz="3200" spc="-1" strike="noStrike">
-              <a:latin typeface="Arial"/>
-            </a:endParaRPr>
-          </a:p>
-        </p:txBody>
-      </p:sp>
-    </p:spTree>
-  </p:cSld>
-</p:sldLayout>
-</file>
-
-<file path=ppt/slideLayouts/slideLayout76.xml><?xml version="1.0" encoding="utf-8"?>
-<p:sldLayout xmlns:a="http://schemas.openxmlformats.org/drawingml/2006/main" xmlns:p="http://schemas.openxmlformats.org/presentationml/2006/main" xmlns:r="http://schemas.openxmlformats.org/officeDocument/2006/relationships" xmlns:p14="http://schemas.microsoft.com/office/powerpoint/2010/main" xmlns:p15="http://schemas.microsoft.com/office/powerpoint/2012/main" xmlns:mc="http://schemas.openxmlformats.org/markup-compatibility/2006" type="twoObj" preserve="1">
-  <p:cSld name="Title, 2 Content">
-    <p:spTree>
-      <p:nvGrpSpPr>
-        <p:cNvPr id="1" name=""/>
-        <p:cNvGrpSpPr/>
-        <p:nvPr/>
-      </p:nvGrpSpPr>
-      <p:grpSpPr>
-        <a:xfrm>
-          <a:off x="0" y="0"/>
-          <a:ext cx="0" cy="0"/>
-          <a:chOff x="0" y="0"/>
-          <a:chExt cx="0" cy="0"/>
-        </a:xfrm>
-      </p:grpSpPr>
-      <p:sp>
-        <p:nvSpPr>
-          <p:cNvPr id="253" name="PlaceHolder 1"/>
-          <p:cNvSpPr>
-            <a:spLocks noGrp="1"/>
-          </p:cNvSpPr>
-          <p:nvPr>
-            <p:ph type="title"/>
-          </p:nvPr>
-        </p:nvSpPr>
-        <p:spPr>
-          <a:xfrm>
-            <a:off x="457200" y="205200"/>
-            <a:ext cx="8229240" cy="858600"/>
-          </a:xfrm>
-          <a:prstGeom prst="rect">
-            <a:avLst/>
-          </a:prstGeom>
-        </p:spPr>
-        <p:txBody>
-          <a:bodyPr lIns="0" rIns="0" tIns="0" bIns="0" anchor="ctr">
-            <a:noAutofit/>
-          </a:bodyPr>
-          <a:p>
-            <a:pPr algn="ctr"/>
-            <a:endParaRPr b="0" lang="de-DE" sz="4400" spc="-1" strike="noStrike">
-              <a:latin typeface="Arial"/>
-            </a:endParaRPr>
-          </a:p>
-        </p:txBody>
-      </p:sp>
-      <p:sp>
-        <p:nvSpPr>
-          <p:cNvPr id="254" name="PlaceHolder 2"/>
-          <p:cNvSpPr>
-            <a:spLocks noGrp="1"/>
-          </p:cNvSpPr>
-          <p:nvPr>
-            <p:ph type="body"/>
-          </p:nvPr>
-        </p:nvSpPr>
-        <p:spPr>
-          <a:xfrm>
-            <a:off x="457200" y="1203480"/>
-            <a:ext cx="4015800" cy="2982960"/>
-          </a:xfrm>
-          <a:prstGeom prst="rect">
-            <a:avLst/>
-          </a:prstGeom>
-        </p:spPr>
-        <p:txBody>
-          <a:bodyPr lIns="0" rIns="0" tIns="0" bIns="0">
-            <a:normAutofit/>
-          </a:bodyPr>
-          <a:p>
-            <a:endParaRPr b="0" lang="de-DE" sz="3200" spc="-1" strike="noStrike">
-              <a:latin typeface="Arial"/>
-            </a:endParaRPr>
-          </a:p>
-        </p:txBody>
-      </p:sp>
-      <p:sp>
-        <p:nvSpPr>
-          <p:cNvPr id="255" name="PlaceHolder 3"/>
-          <p:cNvSpPr>
-            <a:spLocks noGrp="1"/>
-          </p:cNvSpPr>
-          <p:nvPr>
-            <p:ph type="body"/>
-          </p:nvPr>
-        </p:nvSpPr>
-        <p:spPr>
-          <a:xfrm>
-            <a:off x="4674240" y="1203480"/>
-            <a:ext cx="4015800" cy="2982960"/>
-          </a:xfrm>
-          <a:prstGeom prst="rect">
-            <a:avLst/>
-          </a:prstGeom>
-        </p:spPr>
-        <p:txBody>
-          <a:bodyPr lIns="0" rIns="0" tIns="0" bIns="0">
-            <a:normAutofit/>
-          </a:bodyPr>
-          <a:p>
-            <a:endParaRPr b="0" lang="de-DE" sz="3200" spc="-1" strike="noStrike">
-              <a:latin typeface="Arial"/>
-            </a:endParaRPr>
-          </a:p>
-        </p:txBody>
-      </p:sp>
-    </p:spTree>
-  </p:cSld>
-</p:sldLayout>
-</file>
-
-<file path=ppt/slideLayouts/slideLayout77.xml><?xml version="1.0" encoding="utf-8"?>
-<p:sldLayout xmlns:a="http://schemas.openxmlformats.org/drawingml/2006/main" xmlns:p="http://schemas.openxmlformats.org/presentationml/2006/main" xmlns:r="http://schemas.openxmlformats.org/officeDocument/2006/relationships" xmlns:p14="http://schemas.microsoft.com/office/powerpoint/2010/main" xmlns:p15="http://schemas.microsoft.com/office/powerpoint/2012/main" xmlns:mc="http://schemas.openxmlformats.org/markup-compatibility/2006" type="titleOnly" preserve="1">
-  <p:cSld name="Title Only">
-    <p:spTree>
-      <p:nvGrpSpPr>
-        <p:cNvPr id="1" name=""/>
-        <p:cNvGrpSpPr/>
-        <p:nvPr/>
-      </p:nvGrpSpPr>
-      <p:grpSpPr>
-        <a:xfrm>
-          <a:off x="0" y="0"/>
-          <a:ext cx="0" cy="0"/>
-          <a:chOff x="0" y="0"/>
-          <a:chExt cx="0" cy="0"/>
-        </a:xfrm>
-      </p:grpSpPr>
-      <p:sp>
-        <p:nvSpPr>
-          <p:cNvPr id="256" name="PlaceHolder 1"/>
-          <p:cNvSpPr>
-            <a:spLocks noGrp="1"/>
-          </p:cNvSpPr>
-          <p:nvPr>
-            <p:ph type="title"/>
-          </p:nvPr>
-        </p:nvSpPr>
-        <p:spPr>
-          <a:xfrm>
-            <a:off x="457200" y="205200"/>
-            <a:ext cx="8229240" cy="858600"/>
-          </a:xfrm>
-          <a:prstGeom prst="rect">
-            <a:avLst/>
-          </a:prstGeom>
-        </p:spPr>
-        <p:txBody>
-          <a:bodyPr lIns="0" rIns="0" tIns="0" bIns="0" anchor="ctr">
-            <a:noAutofit/>
-          </a:bodyPr>
-          <a:p>
-            <a:pPr algn="ctr"/>
-            <a:endParaRPr b="0" lang="de-DE" sz="4400" spc="-1" strike="noStrike">
-              <a:latin typeface="Arial"/>
-            </a:endParaRPr>
-          </a:p>
-        </p:txBody>
-      </p:sp>
-    </p:spTree>
-  </p:cSld>
-</p:sldLayout>
-</file>
-
-<file path=ppt/slideLayouts/slideLayout78.xml><?xml version="1.0" encoding="utf-8"?>
-<p:sldLayout xmlns:a="http://schemas.openxmlformats.org/drawingml/2006/main" xmlns:p="http://schemas.openxmlformats.org/presentationml/2006/main" xmlns:r="http://schemas.openxmlformats.org/officeDocument/2006/relationships" xmlns:p14="http://schemas.microsoft.com/office/powerpoint/2010/main" xmlns:p15="http://schemas.microsoft.com/office/powerpoint/2012/main" xmlns:mc="http://schemas.openxmlformats.org/markup-compatibility/2006" type="objOnly" preserve="1">
-  <p:cSld name="Centered Text">
-    <p:spTree>
-      <p:nvGrpSpPr>
-        <p:cNvPr id="1" name=""/>
-        <p:cNvGrpSpPr/>
-        <p:nvPr/>
-      </p:nvGrpSpPr>
-      <p:grpSpPr>
-        <a:xfrm>
-          <a:off x="0" y="0"/>
-          <a:ext cx="0" cy="0"/>
-          <a:chOff x="0" y="0"/>
-          <a:chExt cx="0" cy="0"/>
-        </a:xfrm>
-      </p:grpSpPr>
-      <p:sp>
-        <p:nvSpPr>
-          <p:cNvPr id="257" name="PlaceHolder 1"/>
-          <p:cNvSpPr>
-            <a:spLocks noGrp="1"/>
-          </p:cNvSpPr>
-          <p:nvPr>
-            <p:ph type="subTitle"/>
-          </p:nvPr>
-        </p:nvSpPr>
-        <p:spPr>
-          <a:xfrm>
-            <a:off x="457200" y="205200"/>
-            <a:ext cx="8229240" cy="3981240"/>
-          </a:xfrm>
-          <a:prstGeom prst="rect">
-            <a:avLst/>
-          </a:prstGeom>
-        </p:spPr>
-        <p:txBody>
-          <a:bodyPr lIns="0" rIns="0" tIns="0" bIns="0" anchor="ctr">
-            <a:noAutofit/>
-          </a:bodyPr>
-          <a:p>
-            <a:pPr algn="ctr"/>
-            <a:endParaRPr b="0" lang="de-DE" sz="3200" spc="-1" strike="noStrike">
-              <a:latin typeface="Arial"/>
-            </a:endParaRPr>
-          </a:p>
-        </p:txBody>
-      </p:sp>
-    </p:spTree>
-  </p:cSld>
-</p:sldLayout>
-</file>
-
-<file path=ppt/slideLayouts/slideLayout79.xml><?xml version="1.0" encoding="utf-8"?>
-<p:sldLayout xmlns:a="http://schemas.openxmlformats.org/drawingml/2006/main" xmlns:p="http://schemas.openxmlformats.org/presentationml/2006/main" xmlns:r="http://schemas.openxmlformats.org/officeDocument/2006/relationships" xmlns:p14="http://schemas.microsoft.com/office/powerpoint/2010/main" xmlns:p15="http://schemas.microsoft.com/office/powerpoint/2012/main" xmlns:mc="http://schemas.openxmlformats.org/markup-compatibility/2006" type="twoObjAndObj" preserve="1">
-  <p:cSld name="Title, 2 Content and Content">
-    <p:spTree>
-      <p:nvGrpSpPr>
-        <p:cNvPr id="1" name=""/>
-        <p:cNvGrpSpPr/>
-        <p:nvPr/>
-      </p:nvGrpSpPr>
-      <p:grpSpPr>
-        <a:xfrm>
-          <a:off x="0" y="0"/>
-          <a:ext cx="0" cy="0"/>
-          <a:chOff x="0" y="0"/>
-          <a:chExt cx="0" cy="0"/>
-        </a:xfrm>
-      </p:grpSpPr>
-      <p:sp>
-        <p:nvSpPr>
-          <p:cNvPr id="258" name="PlaceHolder 1"/>
-          <p:cNvSpPr>
-            <a:spLocks noGrp="1"/>
-          </p:cNvSpPr>
-          <p:nvPr>
-            <p:ph type="title"/>
-          </p:nvPr>
-        </p:nvSpPr>
-        <p:spPr>
-          <a:xfrm>
-            <a:off x="457200" y="205200"/>
-            <a:ext cx="8229240" cy="858600"/>
-          </a:xfrm>
-          <a:prstGeom prst="rect">
-            <a:avLst/>
-          </a:prstGeom>
-        </p:spPr>
-        <p:txBody>
-          <a:bodyPr lIns="0" rIns="0" tIns="0" bIns="0" anchor="ctr">
-            <a:noAutofit/>
-          </a:bodyPr>
-          <a:p>
-            <a:pPr algn="ctr"/>
-            <a:endParaRPr b="0" lang="de-DE" sz="4400" spc="-1" strike="noStrike">
-              <a:latin typeface="Arial"/>
-            </a:endParaRPr>
-          </a:p>
-        </p:txBody>
-      </p:sp>
-      <p:sp>
-        <p:nvSpPr>
-          <p:cNvPr id="259" name="PlaceHolder 2"/>
-          <p:cNvSpPr>
-            <a:spLocks noGrp="1"/>
-          </p:cNvSpPr>
-          <p:nvPr>
-            <p:ph type="body"/>
-          </p:nvPr>
-        </p:nvSpPr>
-        <p:spPr>
-          <a:xfrm>
-            <a:off x="457200" y="1203480"/>
-            <a:ext cx="4015800" cy="1422720"/>
-          </a:xfrm>
-          <a:prstGeom prst="rect">
-            <a:avLst/>
-          </a:prstGeom>
-        </p:spPr>
-        <p:txBody>
-          <a:bodyPr lIns="0" rIns="0" tIns="0" bIns="0">
-            <a:normAutofit/>
-          </a:bodyPr>
-          <a:p>
-            <a:endParaRPr b="0" lang="de-DE" sz="3200" spc="-1" strike="noStrike">
-              <a:latin typeface="Arial"/>
-            </a:endParaRPr>
-          </a:p>
-        </p:txBody>
-      </p:sp>
-      <p:sp>
-        <p:nvSpPr>
-          <p:cNvPr id="260" name="PlaceHolder 3"/>
-          <p:cNvSpPr>
-            <a:spLocks noGrp="1"/>
-          </p:cNvSpPr>
-          <p:nvPr>
-            <p:ph type="body"/>
-          </p:nvPr>
-        </p:nvSpPr>
-        <p:spPr>
-          <a:xfrm>
-            <a:off x="4674240" y="1203480"/>
-            <a:ext cx="4015800" cy="2982960"/>
-          </a:xfrm>
-          <a:prstGeom prst="rect">
-            <a:avLst/>
-          </a:prstGeom>
-        </p:spPr>
-        <p:txBody>
-          <a:bodyPr lIns="0" rIns="0" tIns="0" bIns="0">
-            <a:normAutofit/>
-          </a:bodyPr>
-          <a:p>
-            <a:endParaRPr b="0" lang="de-DE" sz="3200" spc="-1" strike="noStrike">
-              <a:latin typeface="Arial"/>
-            </a:endParaRPr>
-          </a:p>
-        </p:txBody>
-      </p:sp>
-      <p:sp>
-        <p:nvSpPr>
-          <p:cNvPr id="261" name="PlaceHolder 4"/>
-          <p:cNvSpPr>
-            <a:spLocks noGrp="1"/>
-          </p:cNvSpPr>
-          <p:nvPr>
-            <p:ph type="body"/>
-          </p:nvPr>
-        </p:nvSpPr>
-        <p:spPr>
-          <a:xfrm>
-            <a:off x="457200" y="2761920"/>
-            <a:ext cx="4015800" cy="1422720"/>
           </a:xfrm>
           <a:prstGeom prst="rect">
             <a:avLst/>
@@ -8572,811 +8020,6 @@
           <a:xfrm>
             <a:off x="4674240" y="2761920"/>
             <a:ext cx="4015800" cy="1422720"/>
-          </a:xfrm>
-          <a:prstGeom prst="rect">
-            <a:avLst/>
-          </a:prstGeom>
-        </p:spPr>
-        <p:txBody>
-          <a:bodyPr lIns="0" rIns="0" tIns="0" bIns="0">
-            <a:normAutofit/>
-          </a:bodyPr>
-          <a:p>
-            <a:endParaRPr b="0" lang="de-DE" sz="3200" spc="-1" strike="noStrike">
-              <a:latin typeface="Arial"/>
-            </a:endParaRPr>
-          </a:p>
-        </p:txBody>
-      </p:sp>
-    </p:spTree>
-  </p:cSld>
-</p:sldLayout>
-</file>
-
-<file path=ppt/slideLayouts/slideLayout80.xml><?xml version="1.0" encoding="utf-8"?>
-<p:sldLayout xmlns:a="http://schemas.openxmlformats.org/drawingml/2006/main" xmlns:p="http://schemas.openxmlformats.org/presentationml/2006/main" xmlns:r="http://schemas.openxmlformats.org/officeDocument/2006/relationships" xmlns:p14="http://schemas.microsoft.com/office/powerpoint/2010/main" xmlns:p15="http://schemas.microsoft.com/office/powerpoint/2012/main" xmlns:mc="http://schemas.openxmlformats.org/markup-compatibility/2006" type="objAndTwoObj" preserve="1">
-  <p:cSld name="Title Content and 2 Content">
-    <p:spTree>
-      <p:nvGrpSpPr>
-        <p:cNvPr id="1" name=""/>
-        <p:cNvGrpSpPr/>
-        <p:nvPr/>
-      </p:nvGrpSpPr>
-      <p:grpSpPr>
-        <a:xfrm>
-          <a:off x="0" y="0"/>
-          <a:ext cx="0" cy="0"/>
-          <a:chOff x="0" y="0"/>
-          <a:chExt cx="0" cy="0"/>
-        </a:xfrm>
-      </p:grpSpPr>
-      <p:sp>
-        <p:nvSpPr>
-          <p:cNvPr id="262" name="PlaceHolder 1"/>
-          <p:cNvSpPr>
-            <a:spLocks noGrp="1"/>
-          </p:cNvSpPr>
-          <p:nvPr>
-            <p:ph type="title"/>
-          </p:nvPr>
-        </p:nvSpPr>
-        <p:spPr>
-          <a:xfrm>
-            <a:off x="457200" y="205200"/>
-            <a:ext cx="8229240" cy="858600"/>
-          </a:xfrm>
-          <a:prstGeom prst="rect">
-            <a:avLst/>
-          </a:prstGeom>
-        </p:spPr>
-        <p:txBody>
-          <a:bodyPr lIns="0" rIns="0" tIns="0" bIns="0" anchor="ctr">
-            <a:noAutofit/>
-          </a:bodyPr>
-          <a:p>
-            <a:pPr algn="ctr"/>
-            <a:endParaRPr b="0" lang="de-DE" sz="4400" spc="-1" strike="noStrike">
-              <a:latin typeface="Arial"/>
-            </a:endParaRPr>
-          </a:p>
-        </p:txBody>
-      </p:sp>
-      <p:sp>
-        <p:nvSpPr>
-          <p:cNvPr id="263" name="PlaceHolder 2"/>
-          <p:cNvSpPr>
-            <a:spLocks noGrp="1"/>
-          </p:cNvSpPr>
-          <p:nvPr>
-            <p:ph type="body"/>
-          </p:nvPr>
-        </p:nvSpPr>
-        <p:spPr>
-          <a:xfrm>
-            <a:off x="457200" y="1203480"/>
-            <a:ext cx="4015800" cy="2982960"/>
-          </a:xfrm>
-          <a:prstGeom prst="rect">
-            <a:avLst/>
-          </a:prstGeom>
-        </p:spPr>
-        <p:txBody>
-          <a:bodyPr lIns="0" rIns="0" tIns="0" bIns="0">
-            <a:normAutofit/>
-          </a:bodyPr>
-          <a:p>
-            <a:endParaRPr b="0" lang="de-DE" sz="3200" spc="-1" strike="noStrike">
-              <a:latin typeface="Arial"/>
-            </a:endParaRPr>
-          </a:p>
-        </p:txBody>
-      </p:sp>
-      <p:sp>
-        <p:nvSpPr>
-          <p:cNvPr id="264" name="PlaceHolder 3"/>
-          <p:cNvSpPr>
-            <a:spLocks noGrp="1"/>
-          </p:cNvSpPr>
-          <p:nvPr>
-            <p:ph type="body"/>
-          </p:nvPr>
-        </p:nvSpPr>
-        <p:spPr>
-          <a:xfrm>
-            <a:off x="4674240" y="1203480"/>
-            <a:ext cx="4015800" cy="1422720"/>
-          </a:xfrm>
-          <a:prstGeom prst="rect">
-            <a:avLst/>
-          </a:prstGeom>
-        </p:spPr>
-        <p:txBody>
-          <a:bodyPr lIns="0" rIns="0" tIns="0" bIns="0">
-            <a:normAutofit/>
-          </a:bodyPr>
-          <a:p>
-            <a:endParaRPr b="0" lang="de-DE" sz="3200" spc="-1" strike="noStrike">
-              <a:latin typeface="Arial"/>
-            </a:endParaRPr>
-          </a:p>
-        </p:txBody>
-      </p:sp>
-      <p:sp>
-        <p:nvSpPr>
-          <p:cNvPr id="265" name="PlaceHolder 4"/>
-          <p:cNvSpPr>
-            <a:spLocks noGrp="1"/>
-          </p:cNvSpPr>
-          <p:nvPr>
-            <p:ph type="body"/>
-          </p:nvPr>
-        </p:nvSpPr>
-        <p:spPr>
-          <a:xfrm>
-            <a:off x="4674240" y="2761920"/>
-            <a:ext cx="4015800" cy="1422720"/>
-          </a:xfrm>
-          <a:prstGeom prst="rect">
-            <a:avLst/>
-          </a:prstGeom>
-        </p:spPr>
-        <p:txBody>
-          <a:bodyPr lIns="0" rIns="0" tIns="0" bIns="0">
-            <a:normAutofit/>
-          </a:bodyPr>
-          <a:p>
-            <a:endParaRPr b="0" lang="de-DE" sz="3200" spc="-1" strike="noStrike">
-              <a:latin typeface="Arial"/>
-            </a:endParaRPr>
-          </a:p>
-        </p:txBody>
-      </p:sp>
-    </p:spTree>
-  </p:cSld>
-</p:sldLayout>
-</file>
-
-<file path=ppt/slideLayouts/slideLayout81.xml><?xml version="1.0" encoding="utf-8"?>
-<p:sldLayout xmlns:a="http://schemas.openxmlformats.org/drawingml/2006/main" xmlns:p="http://schemas.openxmlformats.org/presentationml/2006/main" xmlns:r="http://schemas.openxmlformats.org/officeDocument/2006/relationships" xmlns:p14="http://schemas.microsoft.com/office/powerpoint/2010/main" xmlns:p15="http://schemas.microsoft.com/office/powerpoint/2012/main" xmlns:mc="http://schemas.openxmlformats.org/markup-compatibility/2006" type="twoObjOverTx" preserve="1">
-  <p:cSld name="Title, 2 Content over Content">
-    <p:spTree>
-      <p:nvGrpSpPr>
-        <p:cNvPr id="1" name=""/>
-        <p:cNvGrpSpPr/>
-        <p:nvPr/>
-      </p:nvGrpSpPr>
-      <p:grpSpPr>
-        <a:xfrm>
-          <a:off x="0" y="0"/>
-          <a:ext cx="0" cy="0"/>
-          <a:chOff x="0" y="0"/>
-          <a:chExt cx="0" cy="0"/>
-        </a:xfrm>
-      </p:grpSpPr>
-      <p:sp>
-        <p:nvSpPr>
-          <p:cNvPr id="266" name="PlaceHolder 1"/>
-          <p:cNvSpPr>
-            <a:spLocks noGrp="1"/>
-          </p:cNvSpPr>
-          <p:nvPr>
-            <p:ph type="title"/>
-          </p:nvPr>
-        </p:nvSpPr>
-        <p:spPr>
-          <a:xfrm>
-            <a:off x="457200" y="205200"/>
-            <a:ext cx="8229240" cy="858600"/>
-          </a:xfrm>
-          <a:prstGeom prst="rect">
-            <a:avLst/>
-          </a:prstGeom>
-        </p:spPr>
-        <p:txBody>
-          <a:bodyPr lIns="0" rIns="0" tIns="0" bIns="0" anchor="ctr">
-            <a:noAutofit/>
-          </a:bodyPr>
-          <a:p>
-            <a:pPr algn="ctr"/>
-            <a:endParaRPr b="0" lang="de-DE" sz="4400" spc="-1" strike="noStrike">
-              <a:latin typeface="Arial"/>
-            </a:endParaRPr>
-          </a:p>
-        </p:txBody>
-      </p:sp>
-      <p:sp>
-        <p:nvSpPr>
-          <p:cNvPr id="267" name="PlaceHolder 2"/>
-          <p:cNvSpPr>
-            <a:spLocks noGrp="1"/>
-          </p:cNvSpPr>
-          <p:nvPr>
-            <p:ph type="body"/>
-          </p:nvPr>
-        </p:nvSpPr>
-        <p:spPr>
-          <a:xfrm>
-            <a:off x="457200" y="1203480"/>
-            <a:ext cx="4015800" cy="1422720"/>
-          </a:xfrm>
-          <a:prstGeom prst="rect">
-            <a:avLst/>
-          </a:prstGeom>
-        </p:spPr>
-        <p:txBody>
-          <a:bodyPr lIns="0" rIns="0" tIns="0" bIns="0">
-            <a:normAutofit/>
-          </a:bodyPr>
-          <a:p>
-            <a:endParaRPr b="0" lang="de-DE" sz="3200" spc="-1" strike="noStrike">
-              <a:latin typeface="Arial"/>
-            </a:endParaRPr>
-          </a:p>
-        </p:txBody>
-      </p:sp>
-      <p:sp>
-        <p:nvSpPr>
-          <p:cNvPr id="268" name="PlaceHolder 3"/>
-          <p:cNvSpPr>
-            <a:spLocks noGrp="1"/>
-          </p:cNvSpPr>
-          <p:nvPr>
-            <p:ph type="body"/>
-          </p:nvPr>
-        </p:nvSpPr>
-        <p:spPr>
-          <a:xfrm>
-            <a:off x="4674240" y="1203480"/>
-            <a:ext cx="4015800" cy="1422720"/>
-          </a:xfrm>
-          <a:prstGeom prst="rect">
-            <a:avLst/>
-          </a:prstGeom>
-        </p:spPr>
-        <p:txBody>
-          <a:bodyPr lIns="0" rIns="0" tIns="0" bIns="0">
-            <a:normAutofit/>
-          </a:bodyPr>
-          <a:p>
-            <a:endParaRPr b="0" lang="de-DE" sz="3200" spc="-1" strike="noStrike">
-              <a:latin typeface="Arial"/>
-            </a:endParaRPr>
-          </a:p>
-        </p:txBody>
-      </p:sp>
-      <p:sp>
-        <p:nvSpPr>
-          <p:cNvPr id="269" name="PlaceHolder 4"/>
-          <p:cNvSpPr>
-            <a:spLocks noGrp="1"/>
-          </p:cNvSpPr>
-          <p:nvPr>
-            <p:ph type="body"/>
-          </p:nvPr>
-        </p:nvSpPr>
-        <p:spPr>
-          <a:xfrm>
-            <a:off x="457200" y="2761920"/>
-            <a:ext cx="8229240" cy="1422720"/>
-          </a:xfrm>
-          <a:prstGeom prst="rect">
-            <a:avLst/>
-          </a:prstGeom>
-        </p:spPr>
-        <p:txBody>
-          <a:bodyPr lIns="0" rIns="0" tIns="0" bIns="0">
-            <a:normAutofit/>
-          </a:bodyPr>
-          <a:p>
-            <a:endParaRPr b="0" lang="de-DE" sz="3200" spc="-1" strike="noStrike">
-              <a:latin typeface="Arial"/>
-            </a:endParaRPr>
-          </a:p>
-        </p:txBody>
-      </p:sp>
-    </p:spTree>
-  </p:cSld>
-</p:sldLayout>
-</file>
-
-<file path=ppt/slideLayouts/slideLayout82.xml><?xml version="1.0" encoding="utf-8"?>
-<p:sldLayout xmlns:a="http://schemas.openxmlformats.org/drawingml/2006/main" xmlns:p="http://schemas.openxmlformats.org/presentationml/2006/main" xmlns:r="http://schemas.openxmlformats.org/officeDocument/2006/relationships" xmlns:p14="http://schemas.microsoft.com/office/powerpoint/2010/main" xmlns:p15="http://schemas.microsoft.com/office/powerpoint/2012/main" xmlns:mc="http://schemas.openxmlformats.org/markup-compatibility/2006" type="objOverTx" preserve="1">
-  <p:cSld name="Title, Content over Content">
-    <p:spTree>
-      <p:nvGrpSpPr>
-        <p:cNvPr id="1" name=""/>
-        <p:cNvGrpSpPr/>
-        <p:nvPr/>
-      </p:nvGrpSpPr>
-      <p:grpSpPr>
-        <a:xfrm>
-          <a:off x="0" y="0"/>
-          <a:ext cx="0" cy="0"/>
-          <a:chOff x="0" y="0"/>
-          <a:chExt cx="0" cy="0"/>
-        </a:xfrm>
-      </p:grpSpPr>
-      <p:sp>
-        <p:nvSpPr>
-          <p:cNvPr id="270" name="PlaceHolder 1"/>
-          <p:cNvSpPr>
-            <a:spLocks noGrp="1"/>
-          </p:cNvSpPr>
-          <p:nvPr>
-            <p:ph type="title"/>
-          </p:nvPr>
-        </p:nvSpPr>
-        <p:spPr>
-          <a:xfrm>
-            <a:off x="457200" y="205200"/>
-            <a:ext cx="8229240" cy="858600"/>
-          </a:xfrm>
-          <a:prstGeom prst="rect">
-            <a:avLst/>
-          </a:prstGeom>
-        </p:spPr>
-        <p:txBody>
-          <a:bodyPr lIns="0" rIns="0" tIns="0" bIns="0" anchor="ctr">
-            <a:noAutofit/>
-          </a:bodyPr>
-          <a:p>
-            <a:pPr algn="ctr"/>
-            <a:endParaRPr b="0" lang="de-DE" sz="4400" spc="-1" strike="noStrike">
-              <a:latin typeface="Arial"/>
-            </a:endParaRPr>
-          </a:p>
-        </p:txBody>
-      </p:sp>
-      <p:sp>
-        <p:nvSpPr>
-          <p:cNvPr id="271" name="PlaceHolder 2"/>
-          <p:cNvSpPr>
-            <a:spLocks noGrp="1"/>
-          </p:cNvSpPr>
-          <p:nvPr>
-            <p:ph type="body"/>
-          </p:nvPr>
-        </p:nvSpPr>
-        <p:spPr>
-          <a:xfrm>
-            <a:off x="457200" y="1203480"/>
-            <a:ext cx="8229240" cy="1422720"/>
-          </a:xfrm>
-          <a:prstGeom prst="rect">
-            <a:avLst/>
-          </a:prstGeom>
-        </p:spPr>
-        <p:txBody>
-          <a:bodyPr lIns="0" rIns="0" tIns="0" bIns="0">
-            <a:normAutofit/>
-          </a:bodyPr>
-          <a:p>
-            <a:endParaRPr b="0" lang="de-DE" sz="3200" spc="-1" strike="noStrike">
-              <a:latin typeface="Arial"/>
-            </a:endParaRPr>
-          </a:p>
-        </p:txBody>
-      </p:sp>
-      <p:sp>
-        <p:nvSpPr>
-          <p:cNvPr id="272" name="PlaceHolder 3"/>
-          <p:cNvSpPr>
-            <a:spLocks noGrp="1"/>
-          </p:cNvSpPr>
-          <p:nvPr>
-            <p:ph type="body"/>
-          </p:nvPr>
-        </p:nvSpPr>
-        <p:spPr>
-          <a:xfrm>
-            <a:off x="457200" y="2761920"/>
-            <a:ext cx="8229240" cy="1422720"/>
-          </a:xfrm>
-          <a:prstGeom prst="rect">
-            <a:avLst/>
-          </a:prstGeom>
-        </p:spPr>
-        <p:txBody>
-          <a:bodyPr lIns="0" rIns="0" tIns="0" bIns="0">
-            <a:normAutofit/>
-          </a:bodyPr>
-          <a:p>
-            <a:endParaRPr b="0" lang="de-DE" sz="3200" spc="-1" strike="noStrike">
-              <a:latin typeface="Arial"/>
-            </a:endParaRPr>
-          </a:p>
-        </p:txBody>
-      </p:sp>
-    </p:spTree>
-  </p:cSld>
-</p:sldLayout>
-</file>
-
-<file path=ppt/slideLayouts/slideLayout83.xml><?xml version="1.0" encoding="utf-8"?>
-<p:sldLayout xmlns:a="http://schemas.openxmlformats.org/drawingml/2006/main" xmlns:p="http://schemas.openxmlformats.org/presentationml/2006/main" xmlns:r="http://schemas.openxmlformats.org/officeDocument/2006/relationships" xmlns:p14="http://schemas.microsoft.com/office/powerpoint/2010/main" xmlns:p15="http://schemas.microsoft.com/office/powerpoint/2012/main" xmlns:mc="http://schemas.openxmlformats.org/markup-compatibility/2006" type="fourObj" preserve="1">
-  <p:cSld name="Title, 4 Content">
-    <p:spTree>
-      <p:nvGrpSpPr>
-        <p:cNvPr id="1" name=""/>
-        <p:cNvGrpSpPr/>
-        <p:nvPr/>
-      </p:nvGrpSpPr>
-      <p:grpSpPr>
-        <a:xfrm>
-          <a:off x="0" y="0"/>
-          <a:ext cx="0" cy="0"/>
-          <a:chOff x="0" y="0"/>
-          <a:chExt cx="0" cy="0"/>
-        </a:xfrm>
-      </p:grpSpPr>
-      <p:sp>
-        <p:nvSpPr>
-          <p:cNvPr id="273" name="PlaceHolder 1"/>
-          <p:cNvSpPr>
-            <a:spLocks noGrp="1"/>
-          </p:cNvSpPr>
-          <p:nvPr>
-            <p:ph type="title"/>
-          </p:nvPr>
-        </p:nvSpPr>
-        <p:spPr>
-          <a:xfrm>
-            <a:off x="457200" y="205200"/>
-            <a:ext cx="8229240" cy="858600"/>
-          </a:xfrm>
-          <a:prstGeom prst="rect">
-            <a:avLst/>
-          </a:prstGeom>
-        </p:spPr>
-        <p:txBody>
-          <a:bodyPr lIns="0" rIns="0" tIns="0" bIns="0" anchor="ctr">
-            <a:noAutofit/>
-          </a:bodyPr>
-          <a:p>
-            <a:pPr algn="ctr"/>
-            <a:endParaRPr b="0" lang="de-DE" sz="4400" spc="-1" strike="noStrike">
-              <a:latin typeface="Arial"/>
-            </a:endParaRPr>
-          </a:p>
-        </p:txBody>
-      </p:sp>
-      <p:sp>
-        <p:nvSpPr>
-          <p:cNvPr id="274" name="PlaceHolder 2"/>
-          <p:cNvSpPr>
-            <a:spLocks noGrp="1"/>
-          </p:cNvSpPr>
-          <p:nvPr>
-            <p:ph type="body"/>
-          </p:nvPr>
-        </p:nvSpPr>
-        <p:spPr>
-          <a:xfrm>
-            <a:off x="457200" y="1203480"/>
-            <a:ext cx="4015800" cy="1422720"/>
-          </a:xfrm>
-          <a:prstGeom prst="rect">
-            <a:avLst/>
-          </a:prstGeom>
-        </p:spPr>
-        <p:txBody>
-          <a:bodyPr lIns="0" rIns="0" tIns="0" bIns="0">
-            <a:normAutofit/>
-          </a:bodyPr>
-          <a:p>
-            <a:endParaRPr b="0" lang="de-DE" sz="3200" spc="-1" strike="noStrike">
-              <a:latin typeface="Arial"/>
-            </a:endParaRPr>
-          </a:p>
-        </p:txBody>
-      </p:sp>
-      <p:sp>
-        <p:nvSpPr>
-          <p:cNvPr id="275" name="PlaceHolder 3"/>
-          <p:cNvSpPr>
-            <a:spLocks noGrp="1"/>
-          </p:cNvSpPr>
-          <p:nvPr>
-            <p:ph type="body"/>
-          </p:nvPr>
-        </p:nvSpPr>
-        <p:spPr>
-          <a:xfrm>
-            <a:off x="4674240" y="1203480"/>
-            <a:ext cx="4015800" cy="1422720"/>
-          </a:xfrm>
-          <a:prstGeom prst="rect">
-            <a:avLst/>
-          </a:prstGeom>
-        </p:spPr>
-        <p:txBody>
-          <a:bodyPr lIns="0" rIns="0" tIns="0" bIns="0">
-            <a:normAutofit/>
-          </a:bodyPr>
-          <a:p>
-            <a:endParaRPr b="0" lang="de-DE" sz="3200" spc="-1" strike="noStrike">
-              <a:latin typeface="Arial"/>
-            </a:endParaRPr>
-          </a:p>
-        </p:txBody>
-      </p:sp>
-      <p:sp>
-        <p:nvSpPr>
-          <p:cNvPr id="276" name="PlaceHolder 4"/>
-          <p:cNvSpPr>
-            <a:spLocks noGrp="1"/>
-          </p:cNvSpPr>
-          <p:nvPr>
-            <p:ph type="body"/>
-          </p:nvPr>
-        </p:nvSpPr>
-        <p:spPr>
-          <a:xfrm>
-            <a:off x="457200" y="2761920"/>
-            <a:ext cx="4015800" cy="1422720"/>
-          </a:xfrm>
-          <a:prstGeom prst="rect">
-            <a:avLst/>
-          </a:prstGeom>
-        </p:spPr>
-        <p:txBody>
-          <a:bodyPr lIns="0" rIns="0" tIns="0" bIns="0">
-            <a:normAutofit/>
-          </a:bodyPr>
-          <a:p>
-            <a:endParaRPr b="0" lang="de-DE" sz="3200" spc="-1" strike="noStrike">
-              <a:latin typeface="Arial"/>
-            </a:endParaRPr>
-          </a:p>
-        </p:txBody>
-      </p:sp>
-      <p:sp>
-        <p:nvSpPr>
-          <p:cNvPr id="277" name="PlaceHolder 5"/>
-          <p:cNvSpPr>
-            <a:spLocks noGrp="1"/>
-          </p:cNvSpPr>
-          <p:nvPr>
-            <p:ph type="body"/>
-          </p:nvPr>
-        </p:nvSpPr>
-        <p:spPr>
-          <a:xfrm>
-            <a:off x="4674240" y="2761920"/>
-            <a:ext cx="4015800" cy="1422720"/>
-          </a:xfrm>
-          <a:prstGeom prst="rect">
-            <a:avLst/>
-          </a:prstGeom>
-        </p:spPr>
-        <p:txBody>
-          <a:bodyPr lIns="0" rIns="0" tIns="0" bIns="0">
-            <a:normAutofit/>
-          </a:bodyPr>
-          <a:p>
-            <a:endParaRPr b="0" lang="de-DE" sz="3200" spc="-1" strike="noStrike">
-              <a:latin typeface="Arial"/>
-            </a:endParaRPr>
-          </a:p>
-        </p:txBody>
-      </p:sp>
-    </p:spTree>
-  </p:cSld>
-</p:sldLayout>
-</file>
-
-<file path=ppt/slideLayouts/slideLayout84.xml><?xml version="1.0" encoding="utf-8"?>
-<p:sldLayout xmlns:a="http://schemas.openxmlformats.org/drawingml/2006/main" xmlns:p="http://schemas.openxmlformats.org/presentationml/2006/main" xmlns:r="http://schemas.openxmlformats.org/officeDocument/2006/relationships" xmlns:p14="http://schemas.microsoft.com/office/powerpoint/2010/main" xmlns:p15="http://schemas.microsoft.com/office/powerpoint/2012/main" xmlns:mc="http://schemas.openxmlformats.org/markup-compatibility/2006" type="blank" preserve="1">
-  <p:cSld name="Title, 6 Content">
-    <p:spTree>
-      <p:nvGrpSpPr>
-        <p:cNvPr id="1" name=""/>
-        <p:cNvGrpSpPr/>
-        <p:nvPr/>
-      </p:nvGrpSpPr>
-      <p:grpSpPr>
-        <a:xfrm>
-          <a:off x="0" y="0"/>
-          <a:ext cx="0" cy="0"/>
-          <a:chOff x="0" y="0"/>
-          <a:chExt cx="0" cy="0"/>
-        </a:xfrm>
-      </p:grpSpPr>
-      <p:sp>
-        <p:nvSpPr>
-          <p:cNvPr id="278" name="PlaceHolder 1"/>
-          <p:cNvSpPr>
-            <a:spLocks noGrp="1"/>
-          </p:cNvSpPr>
-          <p:nvPr>
-            <p:ph type="title"/>
-          </p:nvPr>
-        </p:nvSpPr>
-        <p:spPr>
-          <a:xfrm>
-            <a:off x="457200" y="205200"/>
-            <a:ext cx="8229240" cy="858600"/>
-          </a:xfrm>
-          <a:prstGeom prst="rect">
-            <a:avLst/>
-          </a:prstGeom>
-        </p:spPr>
-        <p:txBody>
-          <a:bodyPr lIns="0" rIns="0" tIns="0" bIns="0" anchor="ctr">
-            <a:noAutofit/>
-          </a:bodyPr>
-          <a:p>
-            <a:pPr algn="ctr"/>
-            <a:endParaRPr b="0" lang="de-DE" sz="4400" spc="-1" strike="noStrike">
-              <a:latin typeface="Arial"/>
-            </a:endParaRPr>
-          </a:p>
-        </p:txBody>
-      </p:sp>
-      <p:sp>
-        <p:nvSpPr>
-          <p:cNvPr id="279" name="PlaceHolder 2"/>
-          <p:cNvSpPr>
-            <a:spLocks noGrp="1"/>
-          </p:cNvSpPr>
-          <p:nvPr>
-            <p:ph type="body"/>
-          </p:nvPr>
-        </p:nvSpPr>
-        <p:spPr>
-          <a:xfrm>
-            <a:off x="457200" y="1203480"/>
-            <a:ext cx="2649600" cy="1422720"/>
-          </a:xfrm>
-          <a:prstGeom prst="rect">
-            <a:avLst/>
-          </a:prstGeom>
-        </p:spPr>
-        <p:txBody>
-          <a:bodyPr lIns="0" rIns="0" tIns="0" bIns="0">
-            <a:normAutofit/>
-          </a:bodyPr>
-          <a:p>
-            <a:endParaRPr b="0" lang="de-DE" sz="3200" spc="-1" strike="noStrike">
-              <a:latin typeface="Arial"/>
-            </a:endParaRPr>
-          </a:p>
-        </p:txBody>
-      </p:sp>
-      <p:sp>
-        <p:nvSpPr>
-          <p:cNvPr id="280" name="PlaceHolder 3"/>
-          <p:cNvSpPr>
-            <a:spLocks noGrp="1"/>
-          </p:cNvSpPr>
-          <p:nvPr>
-            <p:ph type="body"/>
-          </p:nvPr>
-        </p:nvSpPr>
-        <p:spPr>
-          <a:xfrm>
-            <a:off x="3239640" y="1203480"/>
-            <a:ext cx="2649600" cy="1422720"/>
-          </a:xfrm>
-          <a:prstGeom prst="rect">
-            <a:avLst/>
-          </a:prstGeom>
-        </p:spPr>
-        <p:txBody>
-          <a:bodyPr lIns="0" rIns="0" tIns="0" bIns="0">
-            <a:normAutofit/>
-          </a:bodyPr>
-          <a:p>
-            <a:endParaRPr b="0" lang="de-DE" sz="3200" spc="-1" strike="noStrike">
-              <a:latin typeface="Arial"/>
-            </a:endParaRPr>
-          </a:p>
-        </p:txBody>
-      </p:sp>
-      <p:sp>
-        <p:nvSpPr>
-          <p:cNvPr id="281" name="PlaceHolder 4"/>
-          <p:cNvSpPr>
-            <a:spLocks noGrp="1"/>
-          </p:cNvSpPr>
-          <p:nvPr>
-            <p:ph type="body"/>
-          </p:nvPr>
-        </p:nvSpPr>
-        <p:spPr>
-          <a:xfrm>
-            <a:off x="6022080" y="1203480"/>
-            <a:ext cx="2649600" cy="1422720"/>
-          </a:xfrm>
-          <a:prstGeom prst="rect">
-            <a:avLst/>
-          </a:prstGeom>
-        </p:spPr>
-        <p:txBody>
-          <a:bodyPr lIns="0" rIns="0" tIns="0" bIns="0">
-            <a:normAutofit/>
-          </a:bodyPr>
-          <a:p>
-            <a:endParaRPr b="0" lang="de-DE" sz="3200" spc="-1" strike="noStrike">
-              <a:latin typeface="Arial"/>
-            </a:endParaRPr>
-          </a:p>
-        </p:txBody>
-      </p:sp>
-      <p:sp>
-        <p:nvSpPr>
-          <p:cNvPr id="282" name="PlaceHolder 5"/>
-          <p:cNvSpPr>
-            <a:spLocks noGrp="1"/>
-          </p:cNvSpPr>
-          <p:nvPr>
-            <p:ph type="body"/>
-          </p:nvPr>
-        </p:nvSpPr>
-        <p:spPr>
-          <a:xfrm>
-            <a:off x="457200" y="2761920"/>
-            <a:ext cx="2649600" cy="1422720"/>
-          </a:xfrm>
-          <a:prstGeom prst="rect">
-            <a:avLst/>
-          </a:prstGeom>
-        </p:spPr>
-        <p:txBody>
-          <a:bodyPr lIns="0" rIns="0" tIns="0" bIns="0">
-            <a:normAutofit/>
-          </a:bodyPr>
-          <a:p>
-            <a:endParaRPr b="0" lang="de-DE" sz="3200" spc="-1" strike="noStrike">
-              <a:latin typeface="Arial"/>
-            </a:endParaRPr>
-          </a:p>
-        </p:txBody>
-      </p:sp>
-      <p:sp>
-        <p:nvSpPr>
-          <p:cNvPr id="283" name="PlaceHolder 6"/>
-          <p:cNvSpPr>
-            <a:spLocks noGrp="1"/>
-          </p:cNvSpPr>
-          <p:nvPr>
-            <p:ph type="body"/>
-          </p:nvPr>
-        </p:nvSpPr>
-        <p:spPr>
-          <a:xfrm>
-            <a:off x="3239640" y="2761920"/>
-            <a:ext cx="2649600" cy="1422720"/>
-          </a:xfrm>
-          <a:prstGeom prst="rect">
-            <a:avLst/>
-          </a:prstGeom>
-        </p:spPr>
-        <p:txBody>
-          <a:bodyPr lIns="0" rIns="0" tIns="0" bIns="0">
-            <a:normAutofit/>
-          </a:bodyPr>
-          <a:p>
-            <a:endParaRPr b="0" lang="de-DE" sz="3200" spc="-1" strike="noStrike">
-              <a:latin typeface="Arial"/>
-            </a:endParaRPr>
-          </a:p>
-        </p:txBody>
-      </p:sp>
-      <p:sp>
-        <p:nvSpPr>
-          <p:cNvPr id="284" name="PlaceHolder 7"/>
-          <p:cNvSpPr>
-            <a:spLocks noGrp="1"/>
-          </p:cNvSpPr>
-          <p:nvPr>
-            <p:ph type="body"/>
-          </p:nvPr>
-        </p:nvSpPr>
-        <p:spPr>
-          <a:xfrm>
-            <a:off x="6022080" y="2761920"/>
-            <a:ext cx="2649600" cy="1422720"/>
           </a:xfrm>
           <a:prstGeom prst="rect">
             <a:avLst/>
@@ -9574,7 +8217,7 @@
         <p:spPr>
           <a:xfrm>
             <a:off x="0" y="4824360"/>
-            <a:ext cx="9137160" cy="312120"/>
+            <a:ext cx="9136800" cy="311760"/>
           </a:xfrm>
           <a:prstGeom prst="rect">
             <a:avLst/>
@@ -9610,7 +8253,7 @@
         <p:spPr>
           <a:xfrm>
             <a:off x="8714160" y="4897080"/>
-            <a:ext cx="185040" cy="185040"/>
+            <a:ext cx="184680" cy="184680"/>
           </a:xfrm>
           <a:prstGeom prst="ellipse">
             <a:avLst/>
@@ -9646,7 +8289,7 @@
                 <a:spcPct val="100000"/>
               </a:lnSpc>
             </a:pPr>
-            <a:fld id="{ED9FDE07-6237-46B8-B73E-5259F3C540DF}" type="slidenum">
+            <a:fld id="{73C250E1-B02B-4804-ADD6-9469C53F9B6A}" type="slidenum">
               <a:rPr b="0" lang="de-DE" sz="680" spc="-1" strike="noStrike">
                 <a:solidFill>
                   <a:srgbClr val="02d35f"/>
@@ -9675,7 +8318,7 @@
         <p:spPr>
           <a:xfrm>
             <a:off x="0" y="0"/>
-            <a:ext cx="9137160" cy="5136480"/>
+            <a:ext cx="9136800" cy="5136120"/>
           </a:xfrm>
           <a:prstGeom prst="rect">
             <a:avLst/>
@@ -9698,7 +8341,7 @@
         <p:spPr>
           <a:xfrm>
             <a:off x="7395120" y="486360"/>
-            <a:ext cx="870480" cy="526320"/>
+            <a:ext cx="870120" cy="525960"/>
           </a:xfrm>
           <a:prstGeom prst="rect">
             <a:avLst/>
@@ -9977,7 +8620,7 @@
         <p:spPr>
           <a:xfrm>
             <a:off x="0" y="4824360"/>
-            <a:ext cx="9137160" cy="312120"/>
+            <a:ext cx="9136800" cy="311760"/>
           </a:xfrm>
           <a:prstGeom prst="rect">
             <a:avLst/>
@@ -10038,7 +8681,7 @@
         <p:spPr>
           <a:xfrm>
             <a:off x="8714160" y="4897080"/>
-            <a:ext cx="185040" cy="185040"/>
+            <a:ext cx="184680" cy="184680"/>
           </a:xfrm>
           <a:prstGeom prst="ellipse">
             <a:avLst/>
@@ -10074,7 +8717,7 @@
                 <a:spcPct val="100000"/>
               </a:lnSpc>
             </a:pPr>
-            <a:fld id="{823614F9-4E38-449B-90F0-218279572209}" type="slidenum">
+            <a:fld id="{98FE9071-450F-4ADB-AC95-2F559DF6F19C}" type="slidenum">
               <a:rPr b="0" lang="de-DE" sz="680" spc="-1" strike="noStrike">
                 <a:solidFill>
                   <a:srgbClr val="02d35f"/>
@@ -10359,7 +9002,7 @@
         <p:spPr>
           <a:xfrm>
             <a:off x="0" y="4824360"/>
-            <a:ext cx="9137160" cy="312120"/>
+            <a:ext cx="9136800" cy="311760"/>
           </a:xfrm>
           <a:prstGeom prst="rect">
             <a:avLst/>
@@ -10420,7 +9063,7 @@
         <p:spPr>
           <a:xfrm>
             <a:off x="8714160" y="4897080"/>
-            <a:ext cx="185040" cy="185040"/>
+            <a:ext cx="184680" cy="184680"/>
           </a:xfrm>
           <a:prstGeom prst="ellipse">
             <a:avLst/>
@@ -10456,7 +9099,7 @@
                 <a:spcPct val="100000"/>
               </a:lnSpc>
             </a:pPr>
-            <a:fld id="{B3305613-21BD-41C8-AE94-0F9FE5C08786}" type="slidenum">
+            <a:fld id="{00E11B46-5496-429B-A32B-2E114862CC06}" type="slidenum">
               <a:rPr b="0" lang="de-DE" sz="680" spc="-1" strike="noStrike">
                 <a:solidFill>
                   <a:srgbClr val="02d35f"/>
@@ -10919,7 +9562,7 @@
         <p:spPr>
           <a:xfrm>
             <a:off x="0" y="4824360"/>
-            <a:ext cx="9137160" cy="312120"/>
+            <a:ext cx="9136800" cy="311760"/>
           </a:xfrm>
           <a:prstGeom prst="rect">
             <a:avLst/>
@@ -10980,7 +9623,7 @@
         <p:spPr>
           <a:xfrm>
             <a:off x="8714160" y="4897080"/>
-            <a:ext cx="185040" cy="185040"/>
+            <a:ext cx="184680" cy="184680"/>
           </a:xfrm>
           <a:prstGeom prst="ellipse">
             <a:avLst/>
@@ -11016,7 +9659,7 @@
                 <a:spcPct val="100000"/>
               </a:lnSpc>
             </a:pPr>
-            <a:fld id="{C5C1EDA2-0888-48DC-8E30-7E9D030479CB}" type="slidenum">
+            <a:fld id="{5CFF23CE-B653-4249-B781-A9F18DC356ED}" type="slidenum">
               <a:rPr b="0" lang="de-DE" sz="680" spc="-1" strike="noStrike">
                 <a:solidFill>
                   <a:srgbClr val="02d35f"/>
@@ -11479,24 +10122,57 @@
         <p:spPr>
           <a:xfrm>
             <a:off x="0" y="4824360"/>
-            <a:ext cx="9138960" cy="313920"/>
+            <a:ext cx="9136800" cy="311760"/>
           </a:xfrm>
           <a:prstGeom prst="rect">
             <a:avLst/>
           </a:prstGeom>
           <a:solidFill>
-            <a:srgbClr val="02d35f"/>
+            <a:schemeClr val="tx2"/>
           </a:solidFill>
-          <a:ln w="25560">
+          <a:ln>
             <a:noFill/>
           </a:ln>
         </p:spPr>
         <p:style>
-          <a:lnRef idx="0"/>
-          <a:fillRef idx="0"/>
-          <a:effectRef idx="0"/>
+          <a:lnRef idx="2">
+            <a:schemeClr val="accent1">
+              <a:shade val="50000"/>
+            </a:schemeClr>
+          </a:lnRef>
+          <a:fillRef idx="1">
+            <a:schemeClr val="accent1"/>
+          </a:fillRef>
+          <a:effectRef idx="0">
+            <a:schemeClr val="accent1"/>
+          </a:effectRef>
           <a:fontRef idx="minor"/>
         </p:style>
+        <p:txBody>
+          <a:bodyPr lIns="90000" rIns="90000" tIns="45000" bIns="45000">
+            <a:noAutofit/>
+          </a:bodyPr>
+          <a:p>
+            <a:pPr>
+              <a:lnSpc>
+                <a:spcPct val="100000"/>
+              </a:lnSpc>
+            </a:pPr>
+            <a:r>
+              <a:rPr b="1" lang="de-DE" sz="1300" spc="-1" strike="noStrike">
+                <a:solidFill>
+                  <a:srgbClr val="003259"/>
+                </a:solidFill>
+                <a:latin typeface="Arial"/>
+                <a:ea typeface="DejaVu Sans"/>
+              </a:rPr>
+              <a:t>Die Kommanditgesellschaft</a:t>
+            </a:r>
+            <a:endParaRPr b="0" lang="de-DE" sz="1300" spc="-1" strike="noStrike">
+              <a:latin typeface="Arial"/>
+            </a:endParaRPr>
+          </a:p>
+        </p:txBody>
       </p:sp>
       <p:sp>
         <p:nvSpPr>
@@ -11507,22 +10183,30 @@
         <p:spPr>
           <a:xfrm>
             <a:off x="8714160" y="4897080"/>
-            <a:ext cx="186840" cy="186840"/>
+            <a:ext cx="184680" cy="184680"/>
           </a:xfrm>
           <a:prstGeom prst="ellipse">
             <a:avLst/>
           </a:prstGeom>
           <a:solidFill>
-            <a:srgbClr val="ffffff"/>
+            <a:schemeClr val="bg1"/>
           </a:solidFill>
-          <a:ln w="25560">
+          <a:ln>
             <a:noFill/>
           </a:ln>
         </p:spPr>
         <p:style>
-          <a:lnRef idx="0"/>
-          <a:fillRef idx="0"/>
-          <a:effectRef idx="0"/>
+          <a:lnRef idx="2">
+            <a:schemeClr val="accent1">
+              <a:shade val="50000"/>
+            </a:schemeClr>
+          </a:lnRef>
+          <a:fillRef idx="1">
+            <a:schemeClr val="accent1"/>
+          </a:fillRef>
+          <a:effectRef idx="0">
+            <a:schemeClr val="accent1"/>
+          </a:effectRef>
           <a:fontRef idx="minor"/>
         </p:style>
         <p:txBody>
@@ -11535,7 +10219,7 @@
                 <a:spcPct val="100000"/>
               </a:lnSpc>
             </a:pPr>
-            <a:fld id="{66A20769-67F1-4B3D-9EFD-636C5BD082D9}" type="slidenum">
+            <a:fld id="{97956D72-18E8-46A5-B815-D74F087D7B9A}" type="slidenum">
               <a:rPr b="0" lang="de-DE" sz="680" spc="-1" strike="noStrike">
                 <a:solidFill>
                   <a:srgbClr val="02d35f"/>
@@ -11564,7 +10248,7 @@
         <p:spPr>
           <a:xfrm>
             <a:off x="457200" y="205200"/>
-            <a:ext cx="8229240" cy="858600"/>
+            <a:ext cx="8228880" cy="858240"/>
           </a:xfrm>
           <a:prstGeom prst="rect">
             <a:avLst/>
@@ -11575,14 +10259,13 @@
             <a:noAutofit/>
           </a:bodyPr>
           <a:p>
-            <a:pPr algn="ctr"/>
-            <a:r>
-              <a:rPr b="0" lang="de-DE" sz="4400" spc="-1" strike="noStrike">
+            <a:r>
+              <a:rPr b="0" lang="de-DE" sz="1800" spc="-1" strike="noStrike">
                 <a:latin typeface="Arial"/>
               </a:rPr>
               <a:t>Click to edit the title text format</a:t>
             </a:r>
-            <a:endParaRPr b="0" lang="de-DE" sz="4400" spc="-1" strike="noStrike">
+            <a:endParaRPr b="0" lang="de-DE" sz="1800" spc="-1" strike="noStrike">
               <a:latin typeface="Arial"/>
             </a:endParaRPr>
           </a:p>
@@ -11601,7 +10284,7 @@
         <p:spPr>
           <a:xfrm>
             <a:off x="457200" y="1203480"/>
-            <a:ext cx="8229240" cy="2982960"/>
+            <a:ext cx="4015440" cy="2982600"/>
           </a:xfrm>
           <a:prstGeom prst="rect">
             <a:avLst/>
@@ -11609,7 +10292,7 @@
         </p:spPr>
         <p:txBody>
           <a:bodyPr lIns="0" rIns="0" tIns="0" bIns="0">
-            <a:normAutofit/>
+            <a:normAutofit fontScale="97000"/>
           </a:bodyPr>
           <a:p>
             <a:pPr marL="432000" indent="-324000">
@@ -11624,12 +10307,12 @@
               <a:buChar char=""/>
             </a:pPr>
             <a:r>
-              <a:rPr b="0" lang="de-DE" sz="3200" spc="-1" strike="noStrike">
+              <a:rPr b="0" lang="de-DE" sz="1800" spc="-1" strike="noStrike">
                 <a:latin typeface="Arial"/>
               </a:rPr>
               <a:t>Click to edit the outline text format</a:t>
             </a:r>
-            <a:endParaRPr b="0" lang="de-DE" sz="3200" spc="-1" strike="noStrike">
+            <a:endParaRPr b="0" lang="de-DE" sz="1800" spc="-1" strike="noStrike">
               <a:latin typeface="Arial"/>
             </a:endParaRPr>
           </a:p>
@@ -11646,12 +10329,12 @@
               <a:buChar char=""/>
             </a:pPr>
             <a:r>
-              <a:rPr b="0" lang="de-DE" sz="2800" spc="-1" strike="noStrike">
+              <a:rPr b="0" lang="de-DE" sz="1800" spc="-1" strike="noStrike">
                 <a:latin typeface="Arial"/>
               </a:rPr>
               <a:t>Second Outline Level</a:t>
             </a:r>
-            <a:endParaRPr b="0" lang="de-DE" sz="2800" spc="-1" strike="noStrike">
+            <a:endParaRPr b="0" lang="de-DE" sz="1800" spc="-1" strike="noStrike">
               <a:latin typeface="Arial"/>
             </a:endParaRPr>
           </a:p>
@@ -11668,12 +10351,12 @@
               <a:buChar char=""/>
             </a:pPr>
             <a:r>
-              <a:rPr b="0" lang="de-DE" sz="2400" spc="-1" strike="noStrike">
+              <a:rPr b="0" lang="de-DE" sz="1800" spc="-1" strike="noStrike">
                 <a:latin typeface="Arial"/>
               </a:rPr>
               <a:t>Third Outline Level</a:t>
             </a:r>
-            <a:endParaRPr b="0" lang="de-DE" sz="2400" spc="-1" strike="noStrike">
+            <a:endParaRPr b="0" lang="de-DE" sz="1800" spc="-1" strike="noStrike">
               <a:latin typeface="Arial"/>
             </a:endParaRPr>
           </a:p>
@@ -11690,12 +10373,12 @@
               <a:buChar char=""/>
             </a:pPr>
             <a:r>
-              <a:rPr b="0" lang="de-DE" sz="2000" spc="-1" strike="noStrike">
+              <a:rPr b="0" lang="de-DE" sz="1800" spc="-1" strike="noStrike">
                 <a:latin typeface="Arial"/>
               </a:rPr>
               <a:t>Fourth Outline Level</a:t>
             </a:r>
-            <a:endParaRPr b="0" lang="de-DE" sz="2000" spc="-1" strike="noStrike">
+            <a:endParaRPr b="0" lang="de-DE" sz="1800" spc="-1" strike="noStrike">
               <a:latin typeface="Arial"/>
             </a:endParaRPr>
           </a:p>
@@ -11712,12 +10395,12 @@
               <a:buChar char=""/>
             </a:pPr>
             <a:r>
-              <a:rPr b="0" lang="de-DE" sz="2000" spc="-1" strike="noStrike">
+              <a:rPr b="0" lang="de-DE" sz="1800" spc="-1" strike="noStrike">
                 <a:latin typeface="Arial"/>
               </a:rPr>
               <a:t>Fifth Outline Level</a:t>
             </a:r>
-            <a:endParaRPr b="0" lang="de-DE" sz="2000" spc="-1" strike="noStrike">
+            <a:endParaRPr b="0" lang="de-DE" sz="1800" spc="-1" strike="noStrike">
               <a:latin typeface="Arial"/>
             </a:endParaRPr>
           </a:p>
@@ -11734,12 +10417,12 @@
               <a:buChar char=""/>
             </a:pPr>
             <a:r>
-              <a:rPr b="0" lang="de-DE" sz="2000" spc="-1" strike="noStrike">
+              <a:rPr b="0" lang="de-DE" sz="1800" spc="-1" strike="noStrike">
                 <a:latin typeface="Arial"/>
               </a:rPr>
               <a:t>Sixth Outline Level</a:t>
             </a:r>
-            <a:endParaRPr b="0" lang="de-DE" sz="2000" spc="-1" strike="noStrike">
+            <a:endParaRPr b="0" lang="de-DE" sz="1800" spc="-1" strike="noStrike">
               <a:latin typeface="Arial"/>
             </a:endParaRPr>
           </a:p>
@@ -11756,12 +10439,191 @@
               <a:buChar char=""/>
             </a:pPr>
             <a:r>
-              <a:rPr b="0" lang="de-DE" sz="2000" spc="-1" strike="noStrike">
+              <a:rPr b="0" lang="de-DE" sz="1800" spc="-1" strike="noStrike">
                 <a:latin typeface="Arial"/>
               </a:rPr>
               <a:t>Seventh Outline Level</a:t>
             </a:r>
-            <a:endParaRPr b="0" lang="de-DE" sz="2000" spc="-1" strike="noStrike">
+            <a:endParaRPr b="0" lang="de-DE" sz="1800" spc="-1" strike="noStrike">
+              <a:latin typeface="Arial"/>
+            </a:endParaRPr>
+          </a:p>
+        </p:txBody>
+      </p:sp>
+      <p:sp>
+        <p:nvSpPr>
+          <p:cNvPr id="168" name="PlaceHolder 5"/>
+          <p:cNvSpPr>
+            <a:spLocks noGrp="1"/>
+          </p:cNvSpPr>
+          <p:nvPr>
+            <p:ph type="body"/>
+          </p:nvPr>
+        </p:nvSpPr>
+        <p:spPr>
+          <a:xfrm>
+            <a:off x="4674240" y="1203480"/>
+            <a:ext cx="4015440" cy="2982600"/>
+          </a:xfrm>
+          <a:prstGeom prst="rect">
+            <a:avLst/>
+          </a:prstGeom>
+        </p:spPr>
+        <p:txBody>
+          <a:bodyPr lIns="0" rIns="0" tIns="0" bIns="0">
+            <a:normAutofit fontScale="97000"/>
+          </a:bodyPr>
+          <a:p>
+            <a:pPr marL="432000" indent="-324000">
+              <a:spcBef>
+                <a:spcPts val="1417"/>
+              </a:spcBef>
+              <a:buClr>
+                <a:srgbClr val="000000"/>
+              </a:buClr>
+              <a:buSzPct val="45000"/>
+              <a:buFont typeface="Wingdings" charset="2"/>
+              <a:buChar char=""/>
+            </a:pPr>
+            <a:r>
+              <a:rPr b="0" lang="de-DE" sz="1800" spc="-1" strike="noStrike">
+                <a:latin typeface="Arial"/>
+              </a:rPr>
+              <a:t>Click to edit the outline text format</a:t>
+            </a:r>
+            <a:endParaRPr b="0" lang="de-DE" sz="1800" spc="-1" strike="noStrike">
+              <a:latin typeface="Arial"/>
+            </a:endParaRPr>
+          </a:p>
+          <a:p>
+            <a:pPr lvl="1" marL="864000" indent="-324000">
+              <a:spcBef>
+                <a:spcPts val="1134"/>
+              </a:spcBef>
+              <a:buClr>
+                <a:srgbClr val="000000"/>
+              </a:buClr>
+              <a:buSzPct val="75000"/>
+              <a:buFont typeface="Symbol" charset="2"/>
+              <a:buChar char=""/>
+            </a:pPr>
+            <a:r>
+              <a:rPr b="0" lang="de-DE" sz="1800" spc="-1" strike="noStrike">
+                <a:latin typeface="Arial"/>
+              </a:rPr>
+              <a:t>Second Outline Level</a:t>
+            </a:r>
+            <a:endParaRPr b="0" lang="de-DE" sz="1800" spc="-1" strike="noStrike">
+              <a:latin typeface="Arial"/>
+            </a:endParaRPr>
+          </a:p>
+          <a:p>
+            <a:pPr lvl="2" marL="1296000" indent="-288000">
+              <a:spcBef>
+                <a:spcPts val="850"/>
+              </a:spcBef>
+              <a:buClr>
+                <a:srgbClr val="000000"/>
+              </a:buClr>
+              <a:buSzPct val="45000"/>
+              <a:buFont typeface="Wingdings" charset="2"/>
+              <a:buChar char=""/>
+            </a:pPr>
+            <a:r>
+              <a:rPr b="0" lang="de-DE" sz="1800" spc="-1" strike="noStrike">
+                <a:latin typeface="Arial"/>
+              </a:rPr>
+              <a:t>Third Outline Level</a:t>
+            </a:r>
+            <a:endParaRPr b="0" lang="de-DE" sz="1800" spc="-1" strike="noStrike">
+              <a:latin typeface="Arial"/>
+            </a:endParaRPr>
+          </a:p>
+          <a:p>
+            <a:pPr lvl="3" marL="1728000" indent="-216000">
+              <a:spcBef>
+                <a:spcPts val="567"/>
+              </a:spcBef>
+              <a:buClr>
+                <a:srgbClr val="000000"/>
+              </a:buClr>
+              <a:buSzPct val="75000"/>
+              <a:buFont typeface="Symbol" charset="2"/>
+              <a:buChar char=""/>
+            </a:pPr>
+            <a:r>
+              <a:rPr b="0" lang="de-DE" sz="1800" spc="-1" strike="noStrike">
+                <a:latin typeface="Arial"/>
+              </a:rPr>
+              <a:t>Fourth Outline Level</a:t>
+            </a:r>
+            <a:endParaRPr b="0" lang="de-DE" sz="1800" spc="-1" strike="noStrike">
+              <a:latin typeface="Arial"/>
+            </a:endParaRPr>
+          </a:p>
+          <a:p>
+            <a:pPr lvl="4" marL="2160000" indent="-216000">
+              <a:spcBef>
+                <a:spcPts val="283"/>
+              </a:spcBef>
+              <a:buClr>
+                <a:srgbClr val="000000"/>
+              </a:buClr>
+              <a:buSzPct val="45000"/>
+              <a:buFont typeface="Wingdings" charset="2"/>
+              <a:buChar char=""/>
+            </a:pPr>
+            <a:r>
+              <a:rPr b="0" lang="de-DE" sz="1800" spc="-1" strike="noStrike">
+                <a:latin typeface="Arial"/>
+              </a:rPr>
+              <a:t>Fifth Outline Level</a:t>
+            </a:r>
+            <a:endParaRPr b="0" lang="de-DE" sz="1800" spc="-1" strike="noStrike">
+              <a:latin typeface="Arial"/>
+            </a:endParaRPr>
+          </a:p>
+          <a:p>
+            <a:pPr lvl="5" marL="2592000" indent="-216000">
+              <a:spcBef>
+                <a:spcPts val="283"/>
+              </a:spcBef>
+              <a:buClr>
+                <a:srgbClr val="000000"/>
+              </a:buClr>
+              <a:buSzPct val="45000"/>
+              <a:buFont typeface="Wingdings" charset="2"/>
+              <a:buChar char=""/>
+            </a:pPr>
+            <a:r>
+              <a:rPr b="0" lang="de-DE" sz="1800" spc="-1" strike="noStrike">
+                <a:latin typeface="Arial"/>
+              </a:rPr>
+              <a:t>Sixth Outline Level</a:t>
+            </a:r>
+            <a:endParaRPr b="0" lang="de-DE" sz="1800" spc="-1" strike="noStrike">
+              <a:latin typeface="Arial"/>
+            </a:endParaRPr>
+          </a:p>
+          <a:p>
+            <a:pPr lvl="6" marL="3024000" indent="-216000">
+              <a:spcBef>
+                <a:spcPts val="283"/>
+              </a:spcBef>
+              <a:buClr>
+                <a:srgbClr val="000000"/>
+              </a:buClr>
+              <a:buSzPct val="45000"/>
+              <a:buFont typeface="Wingdings" charset="2"/>
+              <a:buChar char=""/>
+            </a:pPr>
+            <a:r>
+              <a:rPr b="0" lang="de-DE" sz="1800" spc="-1" strike="noStrike">
+                <a:latin typeface="Arial"/>
+              </a:rPr>
+              <a:t>Seventh Outline Level</a:t>
+            </a:r>
+            <a:endParaRPr b="0" lang="de-DE" sz="1800" spc="-1" strike="noStrike">
               <a:latin typeface="Arial"/>
             </a:endParaRPr>
           </a:p>
@@ -11813,14 +10675,14 @@
       </p:grpSpPr>
       <p:sp>
         <p:nvSpPr>
-          <p:cNvPr id="204" name="CustomShape 1"/>
+          <p:cNvPr id="205" name="CustomShape 1"/>
           <p:cNvSpPr/>
           <p:nvPr/>
         </p:nvSpPr>
         <p:spPr>
           <a:xfrm>
             <a:off x="0" y="4824360"/>
-            <a:ext cx="9138960" cy="313920"/>
+            <a:ext cx="9138600" cy="313560"/>
           </a:xfrm>
           <a:prstGeom prst="rect">
             <a:avLst/>
@@ -11874,14 +10736,14 @@
       </p:sp>
       <p:sp>
         <p:nvSpPr>
-          <p:cNvPr id="205" name="CustomShape 2"/>
+          <p:cNvPr id="206" name="CustomShape 2"/>
           <p:cNvSpPr/>
           <p:nvPr/>
         </p:nvSpPr>
         <p:spPr>
           <a:xfrm>
             <a:off x="8714160" y="4897080"/>
-            <a:ext cx="186840" cy="186840"/>
+            <a:ext cx="186480" cy="186480"/>
           </a:xfrm>
           <a:prstGeom prst="ellipse">
             <a:avLst/>
@@ -11917,7 +10779,7 @@
                 <a:spcPct val="100000"/>
               </a:lnSpc>
             </a:pPr>
-            <a:fld id="{12548090-9A76-4481-B5B1-0938FD050E13}" type="slidenum">
+            <a:fld id="{BB2D5736-EF92-4BA5-A24D-46C56B2E6909}" type="slidenum">
               <a:rPr b="0" lang="de-DE" sz="680" spc="-1" strike="noStrike">
                 <a:solidFill>
                   <a:srgbClr val="02d35f"/>
@@ -11935,7 +10797,7 @@
       </p:sp>
       <p:sp>
         <p:nvSpPr>
-          <p:cNvPr id="206" name="PlaceHolder 3"/>
+          <p:cNvPr id="207" name="PlaceHolder 3"/>
           <p:cNvSpPr>
             <a:spLocks noGrp="1"/>
           </p:cNvSpPr>
@@ -11972,7 +10834,7 @@
       </p:sp>
       <p:sp>
         <p:nvSpPr>
-          <p:cNvPr id="207" name="PlaceHolder 4"/>
+          <p:cNvPr id="208" name="PlaceHolder 4"/>
           <p:cNvSpPr>
             <a:spLocks noGrp="1"/>
           </p:cNvSpPr>
@@ -12165,566 +11027,6 @@
     <p:sldLayoutId id="2147483723" r:id="rId11"/>
     <p:sldLayoutId id="2147483724" r:id="rId12"/>
     <p:sldLayoutId id="2147483725" r:id="rId13"/>
-  </p:sldLayoutIdLst>
-</p:sldMaster>
-</file>
-
-<file path=ppt/slideMasters/slideMaster7.xml><?xml version="1.0" encoding="utf-8"?>
-<p:sldMaster xmlns:a="http://schemas.openxmlformats.org/drawingml/2006/main" xmlns:p="http://schemas.openxmlformats.org/presentationml/2006/main" xmlns:r="http://schemas.openxmlformats.org/officeDocument/2006/relationships" xmlns:p14="http://schemas.microsoft.com/office/powerpoint/2010/main" xmlns:p15="http://schemas.microsoft.com/office/powerpoint/2012/main" xmlns:mc="http://schemas.openxmlformats.org/markup-compatibility/2006">
-  <p:cSld>
-    <p:bg>
-      <p:bgPr>
-        <a:solidFill>
-          <a:srgbClr val="ffffff"/>
-        </a:solidFill>
-      </p:bgPr>
-    </p:bg>
-    <p:spTree>
-      <p:nvGrpSpPr>
-        <p:cNvPr id="1" name=""/>
-        <p:cNvGrpSpPr/>
-        <p:nvPr/>
-      </p:nvGrpSpPr>
-      <p:grpSpPr>
-        <a:xfrm>
-          <a:off x="0" y="0"/>
-          <a:ext cx="0" cy="0"/>
-          <a:chOff x="0" y="0"/>
-          <a:chExt cx="0" cy="0"/>
-        </a:xfrm>
-      </p:grpSpPr>
-      <p:sp>
-        <p:nvSpPr>
-          <p:cNvPr id="244" name="CustomShape 1"/>
-          <p:cNvSpPr/>
-          <p:nvPr/>
-        </p:nvSpPr>
-        <p:spPr>
-          <a:xfrm>
-            <a:off x="0" y="4824360"/>
-            <a:ext cx="9137160" cy="312120"/>
-          </a:xfrm>
-          <a:prstGeom prst="rect">
-            <a:avLst/>
-          </a:prstGeom>
-          <a:solidFill>
-            <a:schemeClr val="tx2"/>
-          </a:solidFill>
-          <a:ln>
-            <a:noFill/>
-          </a:ln>
-        </p:spPr>
-        <p:style>
-          <a:lnRef idx="2">
-            <a:schemeClr val="accent1">
-              <a:shade val="50000"/>
-            </a:schemeClr>
-          </a:lnRef>
-          <a:fillRef idx="1">
-            <a:schemeClr val="accent1"/>
-          </a:fillRef>
-          <a:effectRef idx="0">
-            <a:schemeClr val="accent1"/>
-          </a:effectRef>
-          <a:fontRef idx="minor"/>
-        </p:style>
-        <p:txBody>
-          <a:bodyPr lIns="90000" rIns="90000" tIns="45000" bIns="45000">
-            <a:noAutofit/>
-          </a:bodyPr>
-          <a:p>
-            <a:pPr>
-              <a:lnSpc>
-                <a:spcPct val="100000"/>
-              </a:lnSpc>
-            </a:pPr>
-            <a:r>
-              <a:rPr b="1" lang="de-DE" sz="1300" spc="-1" strike="noStrike">
-                <a:solidFill>
-                  <a:srgbClr val="003259"/>
-                </a:solidFill>
-                <a:latin typeface="Arial"/>
-                <a:ea typeface="DejaVu Sans"/>
-              </a:rPr>
-              <a:t>Die Kommanditgesellschaft</a:t>
-            </a:r>
-            <a:endParaRPr b="0" lang="de-DE" sz="1300" spc="-1" strike="noStrike">
-              <a:latin typeface="Arial"/>
-            </a:endParaRPr>
-          </a:p>
-        </p:txBody>
-      </p:sp>
-      <p:sp>
-        <p:nvSpPr>
-          <p:cNvPr id="245" name="CustomShape 2"/>
-          <p:cNvSpPr/>
-          <p:nvPr/>
-        </p:nvSpPr>
-        <p:spPr>
-          <a:xfrm>
-            <a:off x="8714160" y="4897080"/>
-            <a:ext cx="185040" cy="185040"/>
-          </a:xfrm>
-          <a:prstGeom prst="ellipse">
-            <a:avLst/>
-          </a:prstGeom>
-          <a:solidFill>
-            <a:schemeClr val="bg1"/>
-          </a:solidFill>
-          <a:ln>
-            <a:noFill/>
-          </a:ln>
-        </p:spPr>
-        <p:style>
-          <a:lnRef idx="2">
-            <a:schemeClr val="accent1">
-              <a:shade val="50000"/>
-            </a:schemeClr>
-          </a:lnRef>
-          <a:fillRef idx="1">
-            <a:schemeClr val="accent1"/>
-          </a:fillRef>
-          <a:effectRef idx="0">
-            <a:schemeClr val="accent1"/>
-          </a:effectRef>
-          <a:fontRef idx="minor"/>
-        </p:style>
-        <p:txBody>
-          <a:bodyPr wrap="none" lIns="0" rIns="0" tIns="0" bIns="0" anchor="ctr">
-            <a:noAutofit/>
-          </a:bodyPr>
-          <a:p>
-            <a:pPr algn="ctr">
-              <a:lnSpc>
-                <a:spcPct val="100000"/>
-              </a:lnSpc>
-            </a:pPr>
-            <a:fld id="{4E925532-53B8-4738-889C-C868D9D61BC8}" type="slidenum">
-              <a:rPr b="0" lang="de-DE" sz="680" spc="-1" strike="noStrike">
-                <a:solidFill>
-                  <a:srgbClr val="02d35f"/>
-                </a:solidFill>
-                <a:latin typeface="Arial"/>
-                <a:ea typeface="DejaVu Sans"/>
-              </a:rPr>
-              <a:t>1</a:t>
-            </a:fld>
-            <a:endParaRPr b="0" lang="de-DE" sz="680" spc="-1" strike="noStrike">
-              <a:latin typeface="Arial"/>
-            </a:endParaRPr>
-          </a:p>
-        </p:txBody>
-      </p:sp>
-      <p:sp>
-        <p:nvSpPr>
-          <p:cNvPr id="246" name="PlaceHolder 3"/>
-          <p:cNvSpPr>
-            <a:spLocks noGrp="1"/>
-          </p:cNvSpPr>
-          <p:nvPr>
-            <p:ph type="title"/>
-          </p:nvPr>
-        </p:nvSpPr>
-        <p:spPr>
-          <a:xfrm>
-            <a:off x="457200" y="205200"/>
-            <a:ext cx="8228880" cy="858240"/>
-          </a:xfrm>
-          <a:prstGeom prst="rect">
-            <a:avLst/>
-          </a:prstGeom>
-        </p:spPr>
-        <p:txBody>
-          <a:bodyPr lIns="0" rIns="0" tIns="0" bIns="0" anchor="ctr">
-            <a:noAutofit/>
-          </a:bodyPr>
-          <a:p>
-            <a:r>
-              <a:rPr b="0" lang="de-DE" sz="1800" spc="-1" strike="noStrike">
-                <a:latin typeface="Arial"/>
-              </a:rPr>
-              <a:t>Click to edit the title text format</a:t>
-            </a:r>
-            <a:endParaRPr b="0" lang="de-DE" sz="1800" spc="-1" strike="noStrike">
-              <a:latin typeface="Arial"/>
-            </a:endParaRPr>
-          </a:p>
-        </p:txBody>
-      </p:sp>
-      <p:sp>
-        <p:nvSpPr>
-          <p:cNvPr id="247" name="PlaceHolder 4"/>
-          <p:cNvSpPr>
-            <a:spLocks noGrp="1"/>
-          </p:cNvSpPr>
-          <p:nvPr>
-            <p:ph type="body"/>
-          </p:nvPr>
-        </p:nvSpPr>
-        <p:spPr>
-          <a:xfrm>
-            <a:off x="457200" y="1203480"/>
-            <a:ext cx="4015440" cy="2982600"/>
-          </a:xfrm>
-          <a:prstGeom prst="rect">
-            <a:avLst/>
-          </a:prstGeom>
-        </p:spPr>
-        <p:txBody>
-          <a:bodyPr lIns="0" rIns="0" tIns="0" bIns="0">
-            <a:normAutofit fontScale="97000"/>
-          </a:bodyPr>
-          <a:p>
-            <a:pPr marL="432000" indent="-324000">
-              <a:spcBef>
-                <a:spcPts val="1417"/>
-              </a:spcBef>
-              <a:buClr>
-                <a:srgbClr val="000000"/>
-              </a:buClr>
-              <a:buSzPct val="45000"/>
-              <a:buFont typeface="Wingdings" charset="2"/>
-              <a:buChar char=""/>
-            </a:pPr>
-            <a:r>
-              <a:rPr b="0" lang="de-DE" sz="1800" spc="-1" strike="noStrike">
-                <a:latin typeface="Arial"/>
-              </a:rPr>
-              <a:t>Click to edit the outline text format</a:t>
-            </a:r>
-            <a:endParaRPr b="0" lang="de-DE" sz="1800" spc="-1" strike="noStrike">
-              <a:latin typeface="Arial"/>
-            </a:endParaRPr>
-          </a:p>
-          <a:p>
-            <a:pPr lvl="1" marL="864000" indent="-324000">
-              <a:spcBef>
-                <a:spcPts val="1134"/>
-              </a:spcBef>
-              <a:buClr>
-                <a:srgbClr val="000000"/>
-              </a:buClr>
-              <a:buSzPct val="75000"/>
-              <a:buFont typeface="Symbol" charset="2"/>
-              <a:buChar char=""/>
-            </a:pPr>
-            <a:r>
-              <a:rPr b="0" lang="de-DE" sz="1800" spc="-1" strike="noStrike">
-                <a:latin typeface="Arial"/>
-              </a:rPr>
-              <a:t>Second Outline Level</a:t>
-            </a:r>
-            <a:endParaRPr b="0" lang="de-DE" sz="1800" spc="-1" strike="noStrike">
-              <a:latin typeface="Arial"/>
-            </a:endParaRPr>
-          </a:p>
-          <a:p>
-            <a:pPr lvl="2" marL="1296000" indent="-288000">
-              <a:spcBef>
-                <a:spcPts val="850"/>
-              </a:spcBef>
-              <a:buClr>
-                <a:srgbClr val="000000"/>
-              </a:buClr>
-              <a:buSzPct val="45000"/>
-              <a:buFont typeface="Wingdings" charset="2"/>
-              <a:buChar char=""/>
-            </a:pPr>
-            <a:r>
-              <a:rPr b="0" lang="de-DE" sz="1800" spc="-1" strike="noStrike">
-                <a:latin typeface="Arial"/>
-              </a:rPr>
-              <a:t>Third Outline Level</a:t>
-            </a:r>
-            <a:endParaRPr b="0" lang="de-DE" sz="1800" spc="-1" strike="noStrike">
-              <a:latin typeface="Arial"/>
-            </a:endParaRPr>
-          </a:p>
-          <a:p>
-            <a:pPr lvl="3" marL="1728000" indent="-216000">
-              <a:spcBef>
-                <a:spcPts val="567"/>
-              </a:spcBef>
-              <a:buClr>
-                <a:srgbClr val="000000"/>
-              </a:buClr>
-              <a:buSzPct val="75000"/>
-              <a:buFont typeface="Symbol" charset="2"/>
-              <a:buChar char=""/>
-            </a:pPr>
-            <a:r>
-              <a:rPr b="0" lang="de-DE" sz="1800" spc="-1" strike="noStrike">
-                <a:latin typeface="Arial"/>
-              </a:rPr>
-              <a:t>Fourth Outline Level</a:t>
-            </a:r>
-            <a:endParaRPr b="0" lang="de-DE" sz="1800" spc="-1" strike="noStrike">
-              <a:latin typeface="Arial"/>
-            </a:endParaRPr>
-          </a:p>
-          <a:p>
-            <a:pPr lvl="4" marL="2160000" indent="-216000">
-              <a:spcBef>
-                <a:spcPts val="283"/>
-              </a:spcBef>
-              <a:buClr>
-                <a:srgbClr val="000000"/>
-              </a:buClr>
-              <a:buSzPct val="45000"/>
-              <a:buFont typeface="Wingdings" charset="2"/>
-              <a:buChar char=""/>
-            </a:pPr>
-            <a:r>
-              <a:rPr b="0" lang="de-DE" sz="1800" spc="-1" strike="noStrike">
-                <a:latin typeface="Arial"/>
-              </a:rPr>
-              <a:t>Fifth Outline Level</a:t>
-            </a:r>
-            <a:endParaRPr b="0" lang="de-DE" sz="1800" spc="-1" strike="noStrike">
-              <a:latin typeface="Arial"/>
-            </a:endParaRPr>
-          </a:p>
-          <a:p>
-            <a:pPr lvl="5" marL="2592000" indent="-216000">
-              <a:spcBef>
-                <a:spcPts val="283"/>
-              </a:spcBef>
-              <a:buClr>
-                <a:srgbClr val="000000"/>
-              </a:buClr>
-              <a:buSzPct val="45000"/>
-              <a:buFont typeface="Wingdings" charset="2"/>
-              <a:buChar char=""/>
-            </a:pPr>
-            <a:r>
-              <a:rPr b="0" lang="de-DE" sz="1800" spc="-1" strike="noStrike">
-                <a:latin typeface="Arial"/>
-              </a:rPr>
-              <a:t>Sixth Outline Level</a:t>
-            </a:r>
-            <a:endParaRPr b="0" lang="de-DE" sz="1800" spc="-1" strike="noStrike">
-              <a:latin typeface="Arial"/>
-            </a:endParaRPr>
-          </a:p>
-          <a:p>
-            <a:pPr lvl="6" marL="3024000" indent="-216000">
-              <a:spcBef>
-                <a:spcPts val="283"/>
-              </a:spcBef>
-              <a:buClr>
-                <a:srgbClr val="000000"/>
-              </a:buClr>
-              <a:buSzPct val="45000"/>
-              <a:buFont typeface="Wingdings" charset="2"/>
-              <a:buChar char=""/>
-            </a:pPr>
-            <a:r>
-              <a:rPr b="0" lang="de-DE" sz="1800" spc="-1" strike="noStrike">
-                <a:latin typeface="Arial"/>
-              </a:rPr>
-              <a:t>Seventh Outline Level</a:t>
-            </a:r>
-            <a:endParaRPr b="0" lang="de-DE" sz="1800" spc="-1" strike="noStrike">
-              <a:latin typeface="Arial"/>
-            </a:endParaRPr>
-          </a:p>
-        </p:txBody>
-      </p:sp>
-      <p:sp>
-        <p:nvSpPr>
-          <p:cNvPr id="248" name="PlaceHolder 5"/>
-          <p:cNvSpPr>
-            <a:spLocks noGrp="1"/>
-          </p:cNvSpPr>
-          <p:nvPr>
-            <p:ph type="body"/>
-          </p:nvPr>
-        </p:nvSpPr>
-        <p:spPr>
-          <a:xfrm>
-            <a:off x="4674240" y="1203480"/>
-            <a:ext cx="4015440" cy="2982600"/>
-          </a:xfrm>
-          <a:prstGeom prst="rect">
-            <a:avLst/>
-          </a:prstGeom>
-        </p:spPr>
-        <p:txBody>
-          <a:bodyPr lIns="0" rIns="0" tIns="0" bIns="0">
-            <a:normAutofit fontScale="97000"/>
-          </a:bodyPr>
-          <a:p>
-            <a:pPr marL="432000" indent="-324000">
-              <a:spcBef>
-                <a:spcPts val="1417"/>
-              </a:spcBef>
-              <a:buClr>
-                <a:srgbClr val="000000"/>
-              </a:buClr>
-              <a:buSzPct val="45000"/>
-              <a:buFont typeface="Wingdings" charset="2"/>
-              <a:buChar char=""/>
-            </a:pPr>
-            <a:r>
-              <a:rPr b="0" lang="de-DE" sz="1800" spc="-1" strike="noStrike">
-                <a:latin typeface="Arial"/>
-              </a:rPr>
-              <a:t>Click to edit the outline text format</a:t>
-            </a:r>
-            <a:endParaRPr b="0" lang="de-DE" sz="1800" spc="-1" strike="noStrike">
-              <a:latin typeface="Arial"/>
-            </a:endParaRPr>
-          </a:p>
-          <a:p>
-            <a:pPr lvl="1" marL="864000" indent="-324000">
-              <a:spcBef>
-                <a:spcPts val="1134"/>
-              </a:spcBef>
-              <a:buClr>
-                <a:srgbClr val="000000"/>
-              </a:buClr>
-              <a:buSzPct val="75000"/>
-              <a:buFont typeface="Symbol" charset="2"/>
-              <a:buChar char=""/>
-            </a:pPr>
-            <a:r>
-              <a:rPr b="0" lang="de-DE" sz="1800" spc="-1" strike="noStrike">
-                <a:latin typeface="Arial"/>
-              </a:rPr>
-              <a:t>Second Outline Level</a:t>
-            </a:r>
-            <a:endParaRPr b="0" lang="de-DE" sz="1800" spc="-1" strike="noStrike">
-              <a:latin typeface="Arial"/>
-            </a:endParaRPr>
-          </a:p>
-          <a:p>
-            <a:pPr lvl="2" marL="1296000" indent="-288000">
-              <a:spcBef>
-                <a:spcPts val="850"/>
-              </a:spcBef>
-              <a:buClr>
-                <a:srgbClr val="000000"/>
-              </a:buClr>
-              <a:buSzPct val="45000"/>
-              <a:buFont typeface="Wingdings" charset="2"/>
-              <a:buChar char=""/>
-            </a:pPr>
-            <a:r>
-              <a:rPr b="0" lang="de-DE" sz="1800" spc="-1" strike="noStrike">
-                <a:latin typeface="Arial"/>
-              </a:rPr>
-              <a:t>Third Outline Level</a:t>
-            </a:r>
-            <a:endParaRPr b="0" lang="de-DE" sz="1800" spc="-1" strike="noStrike">
-              <a:latin typeface="Arial"/>
-            </a:endParaRPr>
-          </a:p>
-          <a:p>
-            <a:pPr lvl="3" marL="1728000" indent="-216000">
-              <a:spcBef>
-                <a:spcPts val="567"/>
-              </a:spcBef>
-              <a:buClr>
-                <a:srgbClr val="000000"/>
-              </a:buClr>
-              <a:buSzPct val="75000"/>
-              <a:buFont typeface="Symbol" charset="2"/>
-              <a:buChar char=""/>
-            </a:pPr>
-            <a:r>
-              <a:rPr b="0" lang="de-DE" sz="1800" spc="-1" strike="noStrike">
-                <a:latin typeface="Arial"/>
-              </a:rPr>
-              <a:t>Fourth Outline Level</a:t>
-            </a:r>
-            <a:endParaRPr b="0" lang="de-DE" sz="1800" spc="-1" strike="noStrike">
-              <a:latin typeface="Arial"/>
-            </a:endParaRPr>
-          </a:p>
-          <a:p>
-            <a:pPr lvl="4" marL="2160000" indent="-216000">
-              <a:spcBef>
-                <a:spcPts val="283"/>
-              </a:spcBef>
-              <a:buClr>
-                <a:srgbClr val="000000"/>
-              </a:buClr>
-              <a:buSzPct val="45000"/>
-              <a:buFont typeface="Wingdings" charset="2"/>
-              <a:buChar char=""/>
-            </a:pPr>
-            <a:r>
-              <a:rPr b="0" lang="de-DE" sz="1800" spc="-1" strike="noStrike">
-                <a:latin typeface="Arial"/>
-              </a:rPr>
-              <a:t>Fifth Outline Level</a:t>
-            </a:r>
-            <a:endParaRPr b="0" lang="de-DE" sz="1800" spc="-1" strike="noStrike">
-              <a:latin typeface="Arial"/>
-            </a:endParaRPr>
-          </a:p>
-          <a:p>
-            <a:pPr lvl="5" marL="2592000" indent="-216000">
-              <a:spcBef>
-                <a:spcPts val="283"/>
-              </a:spcBef>
-              <a:buClr>
-                <a:srgbClr val="000000"/>
-              </a:buClr>
-              <a:buSzPct val="45000"/>
-              <a:buFont typeface="Wingdings" charset="2"/>
-              <a:buChar char=""/>
-            </a:pPr>
-            <a:r>
-              <a:rPr b="0" lang="de-DE" sz="1800" spc="-1" strike="noStrike">
-                <a:latin typeface="Arial"/>
-              </a:rPr>
-              <a:t>Sixth Outline Level</a:t>
-            </a:r>
-            <a:endParaRPr b="0" lang="de-DE" sz="1800" spc="-1" strike="noStrike">
-              <a:latin typeface="Arial"/>
-            </a:endParaRPr>
-          </a:p>
-          <a:p>
-            <a:pPr lvl="6" marL="3024000" indent="-216000">
-              <a:spcBef>
-                <a:spcPts val="283"/>
-              </a:spcBef>
-              <a:buClr>
-                <a:srgbClr val="000000"/>
-              </a:buClr>
-              <a:buSzPct val="45000"/>
-              <a:buFont typeface="Wingdings" charset="2"/>
-              <a:buChar char=""/>
-            </a:pPr>
-            <a:r>
-              <a:rPr b="0" lang="de-DE" sz="1800" spc="-1" strike="noStrike">
-                <a:latin typeface="Arial"/>
-              </a:rPr>
-              <a:t>Seventh Outline Level</a:t>
-            </a:r>
-            <a:endParaRPr b="0" lang="de-DE" sz="1800" spc="-1" strike="noStrike">
-              <a:latin typeface="Arial"/>
-            </a:endParaRPr>
-          </a:p>
-        </p:txBody>
-      </p:sp>
-    </p:spTree>
-  </p:cSld>
-  <p:clrMap bg1="lt1" bg2="lt2" tx1="dk1" tx2="dk2" accent1="accent1" accent2="accent2" accent3="accent3" accent4="accent4" accent5="accent5" accent6="accent6" hlink="hlink" folHlink="folHlink"/>
-  <p:sldLayoutIdLst>
-    <p:sldLayoutId id="2147483727" r:id="rId2"/>
-    <p:sldLayoutId id="2147483728" r:id="rId3"/>
-    <p:sldLayoutId id="2147483729" r:id="rId4"/>
-    <p:sldLayoutId id="2147483730" r:id="rId5"/>
-    <p:sldLayoutId id="2147483731" r:id="rId6"/>
-    <p:sldLayoutId id="2147483732" r:id="rId7"/>
-    <p:sldLayoutId id="2147483733" r:id="rId8"/>
-    <p:sldLayoutId id="2147483734" r:id="rId9"/>
-    <p:sldLayoutId id="2147483735" r:id="rId10"/>
-    <p:sldLayoutId id="2147483736" r:id="rId11"/>
-    <p:sldLayoutId id="2147483737" r:id="rId12"/>
-    <p:sldLayoutId id="2147483738" r:id="rId13"/>
   </p:sldLayoutIdLst>
 </p:sldMaster>
 </file>
@@ -12748,14 +11050,14 @@
       </p:grpSpPr>
       <p:sp>
         <p:nvSpPr>
-          <p:cNvPr id="285" name="CustomShape 1"/>
+          <p:cNvPr id="245" name="CustomShape 1"/>
           <p:cNvSpPr/>
           <p:nvPr/>
         </p:nvSpPr>
         <p:spPr>
           <a:xfrm>
             <a:off x="867960" y="1080360"/>
-            <a:ext cx="7397640" cy="1783800"/>
+            <a:ext cx="7397280" cy="1783440"/>
           </a:xfrm>
           <a:prstGeom prst="rect">
             <a:avLst/>
@@ -12799,14 +11101,14 @@
       </p:sp>
       <p:sp>
         <p:nvSpPr>
-          <p:cNvPr id="286" name="CustomShape 2"/>
+          <p:cNvPr id="246" name="CustomShape 2"/>
           <p:cNvSpPr/>
           <p:nvPr/>
         </p:nvSpPr>
         <p:spPr>
           <a:xfrm>
             <a:off x="867960" y="2926800"/>
-            <a:ext cx="7397640" cy="783720"/>
+            <a:ext cx="7397280" cy="783360"/>
           </a:xfrm>
           <a:prstGeom prst="rect">
             <a:avLst/>
@@ -12880,14 +11182,14 @@
       </p:sp>
       <p:sp>
         <p:nvSpPr>
-          <p:cNvPr id="287" name="CustomShape 3"/>
+          <p:cNvPr id="247" name="CustomShape 3"/>
           <p:cNvSpPr/>
           <p:nvPr/>
         </p:nvSpPr>
         <p:spPr>
           <a:xfrm>
             <a:off x="867960" y="4218840"/>
-            <a:ext cx="3247200" cy="675000"/>
+            <a:ext cx="3246840" cy="674640"/>
           </a:xfrm>
           <a:prstGeom prst="rect">
             <a:avLst/>
@@ -12957,14 +11259,14 @@
       </p:sp>
       <p:sp>
         <p:nvSpPr>
-          <p:cNvPr id="288" name="CustomShape 4"/>
+          <p:cNvPr id="248" name="CustomShape 4"/>
           <p:cNvSpPr/>
           <p:nvPr/>
         </p:nvSpPr>
         <p:spPr>
           <a:xfrm>
             <a:off x="7223760" y="274320"/>
-            <a:ext cx="1275480" cy="818280"/>
+            <a:ext cx="1275120" cy="817920"/>
           </a:xfrm>
           <a:prstGeom prst="rect">
             <a:avLst/>
@@ -13017,14 +11319,14 @@
       </p:grpSpPr>
       <p:sp>
         <p:nvSpPr>
-          <p:cNvPr id="321" name="CustomShape 1"/>
+          <p:cNvPr id="281" name="CustomShape 1"/>
           <p:cNvSpPr/>
           <p:nvPr/>
         </p:nvSpPr>
         <p:spPr>
           <a:xfrm>
             <a:off x="457200" y="205200"/>
-            <a:ext cx="8227800" cy="857160"/>
+            <a:ext cx="8227440" cy="856800"/>
           </a:xfrm>
           <a:prstGeom prst="rect">
             <a:avLst/>
@@ -13058,7 +11360,7 @@
                 <a:latin typeface="Arial"/>
                 <a:ea typeface="DejaVu Sans"/>
               </a:rPr>
-              <a:t>Mai 1681</a:t>
+              <a:t>Mai 1861</a:t>
             </a:r>
             <a:r>
               <a:rPr b="0" lang="de-DE" sz="2800" spc="-1" strike="noStrike">
@@ -13078,7 +11380,7 @@
       </p:sp>
       <p:pic>
         <p:nvPicPr>
-          <p:cNvPr id="322" name="" descr=""/>
+          <p:cNvPr id="282" name="" descr=""/>
           <p:cNvPicPr/>
           <p:nvPr/>
         </p:nvPicPr>
@@ -13089,7 +11391,7 @@
         <p:spPr>
           <a:xfrm>
             <a:off x="5976000" y="1224000"/>
-            <a:ext cx="3006360" cy="2915640"/>
+            <a:ext cx="3006000" cy="2915280"/>
           </a:xfrm>
           <a:prstGeom prst="rect">
             <a:avLst/>
@@ -13101,14 +11403,14 @@
       </p:pic>
       <p:sp>
         <p:nvSpPr>
-          <p:cNvPr id="323" name="CustomShape 2"/>
+          <p:cNvPr id="283" name="CustomShape 2"/>
           <p:cNvSpPr/>
           <p:nvPr/>
         </p:nvSpPr>
         <p:spPr>
           <a:xfrm>
             <a:off x="432000" y="1224000"/>
-            <a:ext cx="5326560" cy="2981520"/>
+            <a:ext cx="5326200" cy="2981160"/>
           </a:xfrm>
           <a:prstGeom prst="rect">
             <a:avLst/>
@@ -13129,7 +11431,7 @@
             <a:normAutofit/>
           </a:bodyPr>
           <a:p>
-            <a:pPr marL="432000" indent="-322560">
+            <a:pPr marL="432000" indent="-322200">
               <a:lnSpc>
                 <a:spcPct val="100000"/>
               </a:lnSpc>
@@ -13158,7 +11460,7 @@
             </a:endParaRPr>
           </a:p>
           <a:p>
-            <a:pPr marL="432000" indent="-322560">
+            <a:pPr marL="432000" indent="-322200">
               <a:lnSpc>
                 <a:spcPct val="100000"/>
               </a:lnSpc>
@@ -13232,7 +11534,7 @@
                                           </p:stCondLst>
                                         </p:cTn>
                                         <p:tgtEl>
-                                          <p:spTgt spid="321">
+                                          <p:spTgt spid="281">
                                             <p:txEl>
                                               <p:pRg st="0" end="0"/>
                                             </p:txEl>
@@ -13281,7 +11583,7 @@
                                           </p:stCondLst>
                                         </p:cTn>
                                         <p:tgtEl>
-                                          <p:spTgt spid="322"/>
+                                          <p:spTgt spid="282"/>
                                         </p:tgtEl>
                                         <p:attrNameLst>
                                           <p:attrName>style.visibility</p:attrName>
@@ -13326,7 +11628,7 @@
                                           </p:stCondLst>
                                         </p:cTn>
                                         <p:tgtEl>
-                                          <p:spTgt spid="323">
+                                          <p:spTgt spid="283">
                                             <p:txEl>
                                               <p:pRg st="0" end="0"/>
                                             </p:txEl>
@@ -13375,7 +11677,7 @@
                                           </p:stCondLst>
                                         </p:cTn>
                                         <p:tgtEl>
-                                          <p:spTgt spid="323">
+                                          <p:spTgt spid="283">
                                             <p:txEl>
                                               <p:pRg st="1" end="1"/>
                                             </p:txEl>
@@ -13442,14 +11744,14 @@
       </p:grpSpPr>
       <p:sp>
         <p:nvSpPr>
-          <p:cNvPr id="324" name="CustomShape 1"/>
+          <p:cNvPr id="284" name="CustomShape 1"/>
           <p:cNvSpPr/>
           <p:nvPr/>
         </p:nvSpPr>
         <p:spPr>
           <a:xfrm>
             <a:off x="874800" y="343080"/>
-            <a:ext cx="7959600" cy="579240"/>
+            <a:ext cx="7959240" cy="578880"/>
           </a:xfrm>
           <a:prstGeom prst="rect">
             <a:avLst/>
@@ -13468,14 +11770,14 @@
       </p:sp>
       <p:sp>
         <p:nvSpPr>
-          <p:cNvPr id="325" name="CustomShape 2"/>
+          <p:cNvPr id="285" name="CustomShape 2"/>
           <p:cNvSpPr/>
           <p:nvPr/>
         </p:nvSpPr>
         <p:spPr>
           <a:xfrm>
             <a:off x="874800" y="1428480"/>
-            <a:ext cx="7959600" cy="3178080"/>
+            <a:ext cx="7959240" cy="3177720"/>
           </a:xfrm>
           <a:prstGeom prst="rect">
             <a:avLst/>
@@ -13494,14 +11796,14 @@
       </p:sp>
       <p:sp>
         <p:nvSpPr>
-          <p:cNvPr id="326" name="CustomShape 3"/>
+          <p:cNvPr id="286" name="CustomShape 3"/>
           <p:cNvSpPr/>
           <p:nvPr/>
         </p:nvSpPr>
         <p:spPr>
           <a:xfrm>
             <a:off x="874800" y="343080"/>
-            <a:ext cx="7959600" cy="579240"/>
+            <a:ext cx="7959240" cy="578880"/>
           </a:xfrm>
           <a:prstGeom prst="rect">
             <a:avLst/>
@@ -13545,14 +11847,14 @@
       </p:sp>
       <p:sp>
         <p:nvSpPr>
-          <p:cNvPr id="327" name="CustomShape 4"/>
+          <p:cNvPr id="287" name="CustomShape 4"/>
           <p:cNvSpPr/>
           <p:nvPr/>
         </p:nvSpPr>
         <p:spPr>
           <a:xfrm>
             <a:off x="822960" y="1188720"/>
-            <a:ext cx="7128000" cy="3578040"/>
+            <a:ext cx="7127640" cy="3577680"/>
           </a:xfrm>
           <a:prstGeom prst="rect">
             <a:avLst/>
@@ -13726,14 +12028,14 @@
       </p:grpSpPr>
       <p:sp>
         <p:nvSpPr>
-          <p:cNvPr id="328" name="CustomShape 1"/>
+          <p:cNvPr id="288" name="CustomShape 1"/>
           <p:cNvSpPr/>
           <p:nvPr/>
         </p:nvSpPr>
         <p:spPr>
           <a:xfrm>
             <a:off x="874800" y="343080"/>
-            <a:ext cx="7959600" cy="579240"/>
+            <a:ext cx="7959240" cy="578880"/>
           </a:xfrm>
           <a:prstGeom prst="rect">
             <a:avLst/>
@@ -13752,14 +12054,14 @@
       </p:sp>
       <p:sp>
         <p:nvSpPr>
-          <p:cNvPr id="329" name="CustomShape 2"/>
+          <p:cNvPr id="289" name="CustomShape 2"/>
           <p:cNvSpPr/>
           <p:nvPr/>
         </p:nvSpPr>
         <p:spPr>
           <a:xfrm>
             <a:off x="874800" y="1428480"/>
-            <a:ext cx="7959600" cy="3178080"/>
+            <a:ext cx="7959240" cy="3177720"/>
           </a:xfrm>
           <a:prstGeom prst="rect">
             <a:avLst/>
@@ -13778,14 +12080,14 @@
       </p:sp>
       <p:sp>
         <p:nvSpPr>
-          <p:cNvPr id="330" name="CustomShape 3"/>
+          <p:cNvPr id="290" name="CustomShape 3"/>
           <p:cNvSpPr/>
           <p:nvPr/>
         </p:nvSpPr>
         <p:spPr>
           <a:xfrm>
             <a:off x="874800" y="343080"/>
-            <a:ext cx="7959600" cy="579240"/>
+            <a:ext cx="7959240" cy="578880"/>
           </a:xfrm>
           <a:prstGeom prst="rect">
             <a:avLst/>
@@ -13829,14 +12131,14 @@
       </p:sp>
       <p:sp>
         <p:nvSpPr>
-          <p:cNvPr id="331" name="CustomShape 4"/>
+          <p:cNvPr id="291" name="CustomShape 4"/>
           <p:cNvSpPr/>
           <p:nvPr/>
         </p:nvSpPr>
         <p:spPr>
           <a:xfrm>
             <a:off x="822960" y="1188720"/>
-            <a:ext cx="7128000" cy="3578040"/>
+            <a:ext cx="7127640" cy="3577680"/>
           </a:xfrm>
           <a:prstGeom prst="rect">
             <a:avLst/>
@@ -14040,14 +12342,14 @@
       </p:grpSpPr>
       <p:sp>
         <p:nvSpPr>
-          <p:cNvPr id="332" name="CustomShape 1"/>
+          <p:cNvPr id="292" name="CustomShape 1"/>
           <p:cNvSpPr/>
           <p:nvPr/>
         </p:nvSpPr>
         <p:spPr>
           <a:xfrm>
             <a:off x="874800" y="343080"/>
-            <a:ext cx="7958520" cy="578160"/>
+            <a:ext cx="7958160" cy="577800"/>
           </a:xfrm>
           <a:prstGeom prst="rect">
             <a:avLst/>
@@ -14066,14 +12368,14 @@
       </p:sp>
       <p:sp>
         <p:nvSpPr>
-          <p:cNvPr id="333" name="CustomShape 2"/>
+          <p:cNvPr id="293" name="CustomShape 2"/>
           <p:cNvSpPr/>
           <p:nvPr/>
         </p:nvSpPr>
         <p:spPr>
           <a:xfrm>
             <a:off x="874800" y="1428480"/>
-            <a:ext cx="7958520" cy="3177000"/>
+            <a:ext cx="7958160" cy="3176640"/>
           </a:xfrm>
           <a:prstGeom prst="rect">
             <a:avLst/>
@@ -14092,14 +12394,14 @@
       </p:sp>
       <p:sp>
         <p:nvSpPr>
-          <p:cNvPr id="334" name="CustomShape 3"/>
+          <p:cNvPr id="294" name="CustomShape 3"/>
           <p:cNvSpPr/>
           <p:nvPr/>
         </p:nvSpPr>
         <p:spPr>
           <a:xfrm>
             <a:off x="874800" y="343080"/>
-            <a:ext cx="7958520" cy="578160"/>
+            <a:ext cx="7958160" cy="577800"/>
           </a:xfrm>
           <a:prstGeom prst="rect">
             <a:avLst/>
@@ -14143,14 +12445,14 @@
       </p:sp>
       <p:sp>
         <p:nvSpPr>
-          <p:cNvPr id="335" name="CustomShape 4"/>
+          <p:cNvPr id="295" name="CustomShape 4"/>
           <p:cNvSpPr/>
           <p:nvPr/>
         </p:nvSpPr>
         <p:spPr>
           <a:xfrm>
             <a:off x="822960" y="1188720"/>
-            <a:ext cx="7126920" cy="3576960"/>
+            <a:ext cx="7126560" cy="3576600"/>
           </a:xfrm>
           <a:prstGeom prst="rect">
             <a:avLst/>
@@ -14171,7 +12473,7 @@
             <a:noAutofit/>
           </a:bodyPr>
           <a:p>
-            <a:pPr marL="216000" indent="-213120">
+            <a:pPr marL="216000" indent="-212760">
               <a:lnSpc>
                 <a:spcPct val="100000"/>
               </a:lnSpc>
@@ -14202,7 +12504,7 @@
             </a:endParaRPr>
           </a:p>
           <a:p>
-            <a:pPr marL="216000" indent="-213120">
+            <a:pPr marL="216000" indent="-212760">
               <a:lnSpc>
                 <a:spcPct val="100000"/>
               </a:lnSpc>
@@ -14233,7 +12535,7 @@
             </a:endParaRPr>
           </a:p>
           <a:p>
-            <a:pPr marL="216000" indent="-213120">
+            <a:pPr marL="216000" indent="-212760">
               <a:lnSpc>
                 <a:spcPct val="100000"/>
               </a:lnSpc>
@@ -14322,7 +12624,7 @@
                                           </p:stCondLst>
                                         </p:cTn>
                                         <p:tgtEl>
-                                          <p:spTgt spid="335"/>
+                                          <p:spTgt spid="295"/>
                                         </p:tgtEl>
                                         <p:attrNameLst>
                                           <p:attrName>style.visibility</p:attrName>
@@ -14349,7 +12651,7 @@
                                           </p:stCondLst>
                                         </p:cTn>
                                         <p:tgtEl>
-                                          <p:spTgt spid="335">
+                                          <p:spTgt spid="295">
                                             <p:txEl>
                                               <p:pRg st="0" end="0"/>
                                             </p:txEl>
@@ -14398,7 +12700,7 @@
                                           </p:stCondLst>
                                         </p:cTn>
                                         <p:tgtEl>
-                                          <p:spTgt spid="335">
+                                          <p:spTgt spid="295">
                                             <p:txEl>
                                               <p:pRg st="1" end="1"/>
                                             </p:txEl>
@@ -14447,7 +12749,7 @@
                                           </p:stCondLst>
                                         </p:cTn>
                                         <p:tgtEl>
-                                          <p:spTgt spid="335">
+                                          <p:spTgt spid="295">
                                             <p:txEl>
                                               <p:pRg st="2" end="2"/>
                                             </p:txEl>
@@ -14514,14 +12816,14 @@
       </p:grpSpPr>
       <p:sp>
         <p:nvSpPr>
-          <p:cNvPr id="336" name="CustomShape 1"/>
+          <p:cNvPr id="296" name="CustomShape 1"/>
           <p:cNvSpPr/>
           <p:nvPr/>
         </p:nvSpPr>
         <p:spPr>
           <a:xfrm>
             <a:off x="874800" y="343080"/>
-            <a:ext cx="7958520" cy="578160"/>
+            <a:ext cx="7958160" cy="577800"/>
           </a:xfrm>
           <a:prstGeom prst="rect">
             <a:avLst/>
@@ -14540,14 +12842,14 @@
       </p:sp>
       <p:sp>
         <p:nvSpPr>
-          <p:cNvPr id="337" name="CustomShape 2"/>
+          <p:cNvPr id="297" name="CustomShape 2"/>
           <p:cNvSpPr/>
           <p:nvPr/>
         </p:nvSpPr>
         <p:spPr>
           <a:xfrm>
             <a:off x="874800" y="1381680"/>
-            <a:ext cx="3889440" cy="3275640"/>
+            <a:ext cx="3889080" cy="3275280"/>
           </a:xfrm>
           <a:prstGeom prst="rect">
             <a:avLst/>
@@ -14566,14 +12868,14 @@
       </p:sp>
       <p:sp>
         <p:nvSpPr>
-          <p:cNvPr id="338" name="CustomShape 3"/>
+          <p:cNvPr id="298" name="CustomShape 3"/>
           <p:cNvSpPr/>
           <p:nvPr/>
         </p:nvSpPr>
         <p:spPr>
           <a:xfrm>
             <a:off x="874800" y="990360"/>
-            <a:ext cx="3889440" cy="321120"/>
+            <a:ext cx="3889080" cy="320760"/>
           </a:xfrm>
           <a:prstGeom prst="rect">
             <a:avLst/>
@@ -14592,14 +12894,14 @@
       </p:sp>
       <p:sp>
         <p:nvSpPr>
-          <p:cNvPr id="339" name="CustomShape 4"/>
+          <p:cNvPr id="299" name="CustomShape 4"/>
           <p:cNvSpPr/>
           <p:nvPr/>
         </p:nvSpPr>
         <p:spPr>
           <a:xfrm>
             <a:off x="4943520" y="1382400"/>
-            <a:ext cx="3893040" cy="3275640"/>
+            <a:ext cx="3892680" cy="3275280"/>
           </a:xfrm>
           <a:prstGeom prst="rect">
             <a:avLst/>
@@ -14618,14 +12920,14 @@
       </p:sp>
       <p:sp>
         <p:nvSpPr>
-          <p:cNvPr id="340" name="CustomShape 5"/>
+          <p:cNvPr id="300" name="CustomShape 5"/>
           <p:cNvSpPr/>
           <p:nvPr/>
         </p:nvSpPr>
         <p:spPr>
           <a:xfrm>
             <a:off x="4943520" y="990360"/>
-            <a:ext cx="3893040" cy="321120"/>
+            <a:ext cx="3892680" cy="320760"/>
           </a:xfrm>
           <a:prstGeom prst="rect">
             <a:avLst/>
@@ -14644,14 +12946,14 @@
       </p:sp>
       <p:sp>
         <p:nvSpPr>
-          <p:cNvPr id="341" name="CustomShape 6"/>
+          <p:cNvPr id="301" name="CustomShape 6"/>
           <p:cNvSpPr/>
           <p:nvPr/>
         </p:nvSpPr>
         <p:spPr>
           <a:xfrm>
             <a:off x="874800" y="343080"/>
-            <a:ext cx="7958520" cy="578160"/>
+            <a:ext cx="7958160" cy="577800"/>
           </a:xfrm>
           <a:prstGeom prst="rect">
             <a:avLst/>
@@ -14695,14 +12997,14 @@
       </p:sp>
       <p:sp>
         <p:nvSpPr>
-          <p:cNvPr id="342" name="CustomShape 7"/>
+          <p:cNvPr id="302" name="CustomShape 7"/>
           <p:cNvSpPr/>
           <p:nvPr/>
         </p:nvSpPr>
         <p:spPr>
           <a:xfrm>
             <a:off x="822960" y="1188720"/>
-            <a:ext cx="7126920" cy="3156480"/>
+            <a:ext cx="7126560" cy="3156120"/>
           </a:xfrm>
           <a:prstGeom prst="rect">
             <a:avLst/>
@@ -14723,7 +13025,7 @@
             <a:noAutofit/>
           </a:bodyPr>
           <a:p>
-            <a:pPr marL="216000" indent="-213120">
+            <a:pPr marL="216000" indent="-212760">
               <a:lnSpc>
                 <a:spcPct val="100000"/>
               </a:lnSpc>
@@ -14754,7 +13056,7 @@
             </a:endParaRPr>
           </a:p>
           <a:p>
-            <a:pPr marL="216000" indent="-213120">
+            <a:pPr marL="216000" indent="-212760">
               <a:lnSpc>
                 <a:spcPct val="100000"/>
               </a:lnSpc>
@@ -14785,7 +13087,7 @@
             </a:endParaRPr>
           </a:p>
           <a:p>
-            <a:pPr lvl="1" marL="432000" indent="-213120">
+            <a:pPr lvl="1" marL="432000" indent="-212760">
               <a:lnSpc>
                 <a:spcPct val="100000"/>
               </a:lnSpc>
@@ -14817,7 +13119,7 @@
             </a:endParaRPr>
           </a:p>
           <a:p>
-            <a:pPr lvl="1" marL="432000" indent="-213120">
+            <a:pPr lvl="1" marL="432000" indent="-212760">
               <a:lnSpc>
                 <a:spcPct val="100000"/>
               </a:lnSpc>
@@ -14849,7 +13151,7 @@
             </a:endParaRPr>
           </a:p>
           <a:p>
-            <a:pPr marL="216000" indent="-213120">
+            <a:pPr marL="216000" indent="-212760">
               <a:lnSpc>
                 <a:spcPct val="100000"/>
               </a:lnSpc>
@@ -14880,7 +13182,7 @@
             </a:endParaRPr>
           </a:p>
           <a:p>
-            <a:pPr lvl="1" marL="432000" indent="-213120">
+            <a:pPr lvl="1" marL="432000" indent="-212760">
               <a:lnSpc>
                 <a:spcPct val="100000"/>
               </a:lnSpc>
@@ -14957,7 +13259,7 @@
                                           </p:stCondLst>
                                         </p:cTn>
                                         <p:tgtEl>
-                                          <p:spTgt spid="342"/>
+                                          <p:spTgt spid="302"/>
                                         </p:tgtEl>
                                         <p:attrNameLst>
                                           <p:attrName>style.visibility</p:attrName>
@@ -14984,7 +13286,7 @@
                                           </p:stCondLst>
                                         </p:cTn>
                                         <p:tgtEl>
-                                          <p:spTgt spid="342">
+                                          <p:spTgt spid="302">
                                             <p:txEl>
                                               <p:pRg st="0" end="0"/>
                                             </p:txEl>
@@ -15033,7 +13335,7 @@
                                           </p:stCondLst>
                                         </p:cTn>
                                         <p:tgtEl>
-                                          <p:spTgt spid="342">
+                                          <p:spTgt spid="302">
                                             <p:txEl>
                                               <p:pRg st="1" end="1"/>
                                             </p:txEl>
@@ -15064,7 +13366,7 @@
                                           </p:stCondLst>
                                         </p:cTn>
                                         <p:tgtEl>
-                                          <p:spTgt spid="342">
+                                          <p:spTgt spid="302">
                                             <p:txEl>
                                               <p:pRg st="2" end="2"/>
                                             </p:txEl>
@@ -15095,7 +13397,7 @@
                                           </p:stCondLst>
                                         </p:cTn>
                                         <p:tgtEl>
-                                          <p:spTgt spid="342">
+                                          <p:spTgt spid="302">
                                             <p:txEl>
                                               <p:pRg st="3" end="3"/>
                                             </p:txEl>
@@ -15144,7 +13446,7 @@
                                           </p:stCondLst>
                                         </p:cTn>
                                         <p:tgtEl>
-                                          <p:spTgt spid="342">
+                                          <p:spTgt spid="302">
                                             <p:txEl>
                                               <p:pRg st="4" end="4"/>
                                             </p:txEl>
@@ -15175,7 +13477,7 @@
                                           </p:stCondLst>
                                         </p:cTn>
                                         <p:tgtEl>
-                                          <p:spTgt spid="342">
+                                          <p:spTgt spid="302">
                                             <p:txEl>
                                               <p:pRg st="5" end="5"/>
                                             </p:txEl>
@@ -15242,14 +13544,14 @@
       </p:grpSpPr>
       <p:sp>
         <p:nvSpPr>
-          <p:cNvPr id="343" name="CustomShape 1"/>
+          <p:cNvPr id="303" name="CustomShape 1"/>
           <p:cNvSpPr/>
           <p:nvPr/>
         </p:nvSpPr>
         <p:spPr>
           <a:xfrm>
             <a:off x="874800" y="343080"/>
-            <a:ext cx="7958520" cy="578160"/>
+            <a:ext cx="7958160" cy="577800"/>
           </a:xfrm>
           <a:prstGeom prst="rect">
             <a:avLst/>
@@ -15268,14 +13570,14 @@
       </p:sp>
       <p:sp>
         <p:nvSpPr>
-          <p:cNvPr id="344" name="CustomShape 2"/>
+          <p:cNvPr id="304" name="CustomShape 2"/>
           <p:cNvSpPr/>
           <p:nvPr/>
         </p:nvSpPr>
         <p:spPr>
           <a:xfrm>
             <a:off x="874800" y="1381680"/>
-            <a:ext cx="3889440" cy="3275640"/>
+            <a:ext cx="3889080" cy="3275280"/>
           </a:xfrm>
           <a:prstGeom prst="rect">
             <a:avLst/>
@@ -15294,14 +13596,14 @@
       </p:sp>
       <p:sp>
         <p:nvSpPr>
-          <p:cNvPr id="345" name="CustomShape 3"/>
+          <p:cNvPr id="305" name="CustomShape 3"/>
           <p:cNvSpPr/>
           <p:nvPr/>
         </p:nvSpPr>
         <p:spPr>
           <a:xfrm>
             <a:off x="874800" y="990360"/>
-            <a:ext cx="3889440" cy="321120"/>
+            <a:ext cx="3889080" cy="320760"/>
           </a:xfrm>
           <a:prstGeom prst="rect">
             <a:avLst/>
@@ -15320,14 +13622,14 @@
       </p:sp>
       <p:sp>
         <p:nvSpPr>
-          <p:cNvPr id="346" name="CustomShape 4"/>
+          <p:cNvPr id="306" name="CustomShape 4"/>
           <p:cNvSpPr/>
           <p:nvPr/>
         </p:nvSpPr>
         <p:spPr>
           <a:xfrm>
             <a:off x="4943520" y="1382400"/>
-            <a:ext cx="3893040" cy="3275640"/>
+            <a:ext cx="3892680" cy="3275280"/>
           </a:xfrm>
           <a:prstGeom prst="rect">
             <a:avLst/>
@@ -15346,14 +13648,14 @@
       </p:sp>
       <p:sp>
         <p:nvSpPr>
-          <p:cNvPr id="347" name="CustomShape 5"/>
+          <p:cNvPr id="307" name="CustomShape 5"/>
           <p:cNvSpPr/>
           <p:nvPr/>
         </p:nvSpPr>
         <p:spPr>
           <a:xfrm>
             <a:off x="4943520" y="990360"/>
-            <a:ext cx="3893040" cy="321120"/>
+            <a:ext cx="3892680" cy="320760"/>
           </a:xfrm>
           <a:prstGeom prst="rect">
             <a:avLst/>
@@ -15372,14 +13674,14 @@
       </p:sp>
       <p:sp>
         <p:nvSpPr>
-          <p:cNvPr id="348" name="CustomShape 6"/>
+          <p:cNvPr id="308" name="CustomShape 6"/>
           <p:cNvSpPr/>
           <p:nvPr/>
         </p:nvSpPr>
         <p:spPr>
           <a:xfrm>
             <a:off x="874800" y="343080"/>
-            <a:ext cx="7958520" cy="578160"/>
+            <a:ext cx="7958160" cy="577800"/>
           </a:xfrm>
           <a:prstGeom prst="rect">
             <a:avLst/>
@@ -15423,14 +13725,14 @@
       </p:sp>
       <p:sp>
         <p:nvSpPr>
-          <p:cNvPr id="349" name="CustomShape 7"/>
+          <p:cNvPr id="309" name="CustomShape 7"/>
           <p:cNvSpPr/>
           <p:nvPr/>
         </p:nvSpPr>
         <p:spPr>
           <a:xfrm>
             <a:off x="822960" y="1188720"/>
-            <a:ext cx="7126920" cy="3137040"/>
+            <a:ext cx="7126560" cy="3136680"/>
           </a:xfrm>
           <a:prstGeom prst="rect">
             <a:avLst/>
@@ -15451,7 +13753,7 @@
             <a:noAutofit/>
           </a:bodyPr>
           <a:p>
-            <a:pPr marL="216000" indent="-213120">
+            <a:pPr marL="216000" indent="-212760">
               <a:lnSpc>
                 <a:spcPct val="100000"/>
               </a:lnSpc>
@@ -15482,7 +13784,7 @@
             </a:endParaRPr>
           </a:p>
           <a:p>
-            <a:pPr lvl="1" marL="432000" indent="-213120">
+            <a:pPr lvl="1" marL="432000" indent="-212760">
               <a:lnSpc>
                 <a:spcPct val="100000"/>
               </a:lnSpc>
@@ -15514,7 +13816,7 @@
             </a:endParaRPr>
           </a:p>
           <a:p>
-            <a:pPr lvl="1" marL="432000" indent="-213120">
+            <a:pPr lvl="1" marL="432000" indent="-212760">
               <a:lnSpc>
                 <a:spcPct val="100000"/>
               </a:lnSpc>
@@ -15631,7 +13933,7 @@
                                           </p:stCondLst>
                                         </p:cTn>
                                         <p:tgtEl>
-                                          <p:spTgt spid="349"/>
+                                          <p:spTgt spid="309"/>
                                         </p:tgtEl>
                                         <p:attrNameLst>
                                           <p:attrName>style.visibility</p:attrName>
@@ -15658,7 +13960,7 @@
                                           </p:stCondLst>
                                         </p:cTn>
                                         <p:tgtEl>
-                                          <p:spTgt spid="349">
+                                          <p:spTgt spid="309">
                                             <p:txEl>
                                               <p:pRg st="0" end="0"/>
                                             </p:txEl>
@@ -15689,7 +13991,7 @@
                                           </p:stCondLst>
                                         </p:cTn>
                                         <p:tgtEl>
-                                          <p:spTgt spid="349">
+                                          <p:spTgt spid="309">
                                             <p:txEl>
                                               <p:pRg st="1" end="1"/>
                                             </p:txEl>
@@ -15720,7 +14022,7 @@
                                           </p:stCondLst>
                                         </p:cTn>
                                         <p:tgtEl>
-                                          <p:spTgt spid="349">
+                                          <p:spTgt spid="309">
                                             <p:txEl>
                                               <p:pRg st="2" end="2"/>
                                             </p:txEl>
@@ -15787,14 +14089,14 @@
       </p:grpSpPr>
       <p:sp>
         <p:nvSpPr>
-          <p:cNvPr id="350" name="CustomShape 1"/>
+          <p:cNvPr id="310" name="CustomShape 1"/>
           <p:cNvSpPr/>
           <p:nvPr/>
         </p:nvSpPr>
         <p:spPr>
           <a:xfrm>
             <a:off x="874800" y="343080"/>
-            <a:ext cx="7958880" cy="578520"/>
+            <a:ext cx="7958520" cy="578160"/>
           </a:xfrm>
           <a:prstGeom prst="rect">
             <a:avLst/>
@@ -15813,14 +14115,14 @@
       </p:sp>
       <p:sp>
         <p:nvSpPr>
-          <p:cNvPr id="351" name="CustomShape 2"/>
+          <p:cNvPr id="311" name="CustomShape 2"/>
           <p:cNvSpPr/>
           <p:nvPr/>
         </p:nvSpPr>
         <p:spPr>
           <a:xfrm>
             <a:off x="874800" y="1428480"/>
-            <a:ext cx="7958880" cy="3177360"/>
+            <a:ext cx="7958520" cy="3177000"/>
           </a:xfrm>
           <a:prstGeom prst="rect">
             <a:avLst/>
@@ -15839,14 +14141,14 @@
       </p:sp>
       <p:sp>
         <p:nvSpPr>
-          <p:cNvPr id="352" name="CustomShape 3"/>
+          <p:cNvPr id="312" name="CustomShape 3"/>
           <p:cNvSpPr/>
           <p:nvPr/>
         </p:nvSpPr>
         <p:spPr>
           <a:xfrm>
             <a:off x="874800" y="343080"/>
-            <a:ext cx="7958880" cy="578520"/>
+            <a:ext cx="7958520" cy="578160"/>
           </a:xfrm>
           <a:prstGeom prst="rect">
             <a:avLst/>
@@ -15890,14 +14192,14 @@
       </p:sp>
       <p:sp>
         <p:nvSpPr>
-          <p:cNvPr id="353" name="CustomShape 4"/>
+          <p:cNvPr id="313" name="CustomShape 4"/>
           <p:cNvSpPr/>
           <p:nvPr/>
         </p:nvSpPr>
         <p:spPr>
           <a:xfrm>
             <a:off x="822960" y="1028520"/>
-            <a:ext cx="8392680" cy="3577320"/>
+            <a:ext cx="8392320" cy="3576960"/>
           </a:xfrm>
           <a:prstGeom prst="rect">
             <a:avLst/>
@@ -16191,14 +14493,14 @@
       </p:grpSpPr>
       <p:sp>
         <p:nvSpPr>
-          <p:cNvPr id="354" name="CustomShape 1"/>
+          <p:cNvPr id="314" name="CustomShape 1"/>
           <p:cNvSpPr/>
           <p:nvPr/>
         </p:nvSpPr>
         <p:spPr>
           <a:xfrm>
             <a:off x="720000" y="426240"/>
-            <a:ext cx="7958880" cy="578520"/>
+            <a:ext cx="7958520" cy="578160"/>
           </a:xfrm>
           <a:prstGeom prst="rect">
             <a:avLst/>
@@ -16217,14 +14519,14 @@
       </p:sp>
       <p:sp>
         <p:nvSpPr>
-          <p:cNvPr id="355" name="CustomShape 2"/>
+          <p:cNvPr id="315" name="CustomShape 2"/>
           <p:cNvSpPr/>
           <p:nvPr/>
         </p:nvSpPr>
         <p:spPr>
           <a:xfrm>
             <a:off x="720000" y="1211400"/>
-            <a:ext cx="7958880" cy="3177360"/>
+            <a:ext cx="7958520" cy="3177000"/>
           </a:xfrm>
           <a:prstGeom prst="rect">
             <a:avLst/>
@@ -16243,14 +14545,14 @@
       </p:sp>
       <p:sp>
         <p:nvSpPr>
-          <p:cNvPr id="356" name="CustomShape 3"/>
+          <p:cNvPr id="316" name="CustomShape 3"/>
           <p:cNvSpPr/>
           <p:nvPr/>
         </p:nvSpPr>
         <p:spPr>
           <a:xfrm>
             <a:off x="864000" y="354240"/>
-            <a:ext cx="7958880" cy="578520"/>
+            <a:ext cx="7958520" cy="578160"/>
           </a:xfrm>
           <a:prstGeom prst="rect">
             <a:avLst/>
@@ -16294,14 +14596,14 @@
       </p:sp>
       <p:sp>
         <p:nvSpPr>
-          <p:cNvPr id="357" name="CustomShape 4"/>
+          <p:cNvPr id="317" name="CustomShape 4"/>
           <p:cNvSpPr/>
           <p:nvPr/>
         </p:nvSpPr>
         <p:spPr>
           <a:xfrm>
             <a:off x="789840" y="1099800"/>
-            <a:ext cx="7127280" cy="3577320"/>
+            <a:ext cx="7126920" cy="3576960"/>
           </a:xfrm>
           <a:prstGeom prst="rect">
             <a:avLst/>
@@ -16585,14 +14887,14 @@
       </p:grpSpPr>
       <p:sp>
         <p:nvSpPr>
-          <p:cNvPr id="358" name="CustomShape 1"/>
+          <p:cNvPr id="318" name="CustomShape 1"/>
           <p:cNvSpPr/>
           <p:nvPr/>
         </p:nvSpPr>
         <p:spPr>
           <a:xfrm>
             <a:off x="720000" y="426240"/>
-            <a:ext cx="7958880" cy="578520"/>
+            <a:ext cx="7958520" cy="578160"/>
           </a:xfrm>
           <a:prstGeom prst="rect">
             <a:avLst/>
@@ -16611,14 +14913,14 @@
       </p:sp>
       <p:sp>
         <p:nvSpPr>
-          <p:cNvPr id="359" name="CustomShape 2"/>
+          <p:cNvPr id="319" name="CustomShape 2"/>
           <p:cNvSpPr/>
           <p:nvPr/>
         </p:nvSpPr>
         <p:spPr>
           <a:xfrm>
             <a:off x="720000" y="1211400"/>
-            <a:ext cx="7958880" cy="3177360"/>
+            <a:ext cx="7958520" cy="3177000"/>
           </a:xfrm>
           <a:prstGeom prst="rect">
             <a:avLst/>
@@ -16637,14 +14939,14 @@
       </p:sp>
       <p:sp>
         <p:nvSpPr>
-          <p:cNvPr id="360" name="CustomShape 3"/>
+          <p:cNvPr id="320" name="CustomShape 3"/>
           <p:cNvSpPr/>
           <p:nvPr/>
         </p:nvSpPr>
         <p:spPr>
           <a:xfrm>
             <a:off x="822960" y="1188720"/>
-            <a:ext cx="7127280" cy="3577320"/>
+            <a:ext cx="7126920" cy="3576960"/>
           </a:xfrm>
           <a:prstGeom prst="rect">
             <a:avLst/>
@@ -17038,14 +15340,14 @@
       </p:sp>
       <p:sp>
         <p:nvSpPr>
-          <p:cNvPr id="361" name="CustomShape 4"/>
+          <p:cNvPr id="321" name="CustomShape 4"/>
           <p:cNvSpPr/>
           <p:nvPr/>
         </p:nvSpPr>
         <p:spPr>
           <a:xfrm>
             <a:off x="864000" y="354240"/>
-            <a:ext cx="7958880" cy="578520"/>
+            <a:ext cx="7958520" cy="578160"/>
           </a:xfrm>
           <a:prstGeom prst="rect">
             <a:avLst/>
@@ -17119,14 +15421,14 @@
       </p:grpSpPr>
       <p:sp>
         <p:nvSpPr>
-          <p:cNvPr id="362" name="CustomShape 1"/>
+          <p:cNvPr id="322" name="CustomShape 1"/>
           <p:cNvSpPr/>
           <p:nvPr/>
         </p:nvSpPr>
         <p:spPr>
           <a:xfrm>
             <a:off x="720000" y="426240"/>
-            <a:ext cx="7958880" cy="578520"/>
+            <a:ext cx="7958520" cy="578160"/>
           </a:xfrm>
           <a:prstGeom prst="rect">
             <a:avLst/>
@@ -17145,14 +15447,14 @@
       </p:sp>
       <p:sp>
         <p:nvSpPr>
-          <p:cNvPr id="363" name="CustomShape 2"/>
+          <p:cNvPr id="323" name="CustomShape 2"/>
           <p:cNvSpPr/>
           <p:nvPr/>
         </p:nvSpPr>
         <p:spPr>
           <a:xfrm>
             <a:off x="720000" y="1211400"/>
-            <a:ext cx="7958880" cy="3177360"/>
+            <a:ext cx="7958520" cy="3177000"/>
           </a:xfrm>
           <a:prstGeom prst="rect">
             <a:avLst/>
@@ -17171,14 +15473,14 @@
       </p:sp>
       <p:sp>
         <p:nvSpPr>
-          <p:cNvPr id="364" name="CustomShape 3"/>
+          <p:cNvPr id="324" name="CustomShape 3"/>
           <p:cNvSpPr/>
           <p:nvPr/>
         </p:nvSpPr>
         <p:spPr>
           <a:xfrm>
             <a:off x="822960" y="1188720"/>
-            <a:ext cx="7127280" cy="3577320"/>
+            <a:ext cx="7126920" cy="3576960"/>
           </a:xfrm>
           <a:prstGeom prst="rect">
             <a:avLst/>
@@ -17442,14 +15744,14 @@
       </p:sp>
       <p:sp>
         <p:nvSpPr>
-          <p:cNvPr id="365" name="CustomShape 4"/>
+          <p:cNvPr id="325" name="CustomShape 4"/>
           <p:cNvSpPr/>
           <p:nvPr/>
         </p:nvSpPr>
         <p:spPr>
           <a:xfrm>
             <a:off x="864000" y="354240"/>
-            <a:ext cx="7958880" cy="578520"/>
+            <a:ext cx="7958520" cy="578160"/>
           </a:xfrm>
           <a:prstGeom prst="rect">
             <a:avLst/>
@@ -17523,14 +15825,14 @@
       </p:grpSpPr>
       <p:sp>
         <p:nvSpPr>
-          <p:cNvPr id="289" name="CustomShape 1"/>
+          <p:cNvPr id="249" name="CustomShape 1"/>
           <p:cNvSpPr/>
           <p:nvPr/>
         </p:nvSpPr>
         <p:spPr>
           <a:xfrm>
             <a:off x="874800" y="343080"/>
-            <a:ext cx="7961040" cy="580680"/>
+            <a:ext cx="7960680" cy="580320"/>
           </a:xfrm>
           <a:prstGeom prst="rect">
             <a:avLst/>
@@ -17574,14 +15876,14 @@
       </p:sp>
       <p:sp>
         <p:nvSpPr>
-          <p:cNvPr id="290" name="CustomShape 2"/>
+          <p:cNvPr id="250" name="CustomShape 2"/>
           <p:cNvSpPr/>
           <p:nvPr/>
         </p:nvSpPr>
         <p:spPr>
           <a:xfrm>
             <a:off x="874800" y="937080"/>
-            <a:ext cx="7961040" cy="436680"/>
+            <a:ext cx="7960680" cy="436320"/>
           </a:xfrm>
           <a:prstGeom prst="rect">
             <a:avLst/>
@@ -17628,14 +15930,14 @@
       </p:sp>
       <p:sp>
         <p:nvSpPr>
-          <p:cNvPr id="291" name="CustomShape 3"/>
+          <p:cNvPr id="251" name="CustomShape 3"/>
           <p:cNvSpPr/>
           <p:nvPr/>
         </p:nvSpPr>
         <p:spPr>
           <a:xfrm>
             <a:off x="874800" y="1428480"/>
-            <a:ext cx="7961040" cy="3179520"/>
+            <a:ext cx="7960680" cy="3179160"/>
           </a:xfrm>
           <a:prstGeom prst="rect">
             <a:avLst/>
@@ -17853,14 +16155,14 @@
       </p:grpSpPr>
       <p:sp>
         <p:nvSpPr>
-          <p:cNvPr id="366" name="CustomShape 1"/>
+          <p:cNvPr id="326" name="CustomShape 1"/>
           <p:cNvSpPr/>
           <p:nvPr/>
         </p:nvSpPr>
         <p:spPr>
           <a:xfrm>
             <a:off x="874800" y="343080"/>
-            <a:ext cx="7958880" cy="578520"/>
+            <a:ext cx="7958520" cy="578160"/>
           </a:xfrm>
           <a:prstGeom prst="rect">
             <a:avLst/>
@@ -17879,14 +16181,14 @@
       </p:sp>
       <p:sp>
         <p:nvSpPr>
-          <p:cNvPr id="367" name="CustomShape 2"/>
+          <p:cNvPr id="327" name="CustomShape 2"/>
           <p:cNvSpPr/>
           <p:nvPr/>
         </p:nvSpPr>
         <p:spPr>
           <a:xfrm>
             <a:off x="874800" y="1428480"/>
-            <a:ext cx="7958880" cy="3177360"/>
+            <a:ext cx="7958520" cy="3177000"/>
           </a:xfrm>
           <a:prstGeom prst="rect">
             <a:avLst/>
@@ -17905,14 +16207,14 @@
       </p:sp>
       <p:sp>
         <p:nvSpPr>
-          <p:cNvPr id="368" name="CustomShape 3"/>
+          <p:cNvPr id="328" name="CustomShape 3"/>
           <p:cNvSpPr/>
           <p:nvPr/>
         </p:nvSpPr>
         <p:spPr>
           <a:xfrm>
             <a:off x="874800" y="343080"/>
-            <a:ext cx="7958880" cy="578520"/>
+            <a:ext cx="7958520" cy="578160"/>
           </a:xfrm>
           <a:prstGeom prst="rect">
             <a:avLst/>
@@ -17956,14 +16258,14 @@
       </p:sp>
       <p:sp>
         <p:nvSpPr>
-          <p:cNvPr id="369" name="CustomShape 4"/>
+          <p:cNvPr id="329" name="CustomShape 4"/>
           <p:cNvSpPr/>
           <p:nvPr/>
         </p:nvSpPr>
         <p:spPr>
           <a:xfrm>
             <a:off x="822960" y="1188720"/>
-            <a:ext cx="7127280" cy="3577320"/>
+            <a:ext cx="7126920" cy="3576960"/>
           </a:xfrm>
           <a:prstGeom prst="rect">
             <a:avLst/>
@@ -18300,7 +16602,7 @@
                                           </p:stCondLst>
                                         </p:cTn>
                                         <p:tgtEl>
-                                          <p:spTgt spid="369">
+                                          <p:spTgt spid="329">
                                             <p:txEl>
                                               <p:pRg st="0" end="0"/>
                                             </p:txEl>
@@ -18331,7 +16633,7 @@
                                           </p:stCondLst>
                                         </p:cTn>
                                         <p:tgtEl>
-                                          <p:spTgt spid="369">
+                                          <p:spTgt spid="329">
                                             <p:txEl>
                                               <p:pRg st="1" end="1"/>
                                             </p:txEl>
@@ -18362,7 +16664,7 @@
                                           </p:stCondLst>
                                         </p:cTn>
                                         <p:tgtEl>
-                                          <p:spTgt spid="369">
+                                          <p:spTgt spid="329">
                                             <p:txEl>
                                               <p:pRg st="2" end="2"/>
                                             </p:txEl>
@@ -18393,7 +16695,7 @@
                                           </p:stCondLst>
                                         </p:cTn>
                                         <p:tgtEl>
-                                          <p:spTgt spid="369">
+                                          <p:spTgt spid="329">
                                             <p:txEl>
                                               <p:pRg st="3" end="3"/>
                                             </p:txEl>
@@ -18442,7 +16744,7 @@
                                           </p:stCondLst>
                                         </p:cTn>
                                         <p:tgtEl>
-                                          <p:spTgt spid="369">
+                                          <p:spTgt spid="329">
                                             <p:txEl>
                                               <p:pRg st="5" end="5"/>
                                             </p:txEl>
@@ -18473,7 +16775,7 @@
                                           </p:stCondLst>
                                         </p:cTn>
                                         <p:tgtEl>
-                                          <p:spTgt spid="369">
+                                          <p:spTgt spid="329">
                                             <p:txEl>
                                               <p:pRg st="6" end="6"/>
                                             </p:txEl>
@@ -18504,7 +16806,7 @@
                                           </p:stCondLst>
                                         </p:cTn>
                                         <p:tgtEl>
-                                          <p:spTgt spid="369">
+                                          <p:spTgt spid="329">
                                             <p:txEl>
                                               <p:pRg st="7" end="7"/>
                                             </p:txEl>
@@ -18535,7 +16837,7 @@
                                           </p:stCondLst>
                                         </p:cTn>
                                         <p:tgtEl>
-                                          <p:spTgt spid="369">
+                                          <p:spTgt spid="329">
                                             <p:txEl>
                                               <p:pRg st="8" end="8"/>
                                             </p:txEl>
@@ -18602,14 +16904,14 @@
       </p:grpSpPr>
       <p:sp>
         <p:nvSpPr>
-          <p:cNvPr id="370" name="CustomShape 1"/>
+          <p:cNvPr id="330" name="CustomShape 1"/>
           <p:cNvSpPr/>
           <p:nvPr/>
         </p:nvSpPr>
         <p:spPr>
           <a:xfrm>
             <a:off x="874800" y="343080"/>
-            <a:ext cx="7958880" cy="578520"/>
+            <a:ext cx="7958520" cy="578160"/>
           </a:xfrm>
           <a:prstGeom prst="rect">
             <a:avLst/>
@@ -18628,14 +16930,14 @@
       </p:sp>
       <p:sp>
         <p:nvSpPr>
-          <p:cNvPr id="371" name="CustomShape 2"/>
+          <p:cNvPr id="331" name="CustomShape 2"/>
           <p:cNvSpPr/>
           <p:nvPr/>
         </p:nvSpPr>
         <p:spPr>
           <a:xfrm>
             <a:off x="874800" y="1381680"/>
-            <a:ext cx="3889800" cy="3276000"/>
+            <a:ext cx="3889440" cy="3275640"/>
           </a:xfrm>
           <a:prstGeom prst="rect">
             <a:avLst/>
@@ -18654,14 +16956,14 @@
       </p:sp>
       <p:sp>
         <p:nvSpPr>
-          <p:cNvPr id="372" name="CustomShape 3"/>
+          <p:cNvPr id="332" name="CustomShape 3"/>
           <p:cNvSpPr/>
           <p:nvPr/>
         </p:nvSpPr>
         <p:spPr>
           <a:xfrm>
             <a:off x="874800" y="990360"/>
-            <a:ext cx="3889800" cy="321480"/>
+            <a:ext cx="3889440" cy="321120"/>
           </a:xfrm>
           <a:prstGeom prst="rect">
             <a:avLst/>
@@ -18680,14 +16982,14 @@
       </p:sp>
       <p:sp>
         <p:nvSpPr>
-          <p:cNvPr id="373" name="CustomShape 4"/>
+          <p:cNvPr id="333" name="CustomShape 4"/>
           <p:cNvSpPr/>
           <p:nvPr/>
         </p:nvSpPr>
         <p:spPr>
           <a:xfrm>
             <a:off x="4943520" y="1382400"/>
-            <a:ext cx="3893400" cy="3276000"/>
+            <a:ext cx="3893040" cy="3275640"/>
           </a:xfrm>
           <a:prstGeom prst="rect">
             <a:avLst/>
@@ -18706,14 +17008,14 @@
       </p:sp>
       <p:sp>
         <p:nvSpPr>
-          <p:cNvPr id="374" name="CustomShape 5"/>
+          <p:cNvPr id="334" name="CustomShape 5"/>
           <p:cNvSpPr/>
           <p:nvPr/>
         </p:nvSpPr>
         <p:spPr>
           <a:xfrm>
             <a:off x="4943520" y="990360"/>
-            <a:ext cx="3893400" cy="321480"/>
+            <a:ext cx="3893040" cy="321120"/>
           </a:xfrm>
           <a:prstGeom prst="rect">
             <a:avLst/>
@@ -18732,14 +17034,14 @@
       </p:sp>
       <p:sp>
         <p:nvSpPr>
-          <p:cNvPr id="375" name="CustomShape 6"/>
+          <p:cNvPr id="335" name="CustomShape 6"/>
           <p:cNvSpPr/>
           <p:nvPr/>
         </p:nvSpPr>
         <p:spPr>
           <a:xfrm>
             <a:off x="874800" y="343080"/>
-            <a:ext cx="7958880" cy="578520"/>
+            <a:ext cx="7958520" cy="578160"/>
           </a:xfrm>
           <a:prstGeom prst="rect">
             <a:avLst/>
@@ -18783,14 +17085,14 @@
       </p:sp>
       <p:sp>
         <p:nvSpPr>
-          <p:cNvPr id="376" name="CustomShape 7"/>
+          <p:cNvPr id="336" name="CustomShape 7"/>
           <p:cNvSpPr/>
           <p:nvPr/>
         </p:nvSpPr>
         <p:spPr>
           <a:xfrm>
             <a:off x="822960" y="1188720"/>
-            <a:ext cx="7127280" cy="3156840"/>
+            <a:ext cx="7126920" cy="3156480"/>
           </a:xfrm>
           <a:prstGeom prst="rect">
             <a:avLst/>
@@ -19097,7 +17399,7 @@
                                           </p:stCondLst>
                                         </p:cTn>
                                         <p:tgtEl>
-                                          <p:spTgt spid="376">
+                                          <p:spTgt spid="336">
                                             <p:txEl>
                                               <p:pRg st="0" end="0"/>
                                             </p:txEl>
@@ -19128,7 +17430,7 @@
                                           </p:stCondLst>
                                         </p:cTn>
                                         <p:tgtEl>
-                                          <p:spTgt spid="376">
+                                          <p:spTgt spid="336">
                                             <p:txEl>
                                               <p:pRg st="1" end="1"/>
                                             </p:txEl>
@@ -19159,7 +17461,7 @@
                                           </p:stCondLst>
                                         </p:cTn>
                                         <p:tgtEl>
-                                          <p:spTgt spid="376">
+                                          <p:spTgt spid="336">
                                             <p:txEl>
                                               <p:pRg st="2" end="2"/>
                                             </p:txEl>
@@ -19190,7 +17492,7 @@
                                           </p:stCondLst>
                                         </p:cTn>
                                         <p:tgtEl>
-                                          <p:spTgt spid="376">
+                                          <p:spTgt spid="336">
                                             <p:txEl>
                                               <p:pRg st="3" end="3"/>
                                             </p:txEl>
@@ -19239,7 +17541,7 @@
                                           </p:stCondLst>
                                         </p:cTn>
                                         <p:tgtEl>
-                                          <p:spTgt spid="376">
+                                          <p:spTgt spid="336">
                                             <p:txEl>
                                               <p:pRg st="4" end="4"/>
                                             </p:txEl>
@@ -19270,7 +17572,7 @@
                                           </p:stCondLst>
                                         </p:cTn>
                                         <p:tgtEl>
-                                          <p:spTgt spid="376">
+                                          <p:spTgt spid="336">
                                             <p:txEl>
                                               <p:pRg st="5" end="5"/>
                                             </p:txEl>
@@ -19301,7 +17603,7 @@
                                           </p:stCondLst>
                                         </p:cTn>
                                         <p:tgtEl>
-                                          <p:spTgt spid="376">
+                                          <p:spTgt spid="336">
                                             <p:txEl>
                                               <p:pRg st="6" end="6"/>
                                             </p:txEl>
@@ -19332,7 +17634,7 @@
                                           </p:stCondLst>
                                         </p:cTn>
                                         <p:tgtEl>
-                                          <p:spTgt spid="376">
+                                          <p:spTgt spid="336">
                                             <p:txEl>
                                               <p:pRg st="7" end="7"/>
                                             </p:txEl>
@@ -19399,14 +17701,14 @@
       </p:grpSpPr>
       <p:sp>
         <p:nvSpPr>
-          <p:cNvPr id="377" name="CustomShape 1"/>
+          <p:cNvPr id="337" name="CustomShape 1"/>
           <p:cNvSpPr/>
           <p:nvPr/>
         </p:nvSpPr>
         <p:spPr>
           <a:xfrm>
             <a:off x="874800" y="343080"/>
-            <a:ext cx="7958880" cy="578520"/>
+            <a:ext cx="7958520" cy="578160"/>
           </a:xfrm>
           <a:prstGeom prst="rect">
             <a:avLst/>
@@ -19425,14 +17727,14 @@
       </p:sp>
       <p:sp>
         <p:nvSpPr>
-          <p:cNvPr id="378" name="CustomShape 2"/>
+          <p:cNvPr id="338" name="CustomShape 2"/>
           <p:cNvSpPr/>
           <p:nvPr/>
         </p:nvSpPr>
         <p:spPr>
           <a:xfrm>
             <a:off x="874800" y="1381680"/>
-            <a:ext cx="3889800" cy="3276000"/>
+            <a:ext cx="3889440" cy="3275640"/>
           </a:xfrm>
           <a:prstGeom prst="rect">
             <a:avLst/>
@@ -19451,14 +17753,14 @@
       </p:sp>
       <p:sp>
         <p:nvSpPr>
-          <p:cNvPr id="379" name="CustomShape 3"/>
+          <p:cNvPr id="339" name="CustomShape 3"/>
           <p:cNvSpPr/>
           <p:nvPr/>
         </p:nvSpPr>
         <p:spPr>
           <a:xfrm>
             <a:off x="874800" y="990360"/>
-            <a:ext cx="3889800" cy="321480"/>
+            <a:ext cx="3889440" cy="321120"/>
           </a:xfrm>
           <a:prstGeom prst="rect">
             <a:avLst/>
@@ -19477,14 +17779,14 @@
       </p:sp>
       <p:sp>
         <p:nvSpPr>
-          <p:cNvPr id="380" name="CustomShape 4"/>
+          <p:cNvPr id="340" name="CustomShape 4"/>
           <p:cNvSpPr/>
           <p:nvPr/>
         </p:nvSpPr>
         <p:spPr>
           <a:xfrm>
             <a:off x="4943520" y="1382400"/>
-            <a:ext cx="3893400" cy="3276000"/>
+            <a:ext cx="3893040" cy="3275640"/>
           </a:xfrm>
           <a:prstGeom prst="rect">
             <a:avLst/>
@@ -19503,14 +17805,14 @@
       </p:sp>
       <p:sp>
         <p:nvSpPr>
-          <p:cNvPr id="381" name="CustomShape 5"/>
+          <p:cNvPr id="341" name="CustomShape 5"/>
           <p:cNvSpPr/>
           <p:nvPr/>
         </p:nvSpPr>
         <p:spPr>
           <a:xfrm>
             <a:off x="4943520" y="990360"/>
-            <a:ext cx="3893400" cy="321480"/>
+            <a:ext cx="3893040" cy="321120"/>
           </a:xfrm>
           <a:prstGeom prst="rect">
             <a:avLst/>
@@ -19529,14 +17831,14 @@
       </p:sp>
       <p:sp>
         <p:nvSpPr>
-          <p:cNvPr id="382" name="CustomShape 6"/>
+          <p:cNvPr id="342" name="CustomShape 6"/>
           <p:cNvSpPr/>
           <p:nvPr/>
         </p:nvSpPr>
         <p:spPr>
           <a:xfrm>
             <a:off x="874800" y="343080"/>
-            <a:ext cx="7958880" cy="578520"/>
+            <a:ext cx="7958520" cy="578160"/>
           </a:xfrm>
           <a:prstGeom prst="rect">
             <a:avLst/>
@@ -19580,14 +17882,14 @@
       </p:sp>
       <p:sp>
         <p:nvSpPr>
-          <p:cNvPr id="383" name="CustomShape 7"/>
+          <p:cNvPr id="343" name="CustomShape 7"/>
           <p:cNvSpPr/>
           <p:nvPr/>
         </p:nvSpPr>
         <p:spPr>
           <a:xfrm>
             <a:off x="822960" y="1188720"/>
-            <a:ext cx="7127280" cy="3137400"/>
+            <a:ext cx="7126920" cy="3137040"/>
           </a:xfrm>
           <a:prstGeom prst="rect">
             <a:avLst/>
@@ -19917,7 +18219,7 @@
                                           </p:stCondLst>
                                         </p:cTn>
                                         <p:tgtEl>
-                                          <p:spTgt spid="383">
+                                          <p:spTgt spid="343">
                                             <p:txEl>
                                               <p:pRg st="1" end="1"/>
                                             </p:txEl>
@@ -19966,7 +18268,7 @@
                                           </p:stCondLst>
                                         </p:cTn>
                                         <p:tgtEl>
-                                          <p:spTgt spid="383">
+                                          <p:spTgt spid="343">
                                             <p:txEl>
                                               <p:pRg st="3" end="3"/>
                                             </p:txEl>
@@ -19997,7 +18299,7 @@
                                           </p:stCondLst>
                                         </p:cTn>
                                         <p:tgtEl>
-                                          <p:spTgt spid="383">
+                                          <p:spTgt spid="343">
                                             <p:txEl>
                                               <p:pRg st="4" end="4"/>
                                             </p:txEl>
@@ -20028,7 +18330,7 @@
                                           </p:stCondLst>
                                         </p:cTn>
                                         <p:tgtEl>
-                                          <p:spTgt spid="383">
+                                          <p:spTgt spid="343">
                                             <p:txEl>
                                               <p:pRg st="5" end="5"/>
                                             </p:txEl>
@@ -20077,7 +18379,7 @@
                                           </p:stCondLst>
                                         </p:cTn>
                                         <p:tgtEl>
-                                          <p:spTgt spid="383">
+                                          <p:spTgt spid="343">
                                             <p:txEl>
                                               <p:pRg st="7" end="7"/>
                                             </p:txEl>
@@ -20108,7 +18410,7 @@
                                           </p:stCondLst>
                                         </p:cTn>
                                         <p:tgtEl>
-                                          <p:spTgt spid="383">
+                                          <p:spTgt spid="343">
                                             <p:txEl>
                                               <p:pRg st="8" end="8"/>
                                             </p:txEl>
@@ -20175,14 +18477,14 @@
       </p:grpSpPr>
       <p:sp>
         <p:nvSpPr>
-          <p:cNvPr id="384" name="CustomShape 1"/>
+          <p:cNvPr id="344" name="CustomShape 1"/>
           <p:cNvSpPr/>
           <p:nvPr/>
         </p:nvSpPr>
         <p:spPr>
           <a:xfrm>
             <a:off x="874800" y="343080"/>
-            <a:ext cx="7958880" cy="578520"/>
+            <a:ext cx="7958520" cy="578160"/>
           </a:xfrm>
           <a:prstGeom prst="rect">
             <a:avLst/>
@@ -20201,14 +18503,14 @@
       </p:sp>
       <p:sp>
         <p:nvSpPr>
-          <p:cNvPr id="385" name="CustomShape 2"/>
+          <p:cNvPr id="345" name="CustomShape 2"/>
           <p:cNvSpPr/>
           <p:nvPr/>
         </p:nvSpPr>
         <p:spPr>
           <a:xfrm>
             <a:off x="874800" y="1381680"/>
-            <a:ext cx="3889800" cy="3276000"/>
+            <a:ext cx="3889440" cy="3275640"/>
           </a:xfrm>
           <a:prstGeom prst="rect">
             <a:avLst/>
@@ -20227,14 +18529,14 @@
       </p:sp>
       <p:sp>
         <p:nvSpPr>
-          <p:cNvPr id="386" name="CustomShape 3"/>
+          <p:cNvPr id="346" name="CustomShape 3"/>
           <p:cNvSpPr/>
           <p:nvPr/>
         </p:nvSpPr>
         <p:spPr>
           <a:xfrm>
             <a:off x="874800" y="990360"/>
-            <a:ext cx="3889800" cy="321480"/>
+            <a:ext cx="3889440" cy="321120"/>
           </a:xfrm>
           <a:prstGeom prst="rect">
             <a:avLst/>
@@ -20253,14 +18555,14 @@
       </p:sp>
       <p:sp>
         <p:nvSpPr>
-          <p:cNvPr id="387" name="CustomShape 4"/>
+          <p:cNvPr id="347" name="CustomShape 4"/>
           <p:cNvSpPr/>
           <p:nvPr/>
         </p:nvSpPr>
         <p:spPr>
           <a:xfrm>
             <a:off x="4943520" y="1382400"/>
-            <a:ext cx="3893400" cy="3276000"/>
+            <a:ext cx="3893040" cy="3275640"/>
           </a:xfrm>
           <a:prstGeom prst="rect">
             <a:avLst/>
@@ -20279,14 +18581,14 @@
       </p:sp>
       <p:sp>
         <p:nvSpPr>
-          <p:cNvPr id="388" name="CustomShape 5"/>
+          <p:cNvPr id="348" name="CustomShape 5"/>
           <p:cNvSpPr/>
           <p:nvPr/>
         </p:nvSpPr>
         <p:spPr>
           <a:xfrm>
             <a:off x="4943520" y="990360"/>
-            <a:ext cx="3893400" cy="321480"/>
+            <a:ext cx="3893040" cy="321120"/>
           </a:xfrm>
           <a:prstGeom prst="rect">
             <a:avLst/>
@@ -20305,14 +18607,14 @@
       </p:sp>
       <p:sp>
         <p:nvSpPr>
-          <p:cNvPr id="389" name="CustomShape 6"/>
+          <p:cNvPr id="349" name="CustomShape 6"/>
           <p:cNvSpPr/>
           <p:nvPr/>
         </p:nvSpPr>
         <p:spPr>
           <a:xfrm>
             <a:off x="874800" y="343080"/>
-            <a:ext cx="7958880" cy="578520"/>
+            <a:ext cx="7958520" cy="578160"/>
           </a:xfrm>
           <a:prstGeom prst="rect">
             <a:avLst/>
@@ -20356,14 +18658,14 @@
       </p:sp>
       <p:sp>
         <p:nvSpPr>
-          <p:cNvPr id="390" name="CustomShape 7"/>
+          <p:cNvPr id="350" name="CustomShape 7"/>
           <p:cNvSpPr/>
           <p:nvPr/>
         </p:nvSpPr>
         <p:spPr>
           <a:xfrm>
             <a:off x="822960" y="1188720"/>
-            <a:ext cx="7127280" cy="2699640"/>
+            <a:ext cx="7126920" cy="2699280"/>
           </a:xfrm>
           <a:prstGeom prst="rect">
             <a:avLst/>
@@ -20563,14 +18865,14 @@
       </p:sp>
       <p:sp>
         <p:nvSpPr>
-          <p:cNvPr id="391" name="CustomShape 8"/>
+          <p:cNvPr id="351" name="CustomShape 8"/>
           <p:cNvSpPr/>
           <p:nvPr/>
         </p:nvSpPr>
         <p:spPr>
           <a:xfrm>
             <a:off x="930960" y="2952000"/>
-            <a:ext cx="397080" cy="212400"/>
+            <a:ext cx="396720" cy="212040"/>
           </a:xfrm>
           <a:custGeom>
             <a:avLst/>
@@ -20666,7 +18968,7 @@
                                           </p:stCondLst>
                                         </p:cTn>
                                         <p:tgtEl>
-                                          <p:spTgt spid="390">
+                                          <p:spTgt spid="350">
                                             <p:txEl>
                                               <p:pRg st="0" end="0"/>
                                             </p:txEl>
@@ -20697,7 +18999,7 @@
                                           </p:stCondLst>
                                         </p:cTn>
                                         <p:tgtEl>
-                                          <p:spTgt spid="390">
+                                          <p:spTgt spid="350">
                                             <p:txEl>
                                               <p:pRg st="2" end="2"/>
                                             </p:txEl>
@@ -20728,7 +19030,7 @@
                                           </p:stCondLst>
                                         </p:cTn>
                                         <p:tgtEl>
-                                          <p:spTgt spid="390">
+                                          <p:spTgt spid="350">
                                             <p:txEl>
                                               <p:pRg st="3" end="3"/>
                                             </p:txEl>
@@ -20777,7 +19079,7 @@
                                           </p:stCondLst>
                                         </p:cTn>
                                         <p:tgtEl>
-                                          <p:spTgt spid="391"/>
+                                          <p:spTgt spid="351"/>
                                         </p:tgtEl>
                                         <p:attrNameLst>
                                           <p:attrName>style.visibility</p:attrName>
@@ -20822,7 +19124,7 @@
                                           </p:stCondLst>
                                         </p:cTn>
                                         <p:tgtEl>
-                                          <p:spTgt spid="390">
+                                          <p:spTgt spid="350">
                                             <p:txEl>
                                               <p:pRg st="5" end="5"/>
                                             </p:txEl>
@@ -20871,7 +19173,7 @@
                                           </p:stCondLst>
                                         </p:cTn>
                                         <p:tgtEl>
-                                          <p:spTgt spid="390">
+                                          <p:spTgt spid="350">
                                             <p:txEl>
                                               <p:pRg st="7" end="7"/>
                                             </p:txEl>
@@ -20902,7 +19204,7 @@
                                           </p:stCondLst>
                                         </p:cTn>
                                         <p:tgtEl>
-                                          <p:spTgt spid="390">
+                                          <p:spTgt spid="350">
                                             <p:txEl>
                                               <p:pRg st="9" end="9"/>
                                             </p:txEl>
@@ -20969,14 +19271,14 @@
       </p:grpSpPr>
       <p:sp>
         <p:nvSpPr>
-          <p:cNvPr id="392" name="CustomShape 1"/>
+          <p:cNvPr id="352" name="CustomShape 1"/>
           <p:cNvSpPr/>
           <p:nvPr/>
         </p:nvSpPr>
         <p:spPr>
           <a:xfrm>
             <a:off x="874800" y="343080"/>
-            <a:ext cx="7958880" cy="578520"/>
+            <a:ext cx="7958520" cy="578160"/>
           </a:xfrm>
           <a:prstGeom prst="rect">
             <a:avLst/>
@@ -20995,14 +19297,14 @@
       </p:sp>
       <p:sp>
         <p:nvSpPr>
-          <p:cNvPr id="393" name="CustomShape 2"/>
+          <p:cNvPr id="353" name="CustomShape 2"/>
           <p:cNvSpPr/>
           <p:nvPr/>
         </p:nvSpPr>
         <p:spPr>
           <a:xfrm>
             <a:off x="874800" y="1381680"/>
-            <a:ext cx="3889800" cy="3276000"/>
+            <a:ext cx="3889440" cy="3275640"/>
           </a:xfrm>
           <a:prstGeom prst="rect">
             <a:avLst/>
@@ -21021,14 +19323,14 @@
       </p:sp>
       <p:sp>
         <p:nvSpPr>
-          <p:cNvPr id="394" name="CustomShape 3"/>
+          <p:cNvPr id="354" name="CustomShape 3"/>
           <p:cNvSpPr/>
           <p:nvPr/>
         </p:nvSpPr>
         <p:spPr>
           <a:xfrm>
             <a:off x="874800" y="990360"/>
-            <a:ext cx="3889800" cy="321480"/>
+            <a:ext cx="3889440" cy="321120"/>
           </a:xfrm>
           <a:prstGeom prst="rect">
             <a:avLst/>
@@ -21047,14 +19349,14 @@
       </p:sp>
       <p:sp>
         <p:nvSpPr>
-          <p:cNvPr id="395" name="CustomShape 4"/>
+          <p:cNvPr id="355" name="CustomShape 4"/>
           <p:cNvSpPr/>
           <p:nvPr/>
         </p:nvSpPr>
         <p:spPr>
           <a:xfrm>
             <a:off x="4943520" y="1382400"/>
-            <a:ext cx="3893400" cy="3276000"/>
+            <a:ext cx="3893040" cy="3275640"/>
           </a:xfrm>
           <a:prstGeom prst="rect">
             <a:avLst/>
@@ -21073,14 +19375,14 @@
       </p:sp>
       <p:sp>
         <p:nvSpPr>
-          <p:cNvPr id="396" name="CustomShape 5"/>
+          <p:cNvPr id="356" name="CustomShape 5"/>
           <p:cNvSpPr/>
           <p:nvPr/>
         </p:nvSpPr>
         <p:spPr>
           <a:xfrm>
             <a:off x="4943520" y="990360"/>
-            <a:ext cx="3893400" cy="321480"/>
+            <a:ext cx="3893040" cy="321120"/>
           </a:xfrm>
           <a:prstGeom prst="rect">
             <a:avLst/>
@@ -21099,14 +19401,14 @@
       </p:sp>
       <p:sp>
         <p:nvSpPr>
-          <p:cNvPr id="397" name="CustomShape 6"/>
+          <p:cNvPr id="357" name="CustomShape 6"/>
           <p:cNvSpPr/>
           <p:nvPr/>
         </p:nvSpPr>
         <p:spPr>
           <a:xfrm>
             <a:off x="874800" y="343080"/>
-            <a:ext cx="7958880" cy="578520"/>
+            <a:ext cx="7958520" cy="578160"/>
           </a:xfrm>
           <a:prstGeom prst="rect">
             <a:avLst/>
@@ -21150,14 +19452,14 @@
       </p:sp>
       <p:sp>
         <p:nvSpPr>
-          <p:cNvPr id="398" name="CustomShape 7"/>
+          <p:cNvPr id="358" name="CustomShape 7"/>
           <p:cNvSpPr/>
           <p:nvPr/>
         </p:nvSpPr>
         <p:spPr>
           <a:xfrm>
             <a:off x="822960" y="1188720"/>
-            <a:ext cx="7127280" cy="2644920"/>
+            <a:ext cx="7126920" cy="2644560"/>
           </a:xfrm>
           <a:prstGeom prst="rect">
             <a:avLst/>
@@ -21395,7 +19697,7 @@
                                           </p:stCondLst>
                                         </p:cTn>
                                         <p:tgtEl>
-                                          <p:spTgt spid="398">
+                                          <p:spTgt spid="358">
                                             <p:txEl>
                                               <p:pRg st="0" end="0"/>
                                             </p:txEl>
@@ -21426,7 +19728,7 @@
                                           </p:stCondLst>
                                         </p:cTn>
                                         <p:tgtEl>
-                                          <p:spTgt spid="398">
+                                          <p:spTgt spid="358">
                                             <p:txEl>
                                               <p:pRg st="2" end="2"/>
                                             </p:txEl>
@@ -21457,7 +19759,7 @@
                                           </p:stCondLst>
                                         </p:cTn>
                                         <p:tgtEl>
-                                          <p:spTgt spid="398">
+                                          <p:spTgt spid="358">
                                             <p:txEl>
                                               <p:pRg st="3" end="3"/>
                                             </p:txEl>
@@ -21506,7 +19808,7 @@
                                           </p:stCondLst>
                                         </p:cTn>
                                         <p:tgtEl>
-                                          <p:spTgt spid="398">
+                                          <p:spTgt spid="358">
                                             <p:txEl>
                                               <p:pRg st="6" end="6"/>
                                             </p:txEl>
@@ -21537,7 +19839,7 @@
                                           </p:stCondLst>
                                         </p:cTn>
                                         <p:tgtEl>
-                                          <p:spTgt spid="398">
+                                          <p:spTgt spid="358">
                                             <p:txEl>
                                               <p:pRg st="8" end="8"/>
                                             </p:txEl>
@@ -21568,7 +19870,7 @@
                                           </p:stCondLst>
                                         </p:cTn>
                                         <p:tgtEl>
-                                          <p:spTgt spid="398">
+                                          <p:spTgt spid="358">
                                             <p:txEl>
                                               <p:pRg st="9" end="9"/>
                                             </p:txEl>
@@ -21635,14 +19937,14 @@
       </p:grpSpPr>
       <p:sp>
         <p:nvSpPr>
-          <p:cNvPr id="399" name="CustomShape 1"/>
+          <p:cNvPr id="359" name="CustomShape 1"/>
           <p:cNvSpPr/>
           <p:nvPr/>
         </p:nvSpPr>
         <p:spPr>
           <a:xfrm>
             <a:off x="874800" y="343080"/>
-            <a:ext cx="7958880" cy="578520"/>
+            <a:ext cx="7958520" cy="578160"/>
           </a:xfrm>
           <a:prstGeom prst="rect">
             <a:avLst/>
@@ -21661,14 +19963,14 @@
       </p:sp>
       <p:sp>
         <p:nvSpPr>
-          <p:cNvPr id="400" name="CustomShape 2"/>
+          <p:cNvPr id="360" name="CustomShape 2"/>
           <p:cNvSpPr/>
           <p:nvPr/>
         </p:nvSpPr>
         <p:spPr>
           <a:xfrm>
             <a:off x="874800" y="1381680"/>
-            <a:ext cx="3889800" cy="3276000"/>
+            <a:ext cx="3889440" cy="3275640"/>
           </a:xfrm>
           <a:prstGeom prst="rect">
             <a:avLst/>
@@ -21687,14 +19989,14 @@
       </p:sp>
       <p:sp>
         <p:nvSpPr>
-          <p:cNvPr id="401" name="CustomShape 3"/>
+          <p:cNvPr id="361" name="CustomShape 3"/>
           <p:cNvSpPr/>
           <p:nvPr/>
         </p:nvSpPr>
         <p:spPr>
           <a:xfrm>
             <a:off x="874800" y="990360"/>
-            <a:ext cx="3889800" cy="321480"/>
+            <a:ext cx="3889440" cy="321120"/>
           </a:xfrm>
           <a:prstGeom prst="rect">
             <a:avLst/>
@@ -21713,14 +20015,14 @@
       </p:sp>
       <p:sp>
         <p:nvSpPr>
-          <p:cNvPr id="402" name="CustomShape 4"/>
+          <p:cNvPr id="362" name="CustomShape 4"/>
           <p:cNvSpPr/>
           <p:nvPr/>
         </p:nvSpPr>
         <p:spPr>
           <a:xfrm>
             <a:off x="4943520" y="1382400"/>
-            <a:ext cx="3893400" cy="3276000"/>
+            <a:ext cx="3893040" cy="3275640"/>
           </a:xfrm>
           <a:prstGeom prst="rect">
             <a:avLst/>
@@ -21739,14 +20041,14 @@
       </p:sp>
       <p:sp>
         <p:nvSpPr>
-          <p:cNvPr id="403" name="CustomShape 5"/>
+          <p:cNvPr id="363" name="CustomShape 5"/>
           <p:cNvSpPr/>
           <p:nvPr/>
         </p:nvSpPr>
         <p:spPr>
           <a:xfrm>
             <a:off x="4943520" y="990360"/>
-            <a:ext cx="3893400" cy="321480"/>
+            <a:ext cx="3893040" cy="321120"/>
           </a:xfrm>
           <a:prstGeom prst="rect">
             <a:avLst/>
@@ -21765,14 +20067,14 @@
       </p:sp>
       <p:sp>
         <p:nvSpPr>
-          <p:cNvPr id="404" name="CustomShape 6"/>
+          <p:cNvPr id="364" name="CustomShape 6"/>
           <p:cNvSpPr/>
           <p:nvPr/>
         </p:nvSpPr>
         <p:spPr>
           <a:xfrm>
             <a:off x="874800" y="343080"/>
-            <a:ext cx="7958880" cy="578520"/>
+            <a:ext cx="7958520" cy="578160"/>
           </a:xfrm>
           <a:prstGeom prst="rect">
             <a:avLst/>
@@ -21816,14 +20118,14 @@
       </p:sp>
       <p:sp>
         <p:nvSpPr>
-          <p:cNvPr id="405" name="CustomShape 7"/>
+          <p:cNvPr id="365" name="CustomShape 7"/>
           <p:cNvSpPr/>
           <p:nvPr/>
         </p:nvSpPr>
         <p:spPr>
           <a:xfrm>
             <a:off x="822960" y="1188720"/>
-            <a:ext cx="7127280" cy="1877040"/>
+            <a:ext cx="7126920" cy="1876680"/>
           </a:xfrm>
           <a:prstGeom prst="rect">
             <a:avLst/>
@@ -22077,14 +20379,14 @@
       </p:sp>
       <p:sp>
         <p:nvSpPr>
-          <p:cNvPr id="406" name="CustomShape 8"/>
+          <p:cNvPr id="366" name="CustomShape 8"/>
           <p:cNvSpPr/>
           <p:nvPr/>
         </p:nvSpPr>
         <p:spPr>
           <a:xfrm>
             <a:off x="1008000" y="3456000"/>
-            <a:ext cx="561240" cy="212040"/>
+            <a:ext cx="560880" cy="211680"/>
           </a:xfrm>
           <a:custGeom>
             <a:avLst/>
@@ -22138,14 +20440,14 @@
       </p:sp>
       <p:sp>
         <p:nvSpPr>
-          <p:cNvPr id="407" name="CustomShape 9"/>
+          <p:cNvPr id="367" name="CustomShape 9"/>
           <p:cNvSpPr/>
           <p:nvPr/>
         </p:nvSpPr>
         <p:spPr>
           <a:xfrm>
             <a:off x="1728000" y="3384000"/>
-            <a:ext cx="4028400" cy="342720"/>
+            <a:ext cx="4028040" cy="342360"/>
           </a:xfrm>
           <a:prstGeom prst="rect">
             <a:avLst/>
@@ -22219,14 +20521,14 @@
       </p:grpSpPr>
       <p:sp>
         <p:nvSpPr>
-          <p:cNvPr id="408" name="CustomShape 1"/>
+          <p:cNvPr id="368" name="CustomShape 1"/>
           <p:cNvSpPr/>
           <p:nvPr/>
         </p:nvSpPr>
         <p:spPr>
           <a:xfrm>
             <a:off x="874800" y="343080"/>
-            <a:ext cx="7958880" cy="578520"/>
+            <a:ext cx="7958520" cy="578160"/>
           </a:xfrm>
           <a:prstGeom prst="rect">
             <a:avLst/>
@@ -22245,14 +20547,14 @@
       </p:sp>
       <p:sp>
         <p:nvSpPr>
-          <p:cNvPr id="409" name="CustomShape 2"/>
+          <p:cNvPr id="369" name="CustomShape 2"/>
           <p:cNvSpPr/>
           <p:nvPr/>
         </p:nvSpPr>
         <p:spPr>
           <a:xfrm>
             <a:off x="874800" y="1381680"/>
-            <a:ext cx="3889800" cy="3276000"/>
+            <a:ext cx="3889440" cy="3275640"/>
           </a:xfrm>
           <a:prstGeom prst="rect">
             <a:avLst/>
@@ -22271,14 +20573,14 @@
       </p:sp>
       <p:sp>
         <p:nvSpPr>
-          <p:cNvPr id="410" name="CustomShape 3"/>
+          <p:cNvPr id="370" name="CustomShape 3"/>
           <p:cNvSpPr/>
           <p:nvPr/>
         </p:nvSpPr>
         <p:spPr>
           <a:xfrm>
             <a:off x="874800" y="990360"/>
-            <a:ext cx="3889800" cy="321480"/>
+            <a:ext cx="3889440" cy="321120"/>
           </a:xfrm>
           <a:prstGeom prst="rect">
             <a:avLst/>
@@ -22297,14 +20599,14 @@
       </p:sp>
       <p:sp>
         <p:nvSpPr>
-          <p:cNvPr id="411" name="CustomShape 4"/>
+          <p:cNvPr id="371" name="CustomShape 4"/>
           <p:cNvSpPr/>
           <p:nvPr/>
         </p:nvSpPr>
         <p:spPr>
           <a:xfrm>
             <a:off x="4943520" y="1382400"/>
-            <a:ext cx="3893400" cy="3276000"/>
+            <a:ext cx="3893040" cy="3275640"/>
           </a:xfrm>
           <a:prstGeom prst="rect">
             <a:avLst/>
@@ -22323,14 +20625,14 @@
       </p:sp>
       <p:sp>
         <p:nvSpPr>
-          <p:cNvPr id="412" name="CustomShape 5"/>
+          <p:cNvPr id="372" name="CustomShape 5"/>
           <p:cNvSpPr/>
           <p:nvPr/>
         </p:nvSpPr>
         <p:spPr>
           <a:xfrm>
             <a:off x="4943520" y="990360"/>
-            <a:ext cx="3893400" cy="321480"/>
+            <a:ext cx="3893040" cy="321120"/>
           </a:xfrm>
           <a:prstGeom prst="rect">
             <a:avLst/>
@@ -22349,14 +20651,14 @@
       </p:sp>
       <p:sp>
         <p:nvSpPr>
-          <p:cNvPr id="413" name="CustomShape 6"/>
+          <p:cNvPr id="373" name="CustomShape 6"/>
           <p:cNvSpPr/>
           <p:nvPr/>
         </p:nvSpPr>
         <p:spPr>
           <a:xfrm>
             <a:off x="874800" y="343080"/>
-            <a:ext cx="7958880" cy="578520"/>
+            <a:ext cx="7958520" cy="578160"/>
           </a:xfrm>
           <a:prstGeom prst="rect">
             <a:avLst/>
@@ -22400,14 +20702,14 @@
       </p:sp>
       <p:sp>
         <p:nvSpPr>
-          <p:cNvPr id="414" name="CustomShape 7"/>
+          <p:cNvPr id="374" name="CustomShape 7"/>
           <p:cNvSpPr/>
           <p:nvPr/>
         </p:nvSpPr>
         <p:spPr>
           <a:xfrm>
             <a:off x="1728000" y="3384000"/>
-            <a:ext cx="4028400" cy="342720"/>
+            <a:ext cx="4028040" cy="342360"/>
           </a:xfrm>
           <a:prstGeom prst="rect">
             <a:avLst/>
@@ -22426,7 +20728,7 @@
       </p:sp>
       <p:pic>
         <p:nvPicPr>
-          <p:cNvPr id="415" name="Picture 2" descr="D:\Schule\BWP\metzgerei.png"/>
+          <p:cNvPr id="375" name="Picture 2" descr="D:\Schule\BWP\metzgerei.png"/>
           <p:cNvPicPr/>
           <p:nvPr/>
         </p:nvPicPr>
@@ -22437,7 +20739,7 @@
         <p:spPr>
           <a:xfrm>
             <a:off x="960840" y="792000"/>
-            <a:ext cx="6310800" cy="3785400"/>
+            <a:ext cx="6310440" cy="3785040"/>
           </a:xfrm>
           <a:prstGeom prst="rect">
             <a:avLst/>
@@ -22479,14 +20781,14 @@
       </p:grpSpPr>
       <p:sp>
         <p:nvSpPr>
-          <p:cNvPr id="416" name="CustomShape 1"/>
+          <p:cNvPr id="376" name="CustomShape 1"/>
           <p:cNvSpPr/>
           <p:nvPr/>
         </p:nvSpPr>
         <p:spPr>
           <a:xfrm>
             <a:off x="0" y="1200960"/>
-            <a:ext cx="9285840" cy="2558520"/>
+            <a:ext cx="9285480" cy="2558520"/>
           </a:xfrm>
           <a:prstGeom prst="rect">
             <a:avLst/>
@@ -22537,7 +20839,7 @@
             </a:endParaRPr>
           </a:p>
           <a:p>
-            <a:pPr marL="216000" indent="-215280">
+            <a:pPr marL="216000" indent="-214920">
               <a:lnSpc>
                 <a:spcPct val="100000"/>
               </a:lnSpc>
@@ -22582,7 +20884,7 @@
             </a:endParaRPr>
           </a:p>
           <a:p>
-            <a:pPr marL="216000" indent="-215280">
+            <a:pPr marL="216000" indent="-214920">
               <a:lnSpc>
                 <a:spcPct val="100000"/>
               </a:lnSpc>
@@ -22627,7 +20929,7 @@
             </a:endParaRPr>
           </a:p>
           <a:p>
-            <a:pPr marL="216000" indent="-215280">
+            <a:pPr marL="216000" indent="-214920">
               <a:lnSpc>
                 <a:spcPct val="100000"/>
               </a:lnSpc>
@@ -22672,7 +20974,7 @@
             </a:endParaRPr>
           </a:p>
           <a:p>
-            <a:pPr marL="216000" indent="-215280">
+            <a:pPr marL="216000" indent="-214920">
               <a:lnSpc>
                 <a:spcPct val="100000"/>
               </a:lnSpc>
@@ -22710,7 +21012,7 @@
       </p:sp>
       <p:pic>
         <p:nvPicPr>
-          <p:cNvPr id="417" name="Picture 2" descr="D:\Schule\BWP\metzgerei.png"/>
+          <p:cNvPr id="377" name="Picture 2" descr="D:\Schule\BWP\metzgerei.png"/>
           <p:cNvPicPr/>
           <p:nvPr/>
         </p:nvPicPr>
@@ -22721,7 +21023,7 @@
         <p:spPr>
           <a:xfrm>
             <a:off x="7429680" y="142920"/>
-            <a:ext cx="1595880" cy="956880"/>
+            <a:ext cx="1595520" cy="956520"/>
           </a:xfrm>
           <a:prstGeom prst="rect">
             <a:avLst/>
@@ -22775,7 +21077,7 @@
                                           </p:stCondLst>
                                         </p:cTn>
                                         <p:tgtEl>
-                                          <p:spTgt spid="416">
+                                          <p:spTgt spid="376">
                                             <p:txEl>
                                               <p:pRg st="0" end="0"/>
                                             </p:txEl>
@@ -22824,7 +21126,7 @@
                                           </p:stCondLst>
                                         </p:cTn>
                                         <p:tgtEl>
-                                          <p:spTgt spid="416">
+                                          <p:spTgt spid="376">
                                             <p:txEl>
                                               <p:pRg st="2" end="2"/>
                                             </p:txEl>
@@ -22873,7 +21175,7 @@
                                           </p:stCondLst>
                                         </p:cTn>
                                         <p:tgtEl>
-                                          <p:spTgt spid="416">
+                                          <p:spTgt spid="376">
                                             <p:txEl>
                                               <p:pRg st="4" end="4"/>
                                             </p:txEl>
@@ -22922,7 +21224,7 @@
                                           </p:stCondLst>
                                         </p:cTn>
                                         <p:tgtEl>
-                                          <p:spTgt spid="416">
+                                          <p:spTgt spid="376">
                                             <p:txEl>
                                               <p:pRg st="6" end="6"/>
                                             </p:txEl>
@@ -22971,7 +21273,7 @@
                                           </p:stCondLst>
                                         </p:cTn>
                                         <p:tgtEl>
-                                          <p:spTgt spid="416">
+                                          <p:spTgt spid="376">
                                             <p:txEl>
                                               <p:pRg st="8" end="8"/>
                                             </p:txEl>
@@ -23038,14 +21340,14 @@
       </p:grpSpPr>
       <p:sp>
         <p:nvSpPr>
-          <p:cNvPr id="418" name="CustomShape 1"/>
+          <p:cNvPr id="378" name="CustomShape 1"/>
           <p:cNvSpPr/>
           <p:nvPr/>
         </p:nvSpPr>
         <p:spPr>
           <a:xfrm>
             <a:off x="0" y="1200960"/>
-            <a:ext cx="9142920" cy="2558520"/>
+            <a:ext cx="9142560" cy="2558520"/>
           </a:xfrm>
           <a:prstGeom prst="rect">
             <a:avLst/>
@@ -23066,7 +21368,7 @@
             <a:spAutoFit/>
           </a:bodyPr>
           <a:p>
-            <a:pPr marL="216000" indent="-215280">
+            <a:pPr marL="216000" indent="-214920">
               <a:lnSpc>
                 <a:spcPct val="100000"/>
               </a:lnSpc>
@@ -23111,7 +21413,7 @@
             </a:endParaRPr>
           </a:p>
           <a:p>
-            <a:pPr marL="216000" indent="-215280">
+            <a:pPr marL="216000" indent="-214920">
               <a:lnSpc>
                 <a:spcPct val="100000"/>
               </a:lnSpc>
@@ -23156,7 +21458,7 @@
             </a:endParaRPr>
           </a:p>
           <a:p>
-            <a:pPr marL="216000" indent="-215280">
+            <a:pPr marL="216000" indent="-214920">
               <a:lnSpc>
                 <a:spcPct val="100000"/>
               </a:lnSpc>
@@ -23201,7 +21503,7 @@
             </a:endParaRPr>
           </a:p>
           <a:p>
-            <a:pPr marL="216000" indent="-215280">
+            <a:pPr marL="216000" indent="-214920">
               <a:lnSpc>
                 <a:spcPct val="100000"/>
               </a:lnSpc>
@@ -23246,7 +21548,7 @@
             </a:endParaRPr>
           </a:p>
           <a:p>
-            <a:pPr marL="216000" indent="-215280">
+            <a:pPr marL="216000" indent="-214920">
               <a:lnSpc>
                 <a:spcPct val="100000"/>
               </a:lnSpc>
@@ -23284,7 +21586,7 @@
       </p:sp>
       <p:pic>
         <p:nvPicPr>
-          <p:cNvPr id="419" name="Picture 2" descr="D:\Schule\BWP\metzgerei.png"/>
+          <p:cNvPr id="379" name="Picture 2" descr="D:\Schule\BWP\metzgerei.png"/>
           <p:cNvPicPr/>
           <p:nvPr/>
         </p:nvPicPr>
@@ -23295,7 +21597,7 @@
         <p:spPr>
           <a:xfrm>
             <a:off x="7429680" y="142920"/>
-            <a:ext cx="1595880" cy="956880"/>
+            <a:ext cx="1595520" cy="956520"/>
           </a:xfrm>
           <a:prstGeom prst="rect">
             <a:avLst/>
@@ -23349,7 +21651,7 @@
                                           </p:stCondLst>
                                         </p:cTn>
                                         <p:tgtEl>
-                                          <p:spTgt spid="418">
+                                          <p:spTgt spid="378">
                                             <p:txEl>
                                               <p:pRg st="0" end="0"/>
                                             </p:txEl>
@@ -23398,7 +21700,7 @@
                                           </p:stCondLst>
                                         </p:cTn>
                                         <p:tgtEl>
-                                          <p:spTgt spid="418">
+                                          <p:spTgt spid="378">
                                             <p:txEl>
                                               <p:pRg st="2" end="2"/>
                                             </p:txEl>
@@ -23447,7 +21749,7 @@
                                           </p:stCondLst>
                                         </p:cTn>
                                         <p:tgtEl>
-                                          <p:spTgt spid="418">
+                                          <p:spTgt spid="378">
                                             <p:txEl>
                                               <p:pRg st="4" end="4"/>
                                             </p:txEl>
@@ -23496,7 +21798,7 @@
                                           </p:stCondLst>
                                         </p:cTn>
                                         <p:tgtEl>
-                                          <p:spTgt spid="418">
+                                          <p:spTgt spid="378">
                                             <p:txEl>
                                               <p:pRg st="6" end="6"/>
                                             </p:txEl>
@@ -23545,7 +21847,7 @@
                                           </p:stCondLst>
                                         </p:cTn>
                                         <p:tgtEl>
-                                          <p:spTgt spid="418">
+                                          <p:spTgt spid="378">
                                             <p:txEl>
                                               <p:pRg st="8" end="8"/>
                                             </p:txEl>
@@ -23612,14 +21914,14 @@
       </p:grpSpPr>
       <p:sp>
         <p:nvSpPr>
-          <p:cNvPr id="420" name="CustomShape 1"/>
+          <p:cNvPr id="380" name="CustomShape 1"/>
           <p:cNvSpPr/>
           <p:nvPr/>
         </p:nvSpPr>
         <p:spPr>
           <a:xfrm>
             <a:off x="0" y="1071720"/>
-            <a:ext cx="9142920" cy="1735560"/>
+            <a:ext cx="9142560" cy="1735560"/>
           </a:xfrm>
           <a:prstGeom prst="rect">
             <a:avLst/>
@@ -23763,14 +22065,14 @@
       </p:sp>
       <p:sp>
         <p:nvSpPr>
-          <p:cNvPr id="421" name="CustomShape 2"/>
+          <p:cNvPr id="381" name="CustomShape 2"/>
           <p:cNvSpPr/>
           <p:nvPr/>
         </p:nvSpPr>
         <p:spPr>
           <a:xfrm>
             <a:off x="0" y="2857680"/>
-            <a:ext cx="9142920" cy="2009880"/>
+            <a:ext cx="9142560" cy="2009880"/>
           </a:xfrm>
           <a:prstGeom prst="rect">
             <a:avLst/>
@@ -23904,7 +22206,7 @@
       </p:sp>
       <p:pic>
         <p:nvPicPr>
-          <p:cNvPr id="422" name="Picture 2" descr="D:\Schule\BWP\metzgerei.png"/>
+          <p:cNvPr id="382" name="Picture 2" descr="D:\Schule\BWP\metzgerei.png"/>
           <p:cNvPicPr/>
           <p:nvPr/>
         </p:nvPicPr>
@@ -23915,7 +22217,7 @@
         <p:spPr>
           <a:xfrm>
             <a:off x="7429680" y="142920"/>
-            <a:ext cx="1595880" cy="956880"/>
+            <a:ext cx="1595520" cy="956520"/>
           </a:xfrm>
           <a:prstGeom prst="rect">
             <a:avLst/>
@@ -23969,7 +22271,7 @@
                                           </p:stCondLst>
                                         </p:cTn>
                                         <p:tgtEl>
-                                          <p:spTgt spid="420"/>
+                                          <p:spTgt spid="380"/>
                                         </p:tgtEl>
                                         <p:attrNameLst>
                                           <p:attrName>style.visibility</p:attrName>
@@ -24014,7 +22316,7 @@
                                           </p:stCondLst>
                                         </p:cTn>
                                         <p:tgtEl>
-                                          <p:spTgt spid="421"/>
+                                          <p:spTgt spid="381"/>
                                         </p:tgtEl>
                                         <p:attrNameLst>
                                           <p:attrName>style.visibility</p:attrName>
@@ -24077,14 +22379,14 @@
       </p:grpSpPr>
       <p:sp>
         <p:nvSpPr>
-          <p:cNvPr id="292" name="CustomShape 1"/>
+          <p:cNvPr id="252" name="CustomShape 1"/>
           <p:cNvSpPr/>
           <p:nvPr/>
         </p:nvSpPr>
         <p:spPr>
           <a:xfrm>
             <a:off x="874800" y="343080"/>
-            <a:ext cx="7961040" cy="580680"/>
+            <a:ext cx="7960680" cy="580320"/>
           </a:xfrm>
           <a:prstGeom prst="rect">
             <a:avLst/>
@@ -24128,14 +22430,14 @@
       </p:sp>
       <p:sp>
         <p:nvSpPr>
-          <p:cNvPr id="293" name="CustomShape 2"/>
+          <p:cNvPr id="253" name="CustomShape 2"/>
           <p:cNvSpPr/>
           <p:nvPr/>
         </p:nvSpPr>
         <p:spPr>
           <a:xfrm>
             <a:off x="874800" y="937080"/>
-            <a:ext cx="7961040" cy="436680"/>
+            <a:ext cx="7960680" cy="436320"/>
           </a:xfrm>
           <a:prstGeom prst="rect">
             <a:avLst/>
@@ -24182,14 +22484,14 @@
       </p:sp>
       <p:sp>
         <p:nvSpPr>
-          <p:cNvPr id="294" name="CustomShape 3"/>
+          <p:cNvPr id="254" name="CustomShape 3"/>
           <p:cNvSpPr/>
           <p:nvPr/>
         </p:nvSpPr>
         <p:spPr>
           <a:xfrm>
             <a:off x="874800" y="1428480"/>
-            <a:ext cx="7961040" cy="3179520"/>
+            <a:ext cx="7960680" cy="3179160"/>
           </a:xfrm>
           <a:prstGeom prst="rect">
             <a:avLst/>
@@ -24407,7 +22709,7 @@
       </p:grpSpPr>
       <p:pic>
         <p:nvPicPr>
-          <p:cNvPr id="423" name="Picture 2" descr="D:\Schule\BWP\metzgerei.png"/>
+          <p:cNvPr id="383" name="Picture 2" descr="D:\Schule\BWP\metzgerei.png"/>
           <p:cNvPicPr/>
           <p:nvPr/>
         </p:nvPicPr>
@@ -24418,7 +22720,7 @@
         <p:spPr>
           <a:xfrm>
             <a:off x="7429680" y="142920"/>
-            <a:ext cx="1595880" cy="956880"/>
+            <a:ext cx="1595520" cy="956520"/>
           </a:xfrm>
           <a:prstGeom prst="rect">
             <a:avLst/>
@@ -24430,14 +22732,14 @@
       </p:pic>
       <p:sp>
         <p:nvSpPr>
-          <p:cNvPr id="424" name="CustomShape 1"/>
+          <p:cNvPr id="384" name="CustomShape 1"/>
           <p:cNvSpPr/>
           <p:nvPr/>
         </p:nvSpPr>
         <p:spPr>
           <a:xfrm>
             <a:off x="0" y="1071720"/>
-            <a:ext cx="7129440" cy="2701800"/>
+            <a:ext cx="7129080" cy="2701440"/>
           </a:xfrm>
           <a:prstGeom prst="rect">
             <a:avLst/>
@@ -24679,7 +22981,7 @@
                                           </p:stCondLst>
                                         </p:cTn>
                                         <p:tgtEl>
-                                          <p:spTgt spid="424">
+                                          <p:spTgt spid="384">
                                             <p:txEl>
                                               <p:pRg st="0" end="0"/>
                                             </p:txEl>
@@ -24710,7 +23012,7 @@
                                           </p:stCondLst>
                                         </p:cTn>
                                         <p:tgtEl>
-                                          <p:spTgt spid="424">
+                                          <p:spTgt spid="384">
                                             <p:txEl>
                                               <p:pRg st="2" end="2"/>
                                             </p:txEl>
@@ -24741,7 +23043,7 @@
                                           </p:stCondLst>
                                         </p:cTn>
                                         <p:tgtEl>
-                                          <p:spTgt spid="424">
+                                          <p:spTgt spid="384">
                                             <p:txEl>
                                               <p:pRg st="3" end="3"/>
                                             </p:txEl>
@@ -24790,7 +23092,7 @@
                                           </p:stCondLst>
                                         </p:cTn>
                                         <p:tgtEl>
-                                          <p:spTgt spid="424">
+                                          <p:spTgt spid="384">
                                             <p:txEl>
                                               <p:pRg st="5" end="5"/>
                                             </p:txEl>
@@ -24839,7 +23141,7 @@
                                           </p:stCondLst>
                                         </p:cTn>
                                         <p:tgtEl>
-                                          <p:spTgt spid="424">
+                                          <p:spTgt spid="384">
                                             <p:txEl>
                                               <p:pRg st="7" end="7"/>
                                             </p:txEl>
@@ -24870,7 +23172,7 @@
                                           </p:stCondLst>
                                         </p:cTn>
                                         <p:tgtEl>
-                                          <p:spTgt spid="424">
+                                          <p:spTgt spid="384">
                                             <p:txEl>
                                               <p:pRg st="9" end="9"/>
                                             </p:txEl>
@@ -24937,7 +23239,7 @@
       </p:grpSpPr>
       <p:pic>
         <p:nvPicPr>
-          <p:cNvPr id="425" name="Picture 2" descr="D:\Schule\BWP\metzgerei.png"/>
+          <p:cNvPr id="385" name="Picture 2" descr="D:\Schule\BWP\metzgerei.png"/>
           <p:cNvPicPr/>
           <p:nvPr/>
         </p:nvPicPr>
@@ -24948,7 +23250,7 @@
         <p:spPr>
           <a:xfrm>
             <a:off x="7429680" y="142920"/>
-            <a:ext cx="1595880" cy="956880"/>
+            <a:ext cx="1595520" cy="956520"/>
           </a:xfrm>
           <a:prstGeom prst="rect">
             <a:avLst/>
@@ -24960,14 +23262,14 @@
       </p:pic>
       <p:sp>
         <p:nvSpPr>
-          <p:cNvPr id="426" name="CustomShape 1"/>
+          <p:cNvPr id="386" name="CustomShape 1"/>
           <p:cNvSpPr/>
           <p:nvPr/>
         </p:nvSpPr>
         <p:spPr>
           <a:xfrm>
             <a:off x="0" y="1066680"/>
-            <a:ext cx="8928720" cy="2647080"/>
+            <a:ext cx="8928360" cy="2646720"/>
           </a:xfrm>
           <a:prstGeom prst="rect">
             <a:avLst/>
@@ -25202,7 +23504,7 @@
                                           </p:stCondLst>
                                         </p:cTn>
                                         <p:tgtEl>
-                                          <p:spTgt spid="426">
+                                          <p:spTgt spid="386">
                                             <p:txEl>
                                               <p:pRg st="0" end="0"/>
                                             </p:txEl>
@@ -25233,7 +23535,7 @@
                                           </p:stCondLst>
                                         </p:cTn>
                                         <p:tgtEl>
-                                          <p:spTgt spid="426">
+                                          <p:spTgt spid="386">
                                             <p:txEl>
                                               <p:pRg st="2" end="2"/>
                                             </p:txEl>
@@ -25264,7 +23566,7 @@
                                           </p:stCondLst>
                                         </p:cTn>
                                         <p:tgtEl>
-                                          <p:spTgt spid="426">
+                                          <p:spTgt spid="386">
                                             <p:txEl>
                                               <p:pRg st="3" end="3"/>
                                             </p:txEl>
@@ -25313,7 +23615,7 @@
                                           </p:stCondLst>
                                         </p:cTn>
                                         <p:tgtEl>
-                                          <p:spTgt spid="426">
+                                          <p:spTgt spid="386">
                                             <p:txEl>
                                               <p:pRg st="6" end="6"/>
                                             </p:txEl>
@@ -25344,7 +23646,7 @@
                                           </p:stCondLst>
                                         </p:cTn>
                                         <p:tgtEl>
-                                          <p:spTgt spid="426">
+                                          <p:spTgt spid="386">
                                             <p:txEl>
                                               <p:pRg st="8" end="8"/>
                                             </p:txEl>
@@ -25375,7 +23677,7 @@
                                           </p:stCondLst>
                                         </p:cTn>
                                         <p:tgtEl>
-                                          <p:spTgt spid="426">
+                                          <p:spTgt spid="386">
                                             <p:txEl>
                                               <p:pRg st="9" end="9"/>
                                             </p:txEl>
@@ -25442,14 +23744,14 @@
       </p:grpSpPr>
       <p:sp>
         <p:nvSpPr>
-          <p:cNvPr id="427" name="CustomShape 1"/>
+          <p:cNvPr id="387" name="CustomShape 1"/>
           <p:cNvSpPr/>
           <p:nvPr/>
         </p:nvSpPr>
         <p:spPr>
           <a:xfrm>
             <a:off x="874800" y="343080"/>
-            <a:ext cx="7961040" cy="580680"/>
+            <a:ext cx="7960680" cy="580320"/>
           </a:xfrm>
           <a:prstGeom prst="rect">
             <a:avLst/>
@@ -25468,14 +23770,14 @@
       </p:sp>
       <p:sp>
         <p:nvSpPr>
-          <p:cNvPr id="428" name="CustomShape 2"/>
+          <p:cNvPr id="388" name="CustomShape 2"/>
           <p:cNvSpPr/>
           <p:nvPr/>
         </p:nvSpPr>
         <p:spPr>
           <a:xfrm>
             <a:off x="874800" y="1381680"/>
-            <a:ext cx="3891960" cy="3278160"/>
+            <a:ext cx="3891600" cy="3277800"/>
           </a:xfrm>
           <a:prstGeom prst="rect">
             <a:avLst/>
@@ -25494,14 +23796,14 @@
       </p:sp>
       <p:sp>
         <p:nvSpPr>
-          <p:cNvPr id="429" name="CustomShape 3"/>
+          <p:cNvPr id="389" name="CustomShape 3"/>
           <p:cNvSpPr/>
           <p:nvPr/>
         </p:nvSpPr>
         <p:spPr>
           <a:xfrm>
             <a:off x="4943520" y="1382400"/>
-            <a:ext cx="3895560" cy="3278160"/>
+            <a:ext cx="3895200" cy="3277800"/>
           </a:xfrm>
           <a:prstGeom prst="rect">
             <a:avLst/>
@@ -25520,14 +23822,14 @@
       </p:sp>
       <p:sp>
         <p:nvSpPr>
-          <p:cNvPr id="430" name="CustomShape 4"/>
+          <p:cNvPr id="390" name="CustomShape 4"/>
           <p:cNvSpPr/>
           <p:nvPr/>
         </p:nvSpPr>
         <p:spPr>
           <a:xfrm>
             <a:off x="4943520" y="990360"/>
-            <a:ext cx="3895560" cy="323640"/>
+            <a:ext cx="3895200" cy="323280"/>
           </a:xfrm>
           <a:prstGeom prst="rect">
             <a:avLst/>
@@ -25546,14 +23848,14 @@
       </p:sp>
       <p:sp>
         <p:nvSpPr>
-          <p:cNvPr id="431" name="CustomShape 5"/>
+          <p:cNvPr id="391" name="CustomShape 5"/>
           <p:cNvSpPr/>
           <p:nvPr/>
         </p:nvSpPr>
         <p:spPr>
           <a:xfrm>
             <a:off x="571320" y="214200"/>
-            <a:ext cx="7961040" cy="580680"/>
+            <a:ext cx="7960680" cy="580320"/>
           </a:xfrm>
           <a:prstGeom prst="rect">
             <a:avLst/>
@@ -25597,14 +23899,14 @@
       </p:sp>
       <p:sp>
         <p:nvSpPr>
-          <p:cNvPr id="432" name="CustomShape 6"/>
+          <p:cNvPr id="392" name="CustomShape 6"/>
           <p:cNvSpPr/>
           <p:nvPr/>
         </p:nvSpPr>
         <p:spPr>
           <a:xfrm>
             <a:off x="0" y="853560"/>
-            <a:ext cx="9000000" cy="1522080"/>
+            <a:ext cx="8999640" cy="1521720"/>
           </a:xfrm>
           <a:prstGeom prst="rect">
             <a:avLst/>
@@ -26088,14 +24390,14 @@
       </p:grpSpPr>
       <p:sp>
         <p:nvSpPr>
-          <p:cNvPr id="295" name="CustomShape 1"/>
+          <p:cNvPr id="255" name="CustomShape 1"/>
           <p:cNvSpPr/>
           <p:nvPr/>
         </p:nvSpPr>
         <p:spPr>
           <a:xfrm>
             <a:off x="874800" y="343080"/>
-            <a:ext cx="7963200" cy="582840"/>
+            <a:ext cx="7962840" cy="582480"/>
           </a:xfrm>
           <a:prstGeom prst="rect">
             <a:avLst/>
@@ -26114,14 +24416,14 @@
       </p:sp>
       <p:sp>
         <p:nvSpPr>
-          <p:cNvPr id="296" name="CustomShape 2"/>
+          <p:cNvPr id="256" name="CustomShape 2"/>
           <p:cNvSpPr/>
           <p:nvPr/>
         </p:nvSpPr>
         <p:spPr>
           <a:xfrm>
             <a:off x="874800" y="937080"/>
-            <a:ext cx="7963200" cy="438840"/>
+            <a:ext cx="7962840" cy="438480"/>
           </a:xfrm>
           <a:prstGeom prst="rect">
             <a:avLst/>
@@ -26140,14 +24442,14 @@
       </p:sp>
       <p:sp>
         <p:nvSpPr>
-          <p:cNvPr id="297" name="CustomShape 3"/>
+          <p:cNvPr id="257" name="CustomShape 3"/>
           <p:cNvSpPr/>
           <p:nvPr/>
         </p:nvSpPr>
         <p:spPr>
           <a:xfrm>
             <a:off x="874800" y="1428480"/>
-            <a:ext cx="7963200" cy="3181680"/>
+            <a:ext cx="7962840" cy="3181320"/>
           </a:xfrm>
           <a:prstGeom prst="rect">
             <a:avLst/>
@@ -26166,14 +24468,14 @@
       </p:sp>
       <p:sp>
         <p:nvSpPr>
-          <p:cNvPr id="298" name="CustomShape 4"/>
+          <p:cNvPr id="258" name="CustomShape 4"/>
           <p:cNvSpPr/>
           <p:nvPr/>
         </p:nvSpPr>
         <p:spPr>
           <a:xfrm>
             <a:off x="457200" y="205200"/>
-            <a:ext cx="8227800" cy="857160"/>
+            <a:ext cx="8227440" cy="856800"/>
           </a:xfrm>
           <a:prstGeom prst="rect">
             <a:avLst/>
@@ -26217,14 +24519,14 @@
       </p:sp>
       <p:sp>
         <p:nvSpPr>
-          <p:cNvPr id="299" name="CustomShape 5"/>
+          <p:cNvPr id="259" name="CustomShape 5"/>
           <p:cNvSpPr/>
           <p:nvPr/>
         </p:nvSpPr>
         <p:spPr>
           <a:xfrm>
             <a:off x="457560" y="1728000"/>
-            <a:ext cx="8613000" cy="1078560"/>
+            <a:ext cx="8612640" cy="1078200"/>
           </a:xfrm>
           <a:prstGeom prst="rect">
             <a:avLst/>
@@ -26245,7 +24547,7 @@
             <a:normAutofit/>
           </a:bodyPr>
           <a:p>
-            <a:pPr marL="432000" indent="-322560">
+            <a:pPr marL="432000" indent="-322200">
               <a:lnSpc>
                 <a:spcPct val="100000"/>
               </a:lnSpc>
@@ -26277,14 +24579,14 @@
       </p:sp>
       <p:sp>
         <p:nvSpPr>
-          <p:cNvPr id="300" name="CustomShape 6"/>
+          <p:cNvPr id="260" name="CustomShape 6"/>
           <p:cNvSpPr/>
           <p:nvPr/>
         </p:nvSpPr>
         <p:spPr>
           <a:xfrm>
             <a:off x="457560" y="2321280"/>
-            <a:ext cx="8227800" cy="1349280"/>
+            <a:ext cx="8227440" cy="1348920"/>
           </a:xfrm>
           <a:prstGeom prst="rect">
             <a:avLst/>
@@ -26305,7 +24607,7 @@
             <a:normAutofit/>
           </a:bodyPr>
           <a:p>
-            <a:pPr marL="432000" indent="-322560">
+            <a:pPr marL="432000" indent="-322200">
               <a:lnSpc>
                 <a:spcPct val="100000"/>
               </a:lnSpc>
@@ -26334,7 +24636,7 @@
             </a:endParaRPr>
           </a:p>
           <a:p>
-            <a:pPr marL="432000" indent="-322560">
+            <a:pPr marL="432000" indent="-322200">
               <a:lnSpc>
                 <a:spcPct val="100000"/>
               </a:lnSpc>
@@ -26408,7 +24710,7 @@
                                           </p:stCondLst>
                                         </p:cTn>
                                         <p:tgtEl>
-                                          <p:spTgt spid="298">
+                                          <p:spTgt spid="258">
                                             <p:txEl>
                                               <p:pRg st="0" end="0"/>
                                             </p:txEl>
@@ -26457,7 +24759,7 @@
                                           </p:stCondLst>
                                         </p:cTn>
                                         <p:tgtEl>
-                                          <p:spTgt spid="299">
+                                          <p:spTgt spid="259">
                                             <p:txEl>
                                               <p:pRg st="0" end="0"/>
                                             </p:txEl>
@@ -26506,7 +24808,7 @@
                                           </p:stCondLst>
                                         </p:cTn>
                                         <p:tgtEl>
-                                          <p:spTgt spid="300">
+                                          <p:spTgt spid="260">
                                             <p:txEl>
                                               <p:pRg st="0" end="0"/>
                                             </p:txEl>
@@ -26555,7 +24857,7 @@
                                           </p:stCondLst>
                                         </p:cTn>
                                         <p:tgtEl>
-                                          <p:spTgt spid="300">
+                                          <p:spTgt spid="260">
                                             <p:txEl>
                                               <p:pRg st="1" end="1"/>
                                             </p:txEl>
@@ -26622,14 +24924,14 @@
       </p:grpSpPr>
       <p:sp>
         <p:nvSpPr>
-          <p:cNvPr id="301" name="CustomShape 1"/>
+          <p:cNvPr id="261" name="CustomShape 1"/>
           <p:cNvSpPr/>
           <p:nvPr/>
         </p:nvSpPr>
         <p:spPr>
           <a:xfrm>
             <a:off x="874800" y="343080"/>
-            <a:ext cx="7963200" cy="582840"/>
+            <a:ext cx="7962840" cy="582480"/>
           </a:xfrm>
           <a:prstGeom prst="rect">
             <a:avLst/>
@@ -26648,14 +24950,14 @@
       </p:sp>
       <p:sp>
         <p:nvSpPr>
-          <p:cNvPr id="302" name="CustomShape 2"/>
+          <p:cNvPr id="262" name="CustomShape 2"/>
           <p:cNvSpPr/>
           <p:nvPr/>
         </p:nvSpPr>
         <p:spPr>
           <a:xfrm>
             <a:off x="874800" y="937080"/>
-            <a:ext cx="7963200" cy="438840"/>
+            <a:ext cx="7962840" cy="438480"/>
           </a:xfrm>
           <a:prstGeom prst="rect">
             <a:avLst/>
@@ -26674,14 +24976,14 @@
       </p:sp>
       <p:sp>
         <p:nvSpPr>
-          <p:cNvPr id="303" name="CustomShape 3"/>
+          <p:cNvPr id="263" name="CustomShape 3"/>
           <p:cNvSpPr/>
           <p:nvPr/>
         </p:nvSpPr>
         <p:spPr>
           <a:xfrm>
             <a:off x="874800" y="1428480"/>
-            <a:ext cx="7963200" cy="3181680"/>
+            <a:ext cx="7962840" cy="3181320"/>
           </a:xfrm>
           <a:prstGeom prst="rect">
             <a:avLst/>
@@ -26700,14 +25002,14 @@
       </p:sp>
       <p:sp>
         <p:nvSpPr>
-          <p:cNvPr id="304" name="CustomShape 4"/>
+          <p:cNvPr id="264" name="CustomShape 4"/>
           <p:cNvSpPr/>
           <p:nvPr/>
         </p:nvSpPr>
         <p:spPr>
           <a:xfrm>
             <a:off x="457200" y="205200"/>
-            <a:ext cx="8227800" cy="857160"/>
+            <a:ext cx="8227440" cy="856800"/>
           </a:xfrm>
           <a:prstGeom prst="rect">
             <a:avLst/>
@@ -26751,14 +25053,14 @@
       </p:sp>
       <p:sp>
         <p:nvSpPr>
-          <p:cNvPr id="305" name="CustomShape 5"/>
+          <p:cNvPr id="265" name="CustomShape 5"/>
           <p:cNvSpPr/>
           <p:nvPr/>
         </p:nvSpPr>
         <p:spPr>
           <a:xfrm>
             <a:off x="288000" y="1224000"/>
-            <a:ext cx="8227800" cy="3526920"/>
+            <a:ext cx="8227440" cy="3526560"/>
           </a:xfrm>
           <a:prstGeom prst="rect">
             <a:avLst/>
@@ -26964,7 +25266,7 @@
                                           </p:stCondLst>
                                         </p:cTn>
                                         <p:tgtEl>
-                                          <p:spTgt spid="304">
+                                          <p:spTgt spid="264">
                                             <p:txEl>
                                               <p:pRg st="0" end="0"/>
                                             </p:txEl>
@@ -27013,7 +25315,7 @@
                                           </p:stCondLst>
                                         </p:cTn>
                                         <p:tgtEl>
-                                          <p:spTgt spid="305">
+                                          <p:spTgt spid="265">
                                             <p:txEl>
                                               <p:pRg st="0" end="0"/>
                                             </p:txEl>
@@ -27062,7 +25364,7 @@
                                           </p:stCondLst>
                                         </p:cTn>
                                         <p:tgtEl>
-                                          <p:spTgt spid="305">
+                                          <p:spTgt spid="265">
                                             <p:txEl>
                                               <p:pRg st="1" end="1"/>
                                             </p:txEl>
@@ -27111,7 +25413,7 @@
                                           </p:stCondLst>
                                         </p:cTn>
                                         <p:tgtEl>
-                                          <p:spTgt spid="305">
+                                          <p:spTgt spid="265">
                                             <p:txEl>
                                               <p:pRg st="3" end="3"/>
                                             </p:txEl>
@@ -27160,7 +25462,7 @@
                                           </p:stCondLst>
                                         </p:cTn>
                                         <p:tgtEl>
-                                          <p:spTgt spid="305">
+                                          <p:spTgt spid="265">
                                             <p:txEl>
                                               <p:pRg st="4" end="4"/>
                                             </p:txEl>
@@ -27209,7 +25511,7 @@
                                           </p:stCondLst>
                                         </p:cTn>
                                         <p:tgtEl>
-                                          <p:spTgt spid="305">
+                                          <p:spTgt spid="265">
                                             <p:txEl>
                                               <p:pRg st="4" end="4"/>
                                             </p:txEl>
@@ -27240,7 +25542,7 @@
                                           </p:stCondLst>
                                         </p:cTn>
                                         <p:tgtEl>
-                                          <p:spTgt spid="305">
+                                          <p:spTgt spid="265">
                                             <p:txEl>
                                               <p:pRg st="5" end="5"/>
                                             </p:txEl>
@@ -27307,14 +25609,14 @@
       </p:grpSpPr>
       <p:sp>
         <p:nvSpPr>
-          <p:cNvPr id="306" name="CustomShape 1"/>
+          <p:cNvPr id="266" name="CustomShape 1"/>
           <p:cNvSpPr/>
           <p:nvPr/>
         </p:nvSpPr>
         <p:spPr>
           <a:xfrm>
             <a:off x="874800" y="343080"/>
-            <a:ext cx="7963200" cy="582840"/>
+            <a:ext cx="7962840" cy="582480"/>
           </a:xfrm>
           <a:prstGeom prst="rect">
             <a:avLst/>
@@ -27333,14 +25635,14 @@
       </p:sp>
       <p:sp>
         <p:nvSpPr>
-          <p:cNvPr id="307" name="CustomShape 2"/>
+          <p:cNvPr id="267" name="CustomShape 2"/>
           <p:cNvSpPr/>
           <p:nvPr/>
         </p:nvSpPr>
         <p:spPr>
           <a:xfrm>
             <a:off x="874800" y="937080"/>
-            <a:ext cx="7963200" cy="438840"/>
+            <a:ext cx="7962840" cy="438480"/>
           </a:xfrm>
           <a:prstGeom prst="rect">
             <a:avLst/>
@@ -27359,14 +25661,14 @@
       </p:sp>
       <p:sp>
         <p:nvSpPr>
-          <p:cNvPr id="308" name="CustomShape 3"/>
+          <p:cNvPr id="268" name="CustomShape 3"/>
           <p:cNvSpPr/>
           <p:nvPr/>
         </p:nvSpPr>
         <p:spPr>
           <a:xfrm>
             <a:off x="874800" y="1428480"/>
-            <a:ext cx="7963200" cy="3181680"/>
+            <a:ext cx="7962840" cy="3181320"/>
           </a:xfrm>
           <a:prstGeom prst="rect">
             <a:avLst/>
@@ -27385,14 +25687,14 @@
       </p:sp>
       <p:sp>
         <p:nvSpPr>
-          <p:cNvPr id="309" name="CustomShape 4"/>
+          <p:cNvPr id="269" name="CustomShape 4"/>
           <p:cNvSpPr/>
           <p:nvPr/>
         </p:nvSpPr>
         <p:spPr>
           <a:xfrm>
             <a:off x="457200" y="205200"/>
-            <a:ext cx="8227800" cy="857160"/>
+            <a:ext cx="8227440" cy="856800"/>
           </a:xfrm>
           <a:prstGeom prst="rect">
             <a:avLst/>
@@ -27436,14 +25738,14 @@
       </p:sp>
       <p:sp>
         <p:nvSpPr>
-          <p:cNvPr id="310" name="CustomShape 5"/>
+          <p:cNvPr id="270" name="CustomShape 5"/>
           <p:cNvSpPr/>
           <p:nvPr/>
         </p:nvSpPr>
         <p:spPr>
           <a:xfrm>
             <a:off x="288000" y="1224000"/>
-            <a:ext cx="8227800" cy="3526920"/>
+            <a:ext cx="8227440" cy="3526560"/>
           </a:xfrm>
           <a:prstGeom prst="rect">
             <a:avLst/>
@@ -27517,14 +25819,14 @@
       </p:sp>
       <p:sp>
         <p:nvSpPr>
-          <p:cNvPr id="311" name="TextShape 6"/>
-          <p:cNvSpPr txBox="1"/>
+          <p:cNvPr id="271" name="CustomShape 6"/>
+          <p:cNvSpPr/>
           <p:nvPr/>
         </p:nvSpPr>
         <p:spPr>
           <a:xfrm>
             <a:off x="2830320" y="2600280"/>
-            <a:ext cx="3024360" cy="430560"/>
+            <a:ext cx="3024000" cy="430200"/>
           </a:xfrm>
           <a:prstGeom prst="rect">
             <a:avLst/>
@@ -27534,11 +25836,22 @@
             <a:noFill/>
           </a:ln>
         </p:spPr>
+        <p:style>
+          <a:lnRef idx="0"/>
+          <a:fillRef idx="0"/>
+          <a:effectRef idx="0"/>
+          <a:fontRef idx="minor"/>
+        </p:style>
         <p:txBody>
           <a:bodyPr lIns="90000" rIns="90000" tIns="45000" bIns="45000">
             <a:noAutofit/>
           </a:bodyPr>
           <a:p>
+            <a:pPr>
+              <a:lnSpc>
+                <a:spcPct val="100000"/>
+              </a:lnSpc>
+            </a:pPr>
             <a:r>
               <a:rPr b="0" lang="de-DE" sz="2400" spc="-1" strike="noStrike">
                 <a:solidFill>
@@ -27599,7 +25912,7 @@
                                           </p:stCondLst>
                                         </p:cTn>
                                         <p:tgtEl>
-                                          <p:spTgt spid="310">
+                                          <p:spTgt spid="270">
                                             <p:txEl>
                                               <p:pRg st="0" end="0"/>
                                             </p:txEl>
@@ -27648,7 +25961,7 @@
                                           </p:stCondLst>
                                         </p:cTn>
                                         <p:tgtEl>
-                                          <p:spTgt spid="310">
+                                          <p:spTgt spid="270">
                                             <p:txEl>
                                               <p:pRg st="2" end="2"/>
                                             </p:txEl>
@@ -27679,7 +25992,7 @@
                                           </p:stCondLst>
                                         </p:cTn>
                                         <p:tgtEl>
-                                          <p:spTgt spid="310">
+                                          <p:spTgt spid="270">
                                             <p:txEl>
                                               <p:pRg st="3" end="3"/>
                                             </p:txEl>
@@ -27746,14 +26059,14 @@
       </p:grpSpPr>
       <p:sp>
         <p:nvSpPr>
-          <p:cNvPr id="312" name="CustomShape 1"/>
+          <p:cNvPr id="272" name="CustomShape 1"/>
           <p:cNvSpPr/>
           <p:nvPr/>
         </p:nvSpPr>
         <p:spPr>
           <a:xfrm>
             <a:off x="457200" y="9360"/>
-            <a:ext cx="8227800" cy="1248840"/>
+            <a:ext cx="8227440" cy="1248480"/>
           </a:xfrm>
           <a:prstGeom prst="rect">
             <a:avLst/>
@@ -27827,14 +26140,14 @@
       </p:sp>
       <p:sp>
         <p:nvSpPr>
-          <p:cNvPr id="313" name="CustomShape 2"/>
+          <p:cNvPr id="273" name="CustomShape 2"/>
           <p:cNvSpPr/>
           <p:nvPr/>
         </p:nvSpPr>
         <p:spPr>
           <a:xfrm>
             <a:off x="288000" y="2461680"/>
-            <a:ext cx="8566560" cy="344880"/>
+            <a:ext cx="8566200" cy="344520"/>
           </a:xfrm>
           <a:prstGeom prst="rect">
             <a:avLst/>
@@ -27888,7 +26201,7 @@
       </p:sp>
       <p:pic>
         <p:nvPicPr>
-          <p:cNvPr id="314" name="" descr=""/>
+          <p:cNvPr id="274" name="" descr=""/>
           <p:cNvPicPr/>
           <p:nvPr/>
         </p:nvPicPr>
@@ -27899,7 +26212,7 @@
         <p:spPr>
           <a:xfrm>
             <a:off x="0" y="0"/>
-            <a:ext cx="9142560" cy="4822560"/>
+            <a:ext cx="9142200" cy="4822200"/>
           </a:xfrm>
           <a:prstGeom prst="rect">
             <a:avLst/>
@@ -27953,7 +26266,7 @@
                                           </p:stCondLst>
                                         </p:cTn>
                                         <p:tgtEl>
-                                          <p:spTgt spid="312">
+                                          <p:spTgt spid="272">
                                             <p:txEl>
                                               <p:pRg st="0" end="0"/>
                                             </p:txEl>
@@ -28002,7 +26315,7 @@
                                           </p:stCondLst>
                                         </p:cTn>
                                         <p:tgtEl>
-                                          <p:spTgt spid="313">
+                                          <p:spTgt spid="273">
                                             <p:txEl>
                                               <p:pRg st="0" end="0"/>
                                             </p:txEl>
@@ -28069,14 +26382,14 @@
       </p:grpSpPr>
       <p:sp>
         <p:nvSpPr>
-          <p:cNvPr id="315" name="CustomShape 1"/>
+          <p:cNvPr id="275" name="CustomShape 1"/>
           <p:cNvSpPr/>
           <p:nvPr/>
         </p:nvSpPr>
         <p:spPr>
           <a:xfrm>
             <a:off x="457200" y="205200"/>
-            <a:ext cx="8227800" cy="857160"/>
+            <a:ext cx="8227440" cy="856800"/>
           </a:xfrm>
           <a:prstGeom prst="rect">
             <a:avLst/>
@@ -28120,14 +26433,14 @@
       </p:sp>
       <p:sp>
         <p:nvSpPr>
-          <p:cNvPr id="316" name="CustomShape 2"/>
+          <p:cNvPr id="276" name="CustomShape 2"/>
           <p:cNvSpPr/>
           <p:nvPr/>
         </p:nvSpPr>
         <p:spPr>
           <a:xfrm>
             <a:off x="457200" y="1203480"/>
-            <a:ext cx="8227800" cy="2981520"/>
+            <a:ext cx="8227440" cy="2981160"/>
           </a:xfrm>
           <a:prstGeom prst="rect">
             <a:avLst/>
@@ -28148,7 +26461,7 @@
             <a:normAutofit/>
           </a:bodyPr>
           <a:p>
-            <a:pPr marL="432000" indent="-322560">
+            <a:pPr marL="432000" indent="-322200">
               <a:lnSpc>
                 <a:spcPct val="100000"/>
               </a:lnSpc>
@@ -28177,7 +26490,7 @@
             </a:endParaRPr>
           </a:p>
           <a:p>
-            <a:pPr marL="432000" indent="-322560">
+            <a:pPr marL="432000" indent="-322200">
               <a:lnSpc>
                 <a:spcPct val="100000"/>
               </a:lnSpc>
@@ -28206,7 +26519,7 @@
             </a:endParaRPr>
           </a:p>
           <a:p>
-            <a:pPr marL="432000" indent="-322560">
+            <a:pPr marL="432000" indent="-322200">
               <a:lnSpc>
                 <a:spcPct val="100000"/>
               </a:lnSpc>
@@ -28235,7 +26548,7 @@
             </a:endParaRPr>
           </a:p>
           <a:p>
-            <a:pPr marL="432000" indent="-322560">
+            <a:pPr marL="432000" indent="-322200">
               <a:lnSpc>
                 <a:spcPct val="100000"/>
               </a:lnSpc>
@@ -28322,7 +26635,7 @@
                                           </p:stCondLst>
                                         </p:cTn>
                                         <p:tgtEl>
-                                          <p:spTgt spid="315">
+                                          <p:spTgt spid="275">
                                             <p:txEl>
                                               <p:pRg st="0" end="0"/>
                                             </p:txEl>
@@ -28371,7 +26684,7 @@
                                           </p:stCondLst>
                                         </p:cTn>
                                         <p:tgtEl>
-                                          <p:spTgt spid="316">
+                                          <p:spTgt spid="276">
                                             <p:txEl>
                                               <p:pRg st="0" end="0"/>
                                             </p:txEl>
@@ -28420,7 +26733,7 @@
                                           </p:stCondLst>
                                         </p:cTn>
                                         <p:tgtEl>
-                                          <p:spTgt spid="316">
+                                          <p:spTgt spid="276">
                                             <p:txEl>
                                               <p:pRg st="1" end="1"/>
                                             </p:txEl>
@@ -28469,7 +26782,7 @@
                                           </p:stCondLst>
                                         </p:cTn>
                                         <p:tgtEl>
-                                          <p:spTgt spid="316">
+                                          <p:spTgt spid="276">
                                             <p:txEl>
                                               <p:pRg st="2" end="2"/>
                                             </p:txEl>
@@ -28518,7 +26831,7 @@
                                           </p:stCondLst>
                                         </p:cTn>
                                         <p:tgtEl>
-                                          <p:spTgt spid="316">
+                                          <p:spTgt spid="276">
                                             <p:txEl>
                                               <p:pRg st="3" end="3"/>
                                             </p:txEl>
@@ -28585,14 +26898,14 @@
       </p:grpSpPr>
       <p:sp>
         <p:nvSpPr>
-          <p:cNvPr id="317" name="CustomShape 1"/>
+          <p:cNvPr id="277" name="CustomShape 1"/>
           <p:cNvSpPr/>
           <p:nvPr/>
         </p:nvSpPr>
         <p:spPr>
           <a:xfrm>
             <a:off x="457200" y="205200"/>
-            <a:ext cx="8227800" cy="857160"/>
+            <a:ext cx="8227440" cy="856800"/>
           </a:xfrm>
           <a:prstGeom prst="rect">
             <a:avLst/>
@@ -28636,14 +26949,14 @@
       </p:sp>
       <p:sp>
         <p:nvSpPr>
-          <p:cNvPr id="318" name="CustomShape 2"/>
+          <p:cNvPr id="278" name="CustomShape 2"/>
           <p:cNvSpPr/>
           <p:nvPr/>
         </p:nvSpPr>
         <p:spPr>
           <a:xfrm>
             <a:off x="88200" y="1249200"/>
-            <a:ext cx="4014360" cy="2889720"/>
+            <a:ext cx="4014000" cy="2889360"/>
           </a:xfrm>
           <a:prstGeom prst="rect">
             <a:avLst/>
@@ -28662,14 +26975,14 @@
       </p:sp>
       <p:sp>
         <p:nvSpPr>
-          <p:cNvPr id="319" name="CustomShape 3"/>
+          <p:cNvPr id="279" name="CustomShape 3"/>
           <p:cNvSpPr/>
           <p:nvPr/>
         </p:nvSpPr>
         <p:spPr>
           <a:xfrm>
             <a:off x="4032000" y="1152000"/>
-            <a:ext cx="4894560" cy="2981520"/>
+            <a:ext cx="4894200" cy="2981160"/>
           </a:xfrm>
           <a:prstGeom prst="rect">
             <a:avLst/>
@@ -28690,7 +27003,7 @@
             <a:normAutofit/>
           </a:bodyPr>
           <a:p>
-            <a:pPr marL="432000" indent="-322560">
+            <a:pPr marL="432000" indent="-322200">
               <a:lnSpc>
                 <a:spcPct val="100000"/>
               </a:lnSpc>
@@ -28719,7 +27032,7 @@
             </a:endParaRPr>
           </a:p>
           <a:p>
-            <a:pPr marL="432000" indent="-322560">
+            <a:pPr marL="432000" indent="-322200">
               <a:lnSpc>
                 <a:spcPct val="100000"/>
               </a:lnSpc>
@@ -28751,7 +27064,7 @@
       </p:sp>
       <p:pic>
         <p:nvPicPr>
-          <p:cNvPr id="320" name="" descr=""/>
+          <p:cNvPr id="280" name="" descr=""/>
           <p:cNvPicPr/>
           <p:nvPr/>
         </p:nvPicPr>
@@ -28762,7 +27075,7 @@
         <p:spPr>
           <a:xfrm>
             <a:off x="79200" y="1296000"/>
-            <a:ext cx="4023360" cy="2662560"/>
+            <a:ext cx="4023000" cy="2662200"/>
           </a:xfrm>
           <a:prstGeom prst="rect">
             <a:avLst/>
@@ -28816,7 +27129,7 @@
                                           </p:stCondLst>
                                         </p:cTn>
                                         <p:tgtEl>
-                                          <p:spTgt spid="317">
+                                          <p:spTgt spid="277">
                                             <p:txEl>
                                               <p:pRg st="0" end="0"/>
                                             </p:txEl>
@@ -28865,7 +27178,7 @@
                                           </p:stCondLst>
                                         </p:cTn>
                                         <p:tgtEl>
-                                          <p:spTgt spid="320"/>
+                                          <p:spTgt spid="280"/>
                                         </p:tgtEl>
                                         <p:attrNameLst>
                                           <p:attrName>style.visibility</p:attrName>
@@ -28910,7 +27223,7 @@
                                           </p:stCondLst>
                                         </p:cTn>
                                         <p:tgtEl>
-                                          <p:spTgt spid="319">
+                                          <p:spTgt spid="279">
                                             <p:txEl>
                                               <p:pRg st="0" end="0"/>
                                             </p:txEl>
@@ -28959,7 +27272,7 @@
                                           </p:stCondLst>
                                         </p:cTn>
                                         <p:tgtEl>
-                                          <p:spTgt spid="319">
+                                          <p:spTgt spid="279">
                                             <p:txEl>
                                               <p:pRg st="1" end="1"/>
                                             </p:txEl>
@@ -30361,230 +28674,4 @@
     </a:fmtScheme>
   </a:themeElements>
 </a:theme>
-</file>
-
-<file path=ppt/theme/theme7.xml><?xml version="1.0" encoding="utf-8"?>
-<a:theme xmlns:a="http://schemas.openxmlformats.org/drawingml/2006/main" name="Office Theme">
-  <a:themeElements>
-    <a:clrScheme name="Office">
-      <a:dk1>
-        <a:sysClr val="windowText" lastClr="000000"/>
-      </a:dk1>
-      <a:lt1>
-        <a:sysClr val="window" lastClr="FFFFFF"/>
-      </a:lt1>
-      <a:dk2>
-        <a:srgbClr val="02d35f"/>
-      </a:dk2>
-      <a:lt2>
-        <a:srgbClr val="d9d8d6"/>
-      </a:lt2>
-      <a:accent1>
-        <a:srgbClr val="a0ff5f"/>
-      </a:accent1>
-      <a:accent2>
-        <a:srgbClr val="02a39c"/>
-      </a:accent2>
-      <a:accent3>
-        <a:srgbClr val="1db0e4"/>
-      </a:accent3>
-      <a:accent4>
-        <a:srgbClr val="1a60a9"/>
-      </a:accent4>
-      <a:accent5>
-        <a:srgbClr val="e04786"/>
-      </a:accent5>
-      <a:accent6>
-        <a:srgbClr val="fc5547"/>
-      </a:accent6>
-      <a:hlink>
-        <a:srgbClr val="1aa39a"/>
-      </a:hlink>
-      <a:folHlink>
-        <a:srgbClr val="1dafe3"/>
-      </a:folHlink>
-    </a:clrScheme>
-    <a:fontScheme name="Office">
-      <a:majorFont>
-        <a:latin typeface="Arial"/>
-        <a:ea typeface="DejaVu Sans"/>
-        <a:cs typeface="DejaVu Sans"/>
-      </a:majorFont>
-      <a:minorFont>
-        <a:latin typeface="Arial"/>
-        <a:ea typeface="DejaVu Sans"/>
-        <a:cs typeface="DejaVu Sans"/>
-      </a:minorFont>
-    </a:fontScheme>
-    <a:fmtScheme name="Office">
-      <a:fillStyleLst>
-        <a:solidFill>
-          <a:schemeClr val="phClr"/>
-        </a:solidFill>
-        <a:gradFill rotWithShape="1">
-          <a:gsLst>
-            <a:gs pos="0">
-              <a:schemeClr val="phClr">
-                <a:tint val="50000"/>
-                <a:satMod val="300000"/>
-              </a:schemeClr>
-            </a:gs>
-            <a:gs pos="35000">
-              <a:schemeClr val="phClr">
-                <a:tint val="37000"/>
-                <a:satMod val="300000"/>
-              </a:schemeClr>
-            </a:gs>
-            <a:gs pos="100000">
-              <a:schemeClr val="phClr">
-                <a:tint val="15000"/>
-                <a:satMod val="350000"/>
-              </a:schemeClr>
-            </a:gs>
-          </a:gsLst>
-          <a:lin ang="16200000" scaled="1"/>
-        </a:gradFill>
-        <a:gradFill rotWithShape="1">
-          <a:gsLst>
-            <a:gs pos="0">
-              <a:schemeClr val="phClr">
-                <a:shade val="51000"/>
-                <a:satMod val="130000"/>
-              </a:schemeClr>
-            </a:gs>
-            <a:gs pos="80000">
-              <a:schemeClr val="phClr">
-                <a:shade val="93000"/>
-                <a:satMod val="130000"/>
-              </a:schemeClr>
-            </a:gs>
-            <a:gs pos="100000">
-              <a:schemeClr val="phClr">
-                <a:shade val="94000"/>
-                <a:satMod val="135000"/>
-              </a:schemeClr>
-            </a:gs>
-          </a:gsLst>
-          <a:lin ang="16200000" scaled="0"/>
-        </a:gradFill>
-      </a:fillStyleLst>
-      <a:lnStyleLst>
-        <a:ln w="9525" cap="flat" cmpd="sng" algn="ctr">
-          <a:solidFill>
-            <a:schemeClr val="phClr">
-              <a:shade val="95000"/>
-              <a:satMod val="105000"/>
-            </a:schemeClr>
-          </a:solidFill>
-          <a:prstDash val="solid"/>
-          <a:miter/>
-        </a:ln>
-        <a:ln w="25400" cap="flat" cmpd="sng" algn="ctr">
-          <a:solidFill>
-            <a:schemeClr val="phClr"/>
-          </a:solidFill>
-          <a:prstDash val="solid"/>
-          <a:miter/>
-        </a:ln>
-        <a:ln w="38100" cap="flat" cmpd="sng" algn="ctr">
-          <a:solidFill>
-            <a:schemeClr val="phClr"/>
-          </a:solidFill>
-          <a:prstDash val="solid"/>
-          <a:miter/>
-        </a:ln>
-      </a:lnStyleLst>
-      <a:effectStyleLst>
-        <a:effectStyle>
-          <a:effectLst>
-            <a:outerShdw blurRad="40000" dist="20000" dir="5400000" rotWithShape="0">
-              <a:srgbClr val="000000">
-                <a:alpha val="38000"/>
-              </a:srgbClr>
-            </a:outerShdw>
-          </a:effectLst>
-        </a:effectStyle>
-        <a:effectStyle>
-          <a:effectLst>
-            <a:outerShdw blurRad="40000" dist="23000" dir="5400000" rotWithShape="0">
-              <a:srgbClr val="000000">
-                <a:alpha val="35000"/>
-              </a:srgbClr>
-            </a:outerShdw>
-          </a:effectLst>
-        </a:effectStyle>
-        <a:effectStyle>
-          <a:effectLst>
-            <a:outerShdw blurRad="40000" dist="23000" dir="5400000" rotWithShape="0">
-              <a:srgbClr val="000000">
-                <a:alpha val="35000"/>
-              </a:srgbClr>
-            </a:outerShdw>
-          </a:effectLst>
-          <a:scene3d>
-            <a:camera prst="orthographicFront">
-              <a:rot lat="0" lon="0" rev="0"/>
-            </a:camera>
-            <a:lightRig rig="threePt" dir="t">
-              <a:rot lat="0" lon="0" rev="1200000"/>
-            </a:lightRig>
-          </a:scene3d>
-          <a:sp3d>
-            <a:bevelT w="63500" h="25400"/>
-          </a:sp3d>
-        </a:effectStyle>
-      </a:effectStyleLst>
-      <a:bgFillStyleLst>
-        <a:solidFill>
-          <a:schemeClr val="phClr"/>
-        </a:solidFill>
-        <a:gradFill rotWithShape="1">
-          <a:gsLst>
-            <a:gs pos="0">
-              <a:schemeClr val="phClr">
-                <a:tint val="40000"/>
-                <a:satMod val="350000"/>
-              </a:schemeClr>
-            </a:gs>
-            <a:gs pos="40000">
-              <a:schemeClr val="phClr">
-                <a:tint val="45000"/>
-                <a:shade val="99000"/>
-                <a:satMod val="350000"/>
-              </a:schemeClr>
-            </a:gs>
-            <a:gs pos="100000">
-              <a:schemeClr val="phClr">
-                <a:shade val="20000"/>
-                <a:satMod val="255000"/>
-              </a:schemeClr>
-            </a:gs>
-          </a:gsLst>
-          <a:path path="circle">
-            <a:fillToRect l="50000" t="-80000" r="50000" b="180000"/>
-          </a:path>
-        </a:gradFill>
-        <a:gradFill rotWithShape="1">
-          <a:gsLst>
-            <a:gs pos="0">
-              <a:schemeClr val="phClr">
-                <a:tint val="80000"/>
-                <a:satMod val="300000"/>
-              </a:schemeClr>
-            </a:gs>
-            <a:gs pos="100000">
-              <a:schemeClr val="phClr">
-                <a:shade val="30000"/>
-                <a:satMod val="200000"/>
-              </a:schemeClr>
-            </a:gs>
-          </a:gsLst>
-          <a:path path="circle">
-            <a:fillToRect l="50000" t="50000" r="50000" b="50000"/>
-          </a:path>
-        </a:gradFill>
-      </a:bgFillStyleLst>
-    </a:fmtScheme>
-  </a:themeElements>
-</a:theme>
 </file>